--- a/Prez OIDC.pptx
+++ b/Prez OIDC.pptx
@@ -5,24 +5,25 @@
     <p:sldMasterId id="2147483732" r:id="rId1"/>
   </p:sldMasterIdLst>
   <p:notesMasterIdLst>
-    <p:notesMasterId r:id="rId17"/>
+    <p:notesMasterId r:id="rId18"/>
   </p:notesMasterIdLst>
   <p:sldIdLst>
     <p:sldId id="256" r:id="rId2"/>
     <p:sldId id="257" r:id="rId3"/>
     <p:sldId id="258" r:id="rId4"/>
     <p:sldId id="259" r:id="rId5"/>
-    <p:sldId id="260" r:id="rId6"/>
-    <p:sldId id="261" r:id="rId7"/>
-    <p:sldId id="262" r:id="rId8"/>
-    <p:sldId id="263" r:id="rId9"/>
-    <p:sldId id="264" r:id="rId10"/>
+    <p:sldId id="272" r:id="rId6"/>
+    <p:sldId id="260" r:id="rId7"/>
+    <p:sldId id="267" r:id="rId8"/>
+    <p:sldId id="261" r:id="rId9"/>
+    <p:sldId id="268" r:id="rId10"/>
     <p:sldId id="265" r:id="rId11"/>
     <p:sldId id="266" r:id="rId12"/>
-    <p:sldId id="267" r:id="rId13"/>
-    <p:sldId id="268" r:id="rId14"/>
-    <p:sldId id="270" r:id="rId15"/>
-    <p:sldId id="269" r:id="rId16"/>
+    <p:sldId id="270" r:id="rId13"/>
+    <p:sldId id="271" r:id="rId14"/>
+    <p:sldId id="263" r:id="rId15"/>
+    <p:sldId id="264" r:id="rId16"/>
+    <p:sldId id="269" r:id="rId17"/>
   </p:sldIdLst>
   <p:sldSz cx="12192000" cy="6858000"/>
   <p:notesSz cx="6858000" cy="9144000"/>
@@ -121,6 +122,11 @@
       </a:defRPr>
     </a:lvl9pPr>
   </p:defaultTextStyle>
+  <p:extLst>
+    <p:ext uri="{EFAFB233-063F-42B5-8137-9DF3F51BA10A}">
+      <p15:sldGuideLst xmlns:p15="http://schemas.microsoft.com/office/powerpoint/2012/main"/>
+    </p:ext>
+  </p:extLst>
 </p:presentation>
 </file>
 
@@ -206,7 +212,7 @@
           <a:p>
             <a:fld id="{CEAEE7E3-3747-4852-9FFD-BE8C94A3E538}" type="datetimeFigureOut">
               <a:rPr lang="fr-FR" smtClean="0"/>
-              <a:t>20/06/2018</a:t>
+              <a:t>26/06/2018</a:t>
             </a:fld>
             <a:endParaRPr lang="fr-FR"/>
           </a:p>
@@ -519,8 +525,106 @@
           <a:p>
             <a:r>
               <a:rPr lang="fr-FR" dirty="0"/>
-              <a:t>Jérôme</a:t>
-            </a:r>
+              <a:t>Préparer </a:t>
+            </a:r>
+            <a:br>
+              <a:rPr lang="fr-FR" dirty="0"/>
+            </a:br>
+            <a:r>
+              <a:rPr lang="fr-FR" dirty="0"/>
+              <a:t>host:</a:t>
+            </a:r>
+            <a:br>
+              <a:rPr lang="fr-FR" dirty="0"/>
+            </a:br>
+            <a:r>
+              <a:rPr lang="fr-FR" dirty="0"/>
+              <a:t>127.0.0.1 </a:t>
+            </a:r>
+            <a:r>
+              <a:rPr lang="fr-FR" dirty="0" err="1"/>
+              <a:t>oidc</a:t>
+            </a:r>
+            <a:r>
+              <a:rPr lang="fr-FR" dirty="0"/>
+              <a:t>-server</a:t>
+            </a:r>
+            <a:br>
+              <a:rPr lang="fr-FR" dirty="0"/>
+            </a:br>
+            <a:r>
+              <a:rPr lang="fr-FR" dirty="0"/>
+              <a:t>127.0.0.1 </a:t>
+            </a:r>
+            <a:r>
+              <a:rPr lang="fr-FR" dirty="0" err="1"/>
+              <a:t>codeflow</a:t>
+            </a:r>
+            <a:br>
+              <a:rPr lang="fr-FR" dirty="0"/>
+            </a:br>
+            <a:r>
+              <a:rPr lang="fr-FR" dirty="0"/>
+              <a:t>127.0.0.1 </a:t>
+            </a:r>
+            <a:r>
+              <a:rPr lang="fr-FR" dirty="0" err="1"/>
+              <a:t>implicit</a:t>
+            </a:r>
+            <a:br>
+              <a:rPr lang="fr-FR" dirty="0"/>
+            </a:br>
+            <a:r>
+              <a:rPr lang="fr-FR" dirty="0"/>
+              <a:t>127.0.0.1 api</a:t>
+            </a:r>
+            <a:br>
+              <a:rPr lang="fr-FR" dirty="0"/>
+            </a:br>
+            <a:br>
+              <a:rPr lang="fr-FR" dirty="0"/>
+            </a:br>
+            <a:r>
+              <a:rPr lang="fr-FR" dirty="0"/>
+              <a:t>Vs Code</a:t>
+            </a:r>
+            <a:br>
+              <a:rPr lang="fr-FR" dirty="0"/>
+            </a:br>
+            <a:r>
+              <a:rPr lang="fr-FR" dirty="0"/>
+              <a:t>Postman</a:t>
+            </a:r>
+            <a:br>
+              <a:rPr lang="fr-FR" dirty="0"/>
+            </a:br>
+            <a:r>
+              <a:rPr lang="fr-FR" dirty="0" err="1"/>
+              <a:t>Cmder</a:t>
+            </a:r>
+            <a:br>
+              <a:rPr lang="fr-FR" dirty="0"/>
+            </a:br>
+            <a:br>
+              <a:rPr lang="fr-FR" dirty="0"/>
+            </a:br>
+            <a:r>
+              <a:rPr lang="fr-FR" dirty="0"/>
+              <a:t>Mettre </a:t>
+            </a:r>
+            <a:r>
+              <a:rPr lang="fr-FR" dirty="0" err="1"/>
+              <a:t>watch</a:t>
+            </a:r>
+            <a:r>
+              <a:rPr lang="fr-FR" dirty="0"/>
+              <a:t> dans les </a:t>
+            </a:r>
+            <a:r>
+              <a:rPr lang="fr-FR"/>
+              <a:t>projets server</a:t>
+            </a:r>
+            <a:endParaRPr lang="fr-FR" dirty="0"/>
           </a:p>
         </p:txBody>
       </p:sp>
@@ -541,7 +645,7 @@
           <a:p>
             <a:fld id="{D02987CE-69F8-438B-A16B-8F9D28B89917}" type="slidenum">
               <a:rPr lang="fr-FR" smtClean="0"/>
-              <a:t>2</a:t>
+              <a:t>1</a:t>
             </a:fld>
             <a:endParaRPr lang="fr-FR"/>
           </a:p>
@@ -550,7 +654,7 @@
     </p:spTree>
     <p:extLst>
       <p:ext uri="{BB962C8B-B14F-4D97-AF65-F5344CB8AC3E}">
-        <p14:creationId xmlns:p14="http://schemas.microsoft.com/office/powerpoint/2010/main" val="2556926423"/>
+        <p14:creationId xmlns:p14="http://schemas.microsoft.com/office/powerpoint/2010/main" val="618074095"/>
       </p:ext>
     </p:extLst>
   </p:cSld>
@@ -606,7 +710,7 @@
           <a:p>
             <a:r>
               <a:rPr lang="fr-FR" dirty="0"/>
-              <a:t>S</a:t>
+              <a:t>J</a:t>
             </a:r>
           </a:p>
         </p:txBody>
@@ -628,7 +732,7 @@
           <a:p>
             <a:fld id="{D02987CE-69F8-438B-A16B-8F9D28B89917}" type="slidenum">
               <a:rPr lang="fr-FR" smtClean="0"/>
-              <a:t>11</a:t>
+              <a:t>10</a:t>
             </a:fld>
             <a:endParaRPr lang="fr-FR"/>
           </a:p>
@@ -637,7 +741,7 @@
     </p:spTree>
     <p:extLst>
       <p:ext uri="{BB962C8B-B14F-4D97-AF65-F5344CB8AC3E}">
-        <p14:creationId xmlns:p14="http://schemas.microsoft.com/office/powerpoint/2010/main" val="2311372432"/>
+        <p14:creationId xmlns:p14="http://schemas.microsoft.com/office/powerpoint/2010/main" val="3478940656"/>
       </p:ext>
     </p:extLst>
   </p:cSld>
@@ -693,7 +797,73 @@
           <a:p>
             <a:r>
               <a:rPr lang="fr-FR" dirty="0"/>
-              <a:t>J</a:t>
+              <a:t>S</a:t>
+            </a:r>
+          </a:p>
+          <a:p>
+            <a:endParaRPr lang="fr-FR" dirty="0"/>
+          </a:p>
+          <a:p>
+            <a:r>
+              <a:rPr lang="fr-FR" dirty="0" err="1"/>
+              <a:t>Dotnet</a:t>
+            </a:r>
+            <a:r>
+              <a:rPr lang="fr-FR" dirty="0"/>
+              <a:t> new </a:t>
+            </a:r>
+            <a:r>
+              <a:rPr lang="fr-FR" dirty="0" err="1"/>
+              <a:t>webapi</a:t>
+            </a:r>
+            <a:endParaRPr lang="fr-FR" dirty="0"/>
+          </a:p>
+          <a:p>
+            <a:r>
+              <a:rPr lang="fr-FR" dirty="0"/>
+              <a:t>Ajouter le package is4 server</a:t>
+            </a:r>
+          </a:p>
+          <a:p>
+            <a:r>
+              <a:rPr lang="fr-FR" dirty="0"/>
+              <a:t>Ajouter le code dans Configure et </a:t>
+            </a:r>
+            <a:r>
+              <a:rPr lang="fr-FR" dirty="0" err="1"/>
+              <a:t>ConfigureServices</a:t>
+            </a:r>
+            <a:endParaRPr lang="fr-FR" dirty="0"/>
+          </a:p>
+          <a:p>
+            <a:r>
+              <a:rPr lang="fr-FR" dirty="0"/>
+              <a:t>Ajouter scope, client</a:t>
+            </a:r>
+          </a:p>
+          <a:p>
+            <a:endParaRPr lang="fr-FR" dirty="0"/>
+          </a:p>
+          <a:p>
+            <a:r>
+              <a:rPr lang="fr-FR" dirty="0" err="1"/>
+              <a:t>Dotnet</a:t>
+            </a:r>
+            <a:r>
+              <a:rPr lang="fr-FR" dirty="0"/>
+              <a:t> run </a:t>
+            </a:r>
+          </a:p>
+          <a:p>
+            <a:r>
+              <a:rPr lang="fr-FR" dirty="0"/>
+              <a:t>Discovery ?</a:t>
+            </a:r>
+          </a:p>
+          <a:p>
+            <a:r>
+              <a:rPr lang="fr-FR" dirty="0"/>
+              <a:t>Basculer démo web app vers le nouveau OIDC server créé </a:t>
             </a:r>
           </a:p>
         </p:txBody>
@@ -715,7 +885,7 @@
           <a:p>
             <a:fld id="{D02987CE-69F8-438B-A16B-8F9D28B89917}" type="slidenum">
               <a:rPr lang="fr-FR" smtClean="0"/>
-              <a:t>12</a:t>
+              <a:t>11</a:t>
             </a:fld>
             <a:endParaRPr lang="fr-FR"/>
           </a:p>
@@ -724,7 +894,7 @@
     </p:spTree>
     <p:extLst>
       <p:ext uri="{BB962C8B-B14F-4D97-AF65-F5344CB8AC3E}">
-        <p14:creationId xmlns:p14="http://schemas.microsoft.com/office/powerpoint/2010/main" val="2968246798"/>
+        <p14:creationId xmlns:p14="http://schemas.microsoft.com/office/powerpoint/2010/main" val="2311372432"/>
       </p:ext>
     </p:extLst>
   </p:cSld>
@@ -802,7 +972,7 @@
           <a:p>
             <a:fld id="{D02987CE-69F8-438B-A16B-8F9D28B89917}" type="slidenum">
               <a:rPr lang="fr-FR" smtClean="0"/>
-              <a:t>13</a:t>
+              <a:t>12</a:t>
             </a:fld>
             <a:endParaRPr lang="fr-FR"/>
           </a:p>
@@ -811,7 +981,7 @@
     </p:spTree>
     <p:extLst>
       <p:ext uri="{BB962C8B-B14F-4D97-AF65-F5344CB8AC3E}">
-        <p14:creationId xmlns:p14="http://schemas.microsoft.com/office/powerpoint/2010/main" val="63885150"/>
+        <p14:creationId xmlns:p14="http://schemas.microsoft.com/office/powerpoint/2010/main" val="1614864561"/>
       </p:ext>
     </p:extLst>
   </p:cSld>
@@ -867,7 +1037,7 @@
           <a:p>
             <a:r>
               <a:rPr lang="fr-FR" dirty="0"/>
-              <a:t>S</a:t>
+              <a:t>J</a:t>
             </a:r>
           </a:p>
         </p:txBody>
@@ -898,7 +1068,94 @@
     </p:spTree>
     <p:extLst>
       <p:ext uri="{BB962C8B-B14F-4D97-AF65-F5344CB8AC3E}">
-        <p14:creationId xmlns:p14="http://schemas.microsoft.com/office/powerpoint/2010/main" val="1614864561"/>
+        <p14:creationId xmlns:p14="http://schemas.microsoft.com/office/powerpoint/2010/main" val="1022295303"/>
+      </p:ext>
+    </p:extLst>
+  </p:cSld>
+  <p:clrMapOvr>
+    <a:masterClrMapping/>
+  </p:clrMapOvr>
+</p:notes>
+</file>
+
+<file path=ppt/notesSlides/notesSlide14.xml><?xml version="1.0" encoding="utf-8"?>
+<p:notes xmlns:a="http://schemas.openxmlformats.org/drawingml/2006/main" xmlns:r="http://schemas.openxmlformats.org/officeDocument/2006/relationships" xmlns:p="http://schemas.openxmlformats.org/presentationml/2006/main">
+  <p:cSld>
+    <p:spTree>
+      <p:nvGrpSpPr>
+        <p:cNvPr id="1" name=""/>
+        <p:cNvGrpSpPr/>
+        <p:nvPr/>
+      </p:nvGrpSpPr>
+      <p:grpSpPr>
+        <a:xfrm>
+          <a:off x="0" y="0"/>
+          <a:ext cx="0" cy="0"/>
+          <a:chOff x="0" y="0"/>
+          <a:chExt cx="0" cy="0"/>
+        </a:xfrm>
+      </p:grpSpPr>
+      <p:sp>
+        <p:nvSpPr>
+          <p:cNvPr id="2" name="Espace réservé de l'image des diapositives 1"/>
+          <p:cNvSpPr>
+            <a:spLocks noGrp="1" noRot="1" noChangeAspect="1"/>
+          </p:cNvSpPr>
+          <p:nvPr>
+            <p:ph type="sldImg"/>
+          </p:nvPr>
+        </p:nvSpPr>
+        <p:spPr/>
+      </p:sp>
+      <p:sp>
+        <p:nvSpPr>
+          <p:cNvPr id="3" name="Espace réservé des notes 2"/>
+          <p:cNvSpPr>
+            <a:spLocks noGrp="1"/>
+          </p:cNvSpPr>
+          <p:nvPr>
+            <p:ph type="body" idx="1"/>
+          </p:nvPr>
+        </p:nvSpPr>
+        <p:spPr/>
+        <p:txBody>
+          <a:bodyPr/>
+          <a:lstStyle/>
+          <a:p>
+            <a:r>
+              <a:rPr lang="fr-FR" dirty="0"/>
+              <a:t>S</a:t>
+            </a:r>
+          </a:p>
+        </p:txBody>
+      </p:sp>
+      <p:sp>
+        <p:nvSpPr>
+          <p:cNvPr id="4" name="Espace réservé du numéro de diapositive 3"/>
+          <p:cNvSpPr>
+            <a:spLocks noGrp="1"/>
+          </p:cNvSpPr>
+          <p:nvPr>
+            <p:ph type="sldNum" sz="quarter" idx="10"/>
+          </p:nvPr>
+        </p:nvSpPr>
+        <p:spPr/>
+        <p:txBody>
+          <a:bodyPr/>
+          <a:lstStyle/>
+          <a:p>
+            <a:fld id="{D02987CE-69F8-438B-A16B-8F9D28B89917}" type="slidenum">
+              <a:rPr lang="fr-FR" smtClean="0"/>
+              <a:t>15</a:t>
+            </a:fld>
+            <a:endParaRPr lang="fr-FR"/>
+          </a:p>
+        </p:txBody>
+      </p:sp>
+    </p:spTree>
+    <p:extLst>
+      <p:ext uri="{BB962C8B-B14F-4D97-AF65-F5344CB8AC3E}">
+        <p14:creationId xmlns:p14="http://schemas.microsoft.com/office/powerpoint/2010/main" val="1574200799"/>
       </p:ext>
     </p:extLst>
   </p:cSld>
@@ -954,8 +1211,170 @@
           <a:p>
             <a:r>
               <a:rPr lang="fr-FR" dirty="0"/>
-              <a:t>Simon</a:t>
-            </a:r>
+              <a:t>Jérôme</a:t>
+            </a:r>
+            <a:br>
+              <a:rPr lang="fr-FR" dirty="0"/>
+            </a:br>
+            <a:br>
+              <a:rPr lang="fr-FR" dirty="0"/>
+            </a:br>
+            <a:r>
+              <a:rPr lang="fr-FR" sz="1200" kern="1200" dirty="0">
+                <a:solidFill>
+                  <a:schemeClr val="tx1"/>
+                </a:solidFill>
+                <a:effectLst/>
+                <a:latin typeface="+mn-lt"/>
+                <a:ea typeface="+mn-ea"/>
+                <a:cs typeface="+mn-cs"/>
+              </a:rPr>
+              <a:t>Qui connait OIDC ?</a:t>
+            </a:r>
+          </a:p>
+          <a:p>
+            <a:r>
+              <a:rPr lang="fr-FR" sz="1200" kern="1200" dirty="0">
+                <a:solidFill>
+                  <a:schemeClr val="tx1"/>
+                </a:solidFill>
+                <a:effectLst/>
+                <a:latin typeface="+mn-lt"/>
+                <a:ea typeface="+mn-ea"/>
+                <a:cs typeface="+mn-cs"/>
+              </a:rPr>
+              <a:t> </a:t>
+            </a:r>
+          </a:p>
+          <a:p>
+            <a:r>
+              <a:rPr lang="fr-FR" sz="1200" kern="1200" dirty="0">
+                <a:solidFill>
+                  <a:schemeClr val="tx1"/>
+                </a:solidFill>
+                <a:effectLst/>
+                <a:latin typeface="+mn-lt"/>
+                <a:ea typeface="+mn-ea"/>
+                <a:cs typeface="+mn-cs"/>
+              </a:rPr>
+              <a:t>Donc OIDC est une norme d'identification et d'autorisation étendu d'OAuth2.</a:t>
+            </a:r>
+            <a:br>
+              <a:rPr lang="fr-FR" sz="1200" kern="1200" dirty="0">
+                <a:solidFill>
+                  <a:schemeClr val="tx1"/>
+                </a:solidFill>
+                <a:effectLst/>
+                <a:latin typeface="+mn-lt"/>
+                <a:ea typeface="+mn-ea"/>
+                <a:cs typeface="+mn-cs"/>
+              </a:rPr>
+            </a:br>
+            <a:r>
+              <a:rPr lang="fr-FR" sz="1200" kern="1200" dirty="0">
+                <a:solidFill>
+                  <a:schemeClr val="tx1"/>
+                </a:solidFill>
+                <a:effectLst/>
+                <a:latin typeface="+mn-lt"/>
+                <a:ea typeface="+mn-ea"/>
+                <a:cs typeface="+mn-cs"/>
+              </a:rPr>
+              <a:t>Le but est de centralisé toutes les informations de l'utilisateur tout en gagnant en sécurité. </a:t>
+            </a:r>
+          </a:p>
+          <a:p>
+            <a:r>
+              <a:rPr lang="fr-FR" sz="1200" kern="1200" dirty="0">
+                <a:solidFill>
+                  <a:schemeClr val="tx1"/>
+                </a:solidFill>
+                <a:effectLst/>
+                <a:latin typeface="+mn-lt"/>
+                <a:ea typeface="+mn-ea"/>
+                <a:cs typeface="+mn-cs"/>
+              </a:rPr>
+              <a:t>==&gt; On a plus à gérer les problématiques de sécurité sur l'identification en tant que consommateur</a:t>
+            </a:r>
+          </a:p>
+          <a:p>
+            <a:r>
+              <a:rPr lang="fr-FR" sz="1200" kern="1200" dirty="0">
+                <a:solidFill>
+                  <a:schemeClr val="tx1"/>
+                </a:solidFill>
+                <a:effectLst/>
+                <a:latin typeface="+mn-lt"/>
+                <a:ea typeface="+mn-ea"/>
+                <a:cs typeface="+mn-cs"/>
+              </a:rPr>
+              <a:t>==&gt; On ne les gère qu'une seule fois en tant que fournisseur  OIDC</a:t>
+            </a:r>
+          </a:p>
+          <a:p>
+            <a:r>
+              <a:rPr lang="fr-FR" sz="1200" kern="1200" dirty="0">
+                <a:solidFill>
+                  <a:schemeClr val="tx1"/>
+                </a:solidFill>
+                <a:effectLst/>
+                <a:latin typeface="+mn-lt"/>
+                <a:ea typeface="+mn-ea"/>
+                <a:cs typeface="+mn-cs"/>
+              </a:rPr>
+              <a:t>Facilité pour l'utilisateur qui n'a plus qu'un seul compte.</a:t>
+            </a:r>
+          </a:p>
+          <a:p>
+            <a:r>
+              <a:rPr lang="fr-FR" sz="1200" kern="1200" dirty="0">
+                <a:solidFill>
+                  <a:schemeClr val="tx1"/>
+                </a:solidFill>
+                <a:effectLst/>
+                <a:latin typeface="+mn-lt"/>
+                <a:ea typeface="+mn-ea"/>
+                <a:cs typeface="+mn-cs"/>
+              </a:rPr>
+              <a:t>De plus c'est un standard répandu.</a:t>
+            </a:r>
+            <a:br>
+              <a:rPr lang="fr-FR" sz="1200" kern="1200" dirty="0">
+                <a:solidFill>
+                  <a:schemeClr val="tx1"/>
+                </a:solidFill>
+                <a:effectLst/>
+                <a:latin typeface="+mn-lt"/>
+                <a:ea typeface="+mn-ea"/>
+                <a:cs typeface="+mn-cs"/>
+              </a:rPr>
+            </a:br>
+            <a:br>
+              <a:rPr lang="fr-FR" sz="1200" kern="1200" dirty="0">
+                <a:solidFill>
+                  <a:schemeClr val="tx1"/>
+                </a:solidFill>
+                <a:effectLst/>
+                <a:latin typeface="+mn-lt"/>
+                <a:ea typeface="+mn-ea"/>
+                <a:cs typeface="+mn-cs"/>
+              </a:rPr>
+            </a:br>
+            <a:r>
+              <a:rPr lang="fr-FR" sz="1200" kern="1200" dirty="0">
+                <a:solidFill>
+                  <a:schemeClr val="tx1"/>
+                </a:solidFill>
+                <a:effectLst/>
+                <a:latin typeface="+mn-lt"/>
+                <a:ea typeface="+mn-ea"/>
+                <a:cs typeface="+mn-cs"/>
+              </a:rPr>
+              <a:t>GDPR =&gt; Consentement centralisé</a:t>
+            </a:r>
+          </a:p>
+          <a:p>
+            <a:endParaRPr lang="fr-FR" dirty="0"/>
           </a:p>
         </p:txBody>
       </p:sp>
@@ -976,7 +1395,7 @@
           <a:p>
             <a:fld id="{D02987CE-69F8-438B-A16B-8F9D28B89917}" type="slidenum">
               <a:rPr lang="fr-FR" smtClean="0"/>
-              <a:t>3</a:t>
+              <a:t>2</a:t>
             </a:fld>
             <a:endParaRPr lang="fr-FR"/>
           </a:p>
@@ -985,7 +1404,7 @@
     </p:spTree>
     <p:extLst>
       <p:ext uri="{BB962C8B-B14F-4D97-AF65-F5344CB8AC3E}">
-        <p14:creationId xmlns:p14="http://schemas.microsoft.com/office/powerpoint/2010/main" val="565224243"/>
+        <p14:creationId xmlns:p14="http://schemas.microsoft.com/office/powerpoint/2010/main" val="2556926423"/>
       </p:ext>
     </p:extLst>
   </p:cSld>
@@ -1041,7 +1460,7 @@
           <a:p>
             <a:r>
               <a:rPr lang="fr-FR" dirty="0"/>
-              <a:t>J</a:t>
+              <a:t>Simon</a:t>
             </a:r>
           </a:p>
         </p:txBody>
@@ -1063,7 +1482,7 @@
           <a:p>
             <a:fld id="{D02987CE-69F8-438B-A16B-8F9D28B89917}" type="slidenum">
               <a:rPr lang="fr-FR" smtClean="0"/>
-              <a:t>4</a:t>
+              <a:t>3</a:t>
             </a:fld>
             <a:endParaRPr lang="fr-FR"/>
           </a:p>
@@ -1072,7 +1491,7 @@
     </p:spTree>
     <p:extLst>
       <p:ext uri="{BB962C8B-B14F-4D97-AF65-F5344CB8AC3E}">
-        <p14:creationId xmlns:p14="http://schemas.microsoft.com/office/powerpoint/2010/main" val="639017118"/>
+        <p14:creationId xmlns:p14="http://schemas.microsoft.com/office/powerpoint/2010/main" val="565224243"/>
       </p:ext>
     </p:extLst>
   </p:cSld>
@@ -1130,6 +1549,19 @@
               <a:rPr lang="fr-FR" dirty="0"/>
               <a:t>S</a:t>
             </a:r>
+            <a:br>
+              <a:rPr lang="fr-FR" dirty="0"/>
+            </a:br>
+            <a:br>
+              <a:rPr lang="fr-FR" dirty="0"/>
+            </a:br>
+            <a:r>
+              <a:rPr lang="fr-FR" dirty="0"/>
+              <a:t>Montrer https://demo.identityserver.io/.well-known/openid-configuration</a:t>
+            </a:r>
+          </a:p>
+          <a:p>
+            <a:endParaRPr lang="fr-FR" dirty="0"/>
           </a:p>
         </p:txBody>
       </p:sp>
@@ -1150,7 +1582,7 @@
           <a:p>
             <a:fld id="{D02987CE-69F8-438B-A16B-8F9D28B89917}" type="slidenum">
               <a:rPr lang="fr-FR" smtClean="0"/>
-              <a:t>5</a:t>
+              <a:t>4</a:t>
             </a:fld>
             <a:endParaRPr lang="fr-FR"/>
           </a:p>
@@ -1159,7 +1591,7 @@
     </p:spTree>
     <p:extLst>
       <p:ext uri="{BB962C8B-B14F-4D97-AF65-F5344CB8AC3E}">
-        <p14:creationId xmlns:p14="http://schemas.microsoft.com/office/powerpoint/2010/main" val="1427415248"/>
+        <p14:creationId xmlns:p14="http://schemas.microsoft.com/office/powerpoint/2010/main" val="639017118"/>
       </p:ext>
     </p:extLst>
   </p:cSld>
@@ -1237,7 +1669,7 @@
           <a:p>
             <a:fld id="{D02987CE-69F8-438B-A16B-8F9D28B89917}" type="slidenum">
               <a:rPr lang="fr-FR" smtClean="0"/>
-              <a:t>6</a:t>
+              <a:t>5</a:t>
             </a:fld>
             <a:endParaRPr lang="fr-FR"/>
           </a:p>
@@ -1246,7 +1678,7 @@
     </p:spTree>
     <p:extLst>
       <p:ext uri="{BB962C8B-B14F-4D97-AF65-F5344CB8AC3E}">
-        <p14:creationId xmlns:p14="http://schemas.microsoft.com/office/powerpoint/2010/main" val="1497709065"/>
+        <p14:creationId xmlns:p14="http://schemas.microsoft.com/office/powerpoint/2010/main" val="2016509213"/>
       </p:ext>
     </p:extLst>
   </p:cSld>
@@ -1302,7 +1734,13 @@
           <a:p>
             <a:r>
               <a:rPr lang="fr-FR" dirty="0"/>
-              <a:t>S</a:t>
+              <a:t>J</a:t>
+            </a:r>
+          </a:p>
+          <a:p>
+            <a:r>
+              <a:rPr lang="fr-FR" dirty="0"/>
+              <a:t>Contexte web application</a:t>
             </a:r>
           </a:p>
         </p:txBody>
@@ -1324,7 +1762,7 @@
           <a:p>
             <a:fld id="{D02987CE-69F8-438B-A16B-8F9D28B89917}" type="slidenum">
               <a:rPr lang="fr-FR" smtClean="0"/>
-              <a:t>7</a:t>
+              <a:t>6</a:t>
             </a:fld>
             <a:endParaRPr lang="fr-FR"/>
           </a:p>
@@ -1333,7 +1771,7 @@
     </p:spTree>
     <p:extLst>
       <p:ext uri="{BB962C8B-B14F-4D97-AF65-F5344CB8AC3E}">
-        <p14:creationId xmlns:p14="http://schemas.microsoft.com/office/powerpoint/2010/main" val="598991114"/>
+        <p14:creationId xmlns:p14="http://schemas.microsoft.com/office/powerpoint/2010/main" val="1427415248"/>
       </p:ext>
     </p:extLst>
   </p:cSld>
@@ -1391,6 +1829,33 @@
               <a:rPr lang="fr-FR" dirty="0"/>
               <a:t>J</a:t>
             </a:r>
+            <a:br>
+              <a:rPr lang="fr-FR" dirty="0"/>
+            </a:br>
+            <a:br>
+              <a:rPr lang="fr-FR" dirty="0"/>
+            </a:br>
+            <a:r>
+              <a:rPr lang="fr-FR" dirty="0" err="1"/>
+              <a:t>aspnet</a:t>
+            </a:r>
+            <a:r>
+              <a:rPr lang="fr-FR" dirty="0"/>
+              <a:t> </a:t>
+            </a:r>
+            <a:r>
+              <a:rPr lang="fr-FR" sz="1200" b="0" i="0" kern="1200" dirty="0" err="1">
+                <a:solidFill>
+                  <a:schemeClr val="tx1"/>
+                </a:solidFill>
+                <a:effectLst/>
+                <a:latin typeface="+mn-lt"/>
+                <a:ea typeface="+mn-ea"/>
+                <a:cs typeface="+mn-cs"/>
+              </a:rPr>
+              <a:t>Microsoft.Owin.Security.OpenIdConnect</a:t>
+            </a:r>
+            <a:endParaRPr lang="fr-FR" dirty="0"/>
           </a:p>
         </p:txBody>
       </p:sp>
@@ -1411,7 +1876,7 @@
           <a:p>
             <a:fld id="{D02987CE-69F8-438B-A16B-8F9D28B89917}" type="slidenum">
               <a:rPr lang="fr-FR" smtClean="0"/>
-              <a:t>8</a:t>
+              <a:t>7</a:t>
             </a:fld>
             <a:endParaRPr lang="fr-FR"/>
           </a:p>
@@ -1420,7 +1885,7 @@
     </p:spTree>
     <p:extLst>
       <p:ext uri="{BB962C8B-B14F-4D97-AF65-F5344CB8AC3E}">
-        <p14:creationId xmlns:p14="http://schemas.microsoft.com/office/powerpoint/2010/main" val="1022295303"/>
+        <p14:creationId xmlns:p14="http://schemas.microsoft.com/office/powerpoint/2010/main" val="2968246798"/>
       </p:ext>
     </p:extLst>
   </p:cSld>
@@ -1476,7 +1941,7 @@
           <a:p>
             <a:r>
               <a:rPr lang="fr-FR" dirty="0"/>
-              <a:t>S</a:t>
+              <a:t>J</a:t>
             </a:r>
           </a:p>
         </p:txBody>
@@ -1498,7 +1963,7 @@
           <a:p>
             <a:fld id="{D02987CE-69F8-438B-A16B-8F9D28B89917}" type="slidenum">
               <a:rPr lang="fr-FR" smtClean="0"/>
-              <a:t>9</a:t>
+              <a:t>8</a:t>
             </a:fld>
             <a:endParaRPr lang="fr-FR"/>
           </a:p>
@@ -1507,7 +1972,7 @@
     </p:spTree>
     <p:extLst>
       <p:ext uri="{BB962C8B-B14F-4D97-AF65-F5344CB8AC3E}">
-        <p14:creationId xmlns:p14="http://schemas.microsoft.com/office/powerpoint/2010/main" val="1574200799"/>
+        <p14:creationId xmlns:p14="http://schemas.microsoft.com/office/powerpoint/2010/main" val="1497709065"/>
       </p:ext>
     </p:extLst>
   </p:cSld>
@@ -1563,7 +2028,171 @@
           <a:p>
             <a:r>
               <a:rPr lang="fr-FR" dirty="0"/>
-              <a:t>J</a:t>
+              <a:t>S</a:t>
+            </a:r>
+          </a:p>
+          <a:p>
+            <a:r>
+              <a:rPr lang="fr-FR" dirty="0"/>
+              <a:t>Cible : </a:t>
+            </a:r>
+            <a:r>
+              <a:rPr lang="fr-FR" dirty="0" err="1"/>
+              <a:t>demo</a:t>
+            </a:r>
+            <a:r>
+              <a:rPr lang="fr-FR" dirty="0"/>
+              <a:t> </a:t>
+            </a:r>
+            <a:r>
+              <a:rPr lang="fr-FR" dirty="0" err="1"/>
+              <a:t>is</a:t>
+            </a:r>
+            <a:r>
+              <a:rPr lang="fr-FR" dirty="0"/>
+              <a:t> 4</a:t>
+            </a:r>
+          </a:p>
+          <a:p>
+            <a:r>
+              <a:rPr lang="fr-FR" dirty="0"/>
+              <a:t>1- Postman récupérer un </a:t>
+            </a:r>
+            <a:r>
+              <a:rPr lang="fr-FR" dirty="0" err="1"/>
+              <a:t>access</a:t>
+            </a:r>
+            <a:r>
+              <a:rPr lang="fr-FR" dirty="0"/>
+              <a:t> </a:t>
+            </a:r>
+            <a:r>
+              <a:rPr lang="fr-FR" dirty="0" err="1"/>
+              <a:t>token</a:t>
+            </a:r>
+            <a:r>
+              <a:rPr lang="fr-FR" dirty="0"/>
+              <a:t> (+ </a:t>
+            </a:r>
+            <a:r>
+              <a:rPr lang="fr-FR" dirty="0" err="1"/>
+              <a:t>id_token</a:t>
+            </a:r>
+            <a:r>
+              <a:rPr lang="fr-FR" dirty="0"/>
+              <a:t>)</a:t>
+            </a:r>
+          </a:p>
+          <a:p>
+            <a:r>
+              <a:rPr lang="fr-FR" dirty="0"/>
+              <a:t>2- montrer le contenu des </a:t>
+            </a:r>
+            <a:r>
+              <a:rPr lang="fr-FR" dirty="0" err="1"/>
+              <a:t>jwt</a:t>
+            </a:r>
+            <a:r>
+              <a:rPr lang="fr-FR" dirty="0"/>
+              <a:t> dans jwt.io</a:t>
+            </a:r>
+          </a:p>
+          <a:p>
+            <a:r>
+              <a:rPr lang="fr-FR" dirty="0"/>
+              <a:t>3- Appels API sans et avec </a:t>
+            </a:r>
+            <a:r>
+              <a:rPr lang="fr-FR" dirty="0" err="1"/>
+              <a:t>access</a:t>
+            </a:r>
+            <a:r>
+              <a:rPr lang="fr-FR" dirty="0"/>
+              <a:t> </a:t>
+            </a:r>
+            <a:r>
+              <a:rPr lang="fr-FR" dirty="0" err="1"/>
+              <a:t>token</a:t>
+            </a:r>
+            <a:r>
+              <a:rPr lang="fr-FR" dirty="0"/>
+              <a:t> pour montrer que c’est protégé</a:t>
+            </a:r>
+          </a:p>
+          <a:p>
+            <a:r>
+              <a:rPr lang="fr-FR" dirty="0"/>
+              <a:t>4- en option implémenter dans une app </a:t>
+            </a:r>
+            <a:r>
+              <a:rPr lang="fr-FR" dirty="0" err="1"/>
+              <a:t>js</a:t>
+            </a:r>
+            <a:r>
+              <a:rPr lang="fr-FR" dirty="0"/>
+              <a:t> + API </a:t>
+            </a:r>
+            <a:r>
+              <a:rPr lang="fr-FR" dirty="0" err="1"/>
+              <a:t>aspnet</a:t>
+            </a:r>
+            <a:r>
+              <a:rPr lang="fr-FR" dirty="0"/>
+              <a:t> protégée en </a:t>
+            </a:r>
+            <a:r>
+              <a:rPr lang="fr-FR" dirty="0" err="1"/>
+              <a:t>jwt</a:t>
+            </a:r>
+            <a:r>
+              <a:rPr lang="fr-FR" dirty="0"/>
+              <a:t> </a:t>
+            </a:r>
+            <a:r>
+              <a:rPr lang="fr-FR" dirty="0" err="1"/>
+              <a:t>bearer</a:t>
+            </a:r>
+            <a:endParaRPr lang="fr-FR" dirty="0"/>
+          </a:p>
+          <a:p>
+            <a:endParaRPr lang="fr-FR" dirty="0"/>
+          </a:p>
+          <a:p>
+            <a:r>
+              <a:rPr lang="fr-FR" dirty="0"/>
+              <a:t>En </a:t>
+            </a:r>
+            <a:r>
+              <a:rPr lang="fr-FR" dirty="0" err="1"/>
+              <a:t>React</a:t>
+            </a:r>
+            <a:r>
+              <a:rPr lang="fr-FR" dirty="0"/>
+              <a:t> il existe </a:t>
+            </a:r>
+            <a:r>
+              <a:rPr lang="fr-FR" dirty="0" err="1"/>
+              <a:t>React-oidc</a:t>
+            </a:r>
+            <a:r>
+              <a:rPr lang="fr-FR" dirty="0"/>
+              <a:t>, en </a:t>
+            </a:r>
+            <a:r>
+              <a:rPr lang="fr-FR" dirty="0" err="1"/>
+              <a:t>angular</a:t>
+            </a:r>
+            <a:r>
+              <a:rPr lang="fr-FR" dirty="0"/>
+              <a:t> ou </a:t>
+            </a:r>
+            <a:r>
+              <a:rPr lang="fr-FR" dirty="0" err="1"/>
+              <a:t>js</a:t>
+            </a:r>
+            <a:r>
+              <a:rPr lang="fr-FR" dirty="0"/>
+              <a:t> il existe oidc-client.js</a:t>
             </a:r>
           </a:p>
         </p:txBody>
@@ -1585,7 +2214,7 @@
           <a:p>
             <a:fld id="{D02987CE-69F8-438B-A16B-8F9D28B89917}" type="slidenum">
               <a:rPr lang="fr-FR" smtClean="0"/>
-              <a:t>10</a:t>
+              <a:t>9</a:t>
             </a:fld>
             <a:endParaRPr lang="fr-FR"/>
           </a:p>
@@ -1594,7 +2223,7 @@
     </p:spTree>
     <p:extLst>
       <p:ext uri="{BB962C8B-B14F-4D97-AF65-F5344CB8AC3E}">
-        <p14:creationId xmlns:p14="http://schemas.microsoft.com/office/powerpoint/2010/main" val="3478940656"/>
+        <p14:creationId xmlns:p14="http://schemas.microsoft.com/office/powerpoint/2010/main" val="3163538104"/>
       </p:ext>
     </p:extLst>
   </p:cSld>
@@ -2815,7 +3444,7 @@
           <a:p>
             <a:fld id="{F5DE3747-A71A-4323-B182-59653B97B97C}" type="datetimeFigureOut">
               <a:rPr lang="fr-FR" smtClean="0"/>
-              <a:t>20/06/2018</a:t>
+              <a:t>26/06/2018</a:t>
             </a:fld>
             <a:endParaRPr lang="fr-FR"/>
           </a:p>
@@ -3053,7 +3682,7 @@
           <a:p>
             <a:fld id="{F5DE3747-A71A-4323-B182-59653B97B97C}" type="datetimeFigureOut">
               <a:rPr lang="fr-FR" smtClean="0"/>
-              <a:t>20/06/2018</a:t>
+              <a:t>26/06/2018</a:t>
             </a:fld>
             <a:endParaRPr lang="fr-FR"/>
           </a:p>
@@ -3233,7 +3862,7 @@
           <a:p>
             <a:fld id="{F5DE3747-A71A-4323-B182-59653B97B97C}" type="datetimeFigureOut">
               <a:rPr lang="fr-FR" smtClean="0"/>
-              <a:t>20/06/2018</a:t>
+              <a:t>26/06/2018</a:t>
             </a:fld>
             <a:endParaRPr lang="fr-FR"/>
           </a:p>
@@ -3403,7 +4032,7 @@
           <a:p>
             <a:fld id="{F5DE3747-A71A-4323-B182-59653B97B97C}" type="datetimeFigureOut">
               <a:rPr lang="fr-FR" smtClean="0"/>
-              <a:t>20/06/2018</a:t>
+              <a:t>26/06/2018</a:t>
             </a:fld>
             <a:endParaRPr lang="fr-FR"/>
           </a:p>
@@ -3679,7 +4308,7 @@
           <a:p>
             <a:fld id="{F5DE3747-A71A-4323-B182-59653B97B97C}" type="datetimeFigureOut">
               <a:rPr lang="fr-FR" smtClean="0"/>
-              <a:t>20/06/2018</a:t>
+              <a:t>26/06/2018</a:t>
             </a:fld>
             <a:endParaRPr lang="fr-FR"/>
           </a:p>
@@ -4880,7 +5509,7 @@
           <a:p>
             <a:fld id="{F5DE3747-A71A-4323-B182-59653B97B97C}" type="datetimeFigureOut">
               <a:rPr lang="fr-FR" smtClean="0"/>
-              <a:t>20/06/2018</a:t>
+              <a:t>26/06/2018</a:t>
             </a:fld>
             <a:endParaRPr lang="fr-FR"/>
           </a:p>
@@ -5270,7 +5899,7 @@
           <a:p>
             <a:fld id="{F5DE3747-A71A-4323-B182-59653B97B97C}" type="datetimeFigureOut">
               <a:rPr lang="fr-FR" smtClean="0"/>
-              <a:t>20/06/2018</a:t>
+              <a:t>26/06/2018</a:t>
             </a:fld>
             <a:endParaRPr lang="fr-FR"/>
           </a:p>
@@ -5393,7 +6022,7 @@
           <a:p>
             <a:fld id="{F5DE3747-A71A-4323-B182-59653B97B97C}" type="datetimeFigureOut">
               <a:rPr lang="fr-FR" smtClean="0"/>
-              <a:t>20/06/2018</a:t>
+              <a:t>26/06/2018</a:t>
             </a:fld>
             <a:endParaRPr lang="fr-FR"/>
           </a:p>
@@ -5488,7 +6117,7 @@
           <a:p>
             <a:fld id="{F5DE3747-A71A-4323-B182-59653B97B97C}" type="datetimeFigureOut">
               <a:rPr lang="fr-FR" smtClean="0"/>
-              <a:t>20/06/2018</a:t>
+              <a:t>26/06/2018</a:t>
             </a:fld>
             <a:endParaRPr lang="fr-FR"/>
           </a:p>
@@ -6251,7 +6880,7 @@
           <a:p>
             <a:fld id="{F5DE3747-A71A-4323-B182-59653B97B97C}" type="datetimeFigureOut">
               <a:rPr lang="fr-FR" smtClean="0"/>
-              <a:t>20/06/2018</a:t>
+              <a:t>26/06/2018</a:t>
             </a:fld>
             <a:endParaRPr lang="fr-FR"/>
           </a:p>
@@ -7091,7 +7720,7 @@
           <a:p>
             <a:fld id="{F5DE3747-A71A-4323-B182-59653B97B97C}" type="datetimeFigureOut">
               <a:rPr lang="fr-FR" smtClean="0"/>
-              <a:t>20/06/2018</a:t>
+              <a:t>26/06/2018</a:t>
             </a:fld>
             <a:endParaRPr lang="fr-FR"/>
           </a:p>
@@ -7318,7 +7947,7 @@
           <a:p>
             <a:fld id="{F5DE3747-A71A-4323-B182-59653B97B97C}" type="datetimeFigureOut">
               <a:rPr lang="fr-FR" smtClean="0"/>
-              <a:t>20/06/2018</a:t>
+              <a:t>26/06/2018</a:t>
             </a:fld>
             <a:endParaRPr lang="fr-FR"/>
           </a:p>
@@ -8610,31 +9239,13 @@
           </a:xfrm>
         </p:spPr>
         <p:txBody>
-          <a:bodyPr>
-            <a:normAutofit fontScale="90000"/>
-          </a:bodyPr>
+          <a:bodyPr/>
           <a:lstStyle/>
           <a:p>
             <a:pPr algn="ctr"/>
             <a:r>
               <a:rPr lang="fr-FR" dirty="0"/>
-              <a:t>Démo – </a:t>
-            </a:r>
-            <a:r>
-              <a:rPr lang="fr-FR" dirty="0" err="1"/>
-              <a:t>Authorization</a:t>
-            </a:r>
-            <a:r>
-              <a:rPr lang="fr-FR" dirty="0"/>
-              <a:t> code </a:t>
-            </a:r>
-            <a:r>
-              <a:rPr lang="fr-FR" dirty="0" err="1"/>
-              <a:t>grant</a:t>
-            </a:r>
-            <a:r>
-              <a:rPr lang="fr-FR" dirty="0"/>
-              <a:t> flow</a:t>
+              <a:t>Questions ?</a:t>
             </a:r>
           </a:p>
         </p:txBody>
@@ -8642,7 +9253,7 @@
     </p:spTree>
     <p:extLst>
       <p:ext uri="{BB962C8B-B14F-4D97-AF65-F5344CB8AC3E}">
-        <p14:creationId xmlns:p14="http://schemas.microsoft.com/office/powerpoint/2010/main" val="1106621923"/>
+        <p14:creationId xmlns:p14="http://schemas.microsoft.com/office/powerpoint/2010/main" val="2593654319"/>
       </p:ext>
     </p:extLst>
   </p:cSld>
@@ -8674,7 +9285,7 @@
           <p:cNvPr id="2" name="Titre 1">
             <a:extLst>
               <a:ext uri="{FF2B5EF4-FFF2-40B4-BE49-F238E27FC236}">
-                <a16:creationId xmlns:a16="http://schemas.microsoft.com/office/drawing/2014/main" id="{0F65767D-94A7-46D1-8414-6C9097D6F267}"/>
+                <a16:creationId xmlns:a16="http://schemas.microsoft.com/office/drawing/2014/main" id="{A8FD2F15-9092-4F85-8B09-B6FCCE3C37A7}"/>
               </a:ext>
             </a:extLst>
           </p:cNvPr>
@@ -8687,26 +9298,17 @@
         </p:nvSpPr>
         <p:spPr>
           <a:xfrm>
-            <a:off x="1002956" y="2597579"/>
-            <a:ext cx="10515600" cy="1325563"/>
+            <a:off x="4462238" y="2851265"/>
+            <a:ext cx="10178322" cy="1492132"/>
           </a:xfrm>
         </p:spPr>
         <p:txBody>
           <a:bodyPr/>
           <a:lstStyle/>
           <a:p>
-            <a:pPr algn="ctr"/>
-            <a:r>
-              <a:rPr lang="fr-FR" dirty="0"/>
-              <a:t>Démo – </a:t>
-            </a:r>
-            <a:r>
-              <a:rPr lang="fr-FR" dirty="0" err="1"/>
-              <a:t>Implicit</a:t>
-            </a:r>
-            <a:r>
-              <a:rPr lang="fr-FR" dirty="0"/>
-              <a:t> flow</a:t>
+            <a:r>
+              <a:rPr lang="fr-FR" dirty="0"/>
+              <a:t>Annexes</a:t>
             </a:r>
           </a:p>
         </p:txBody>
@@ -8714,7 +9316,7 @@
     </p:spTree>
     <p:extLst>
       <p:ext uri="{BB962C8B-B14F-4D97-AF65-F5344CB8AC3E}">
-        <p14:creationId xmlns:p14="http://schemas.microsoft.com/office/powerpoint/2010/main" val="3928863484"/>
+        <p14:creationId xmlns:p14="http://schemas.microsoft.com/office/powerpoint/2010/main" val="4134098830"/>
       </p:ext>
     </p:extLst>
   </p:cSld>
@@ -8746,7 +9348,7 @@
           <p:cNvPr id="2" name="Titre 1">
             <a:extLst>
               <a:ext uri="{FF2B5EF4-FFF2-40B4-BE49-F238E27FC236}">
-                <a16:creationId xmlns:a16="http://schemas.microsoft.com/office/drawing/2014/main" id="{0F65767D-94A7-46D1-8414-6C9097D6F267}"/>
+                <a16:creationId xmlns:a16="http://schemas.microsoft.com/office/drawing/2014/main" id="{7AEE8AF8-CD3C-41FB-A1E4-6BFD425370AC}"/>
               </a:ext>
             </a:extLst>
           </p:cNvPr>
@@ -8757,28 +9359,110 @@
             <p:ph type="title"/>
           </p:nvPr>
         </p:nvSpPr>
+        <p:spPr/>
+        <p:txBody>
+          <a:bodyPr/>
+          <a:lstStyle/>
+          <a:p>
+            <a:r>
+              <a:rPr lang="fr-FR" dirty="0"/>
+              <a:t>Autres flows</a:t>
+            </a:r>
+          </a:p>
+        </p:txBody>
+      </p:sp>
+      <p:sp>
+        <p:nvSpPr>
+          <p:cNvPr id="3" name="Espace réservé du contenu 2">
+            <a:extLst>
+              <a:ext uri="{FF2B5EF4-FFF2-40B4-BE49-F238E27FC236}">
+                <a16:creationId xmlns:a16="http://schemas.microsoft.com/office/drawing/2014/main" id="{B7F2638A-E52C-4B11-9083-1EB4591D3F78}"/>
+              </a:ext>
+            </a:extLst>
+          </p:cNvPr>
+          <p:cNvSpPr>
+            <a:spLocks noGrp="1"/>
+          </p:cNvSpPr>
+          <p:nvPr>
+            <p:ph idx="1"/>
+          </p:nvPr>
+        </p:nvSpPr>
+        <p:spPr/>
+        <p:txBody>
+          <a:bodyPr/>
+          <a:lstStyle/>
+          <a:p>
+            <a:r>
+              <a:rPr lang="fr-FR" dirty="0"/>
+              <a:t>Resource </a:t>
+            </a:r>
+            <a:r>
+              <a:rPr lang="fr-FR" dirty="0" err="1"/>
+              <a:t>Owner</a:t>
+            </a:r>
+            <a:r>
+              <a:rPr lang="fr-FR" dirty="0"/>
+              <a:t> </a:t>
+            </a:r>
+            <a:r>
+              <a:rPr lang="fr-FR" dirty="0" err="1"/>
+              <a:t>Password</a:t>
+            </a:r>
+            <a:r>
+              <a:rPr lang="fr-FR" dirty="0"/>
+              <a:t> </a:t>
+            </a:r>
+            <a:r>
+              <a:rPr lang="fr-FR" dirty="0" err="1"/>
+              <a:t>Credentials</a:t>
+            </a:r>
+            <a:r>
+              <a:rPr lang="fr-FR" dirty="0"/>
+              <a:t> Grant flow</a:t>
+            </a:r>
+          </a:p>
+          <a:p>
+            <a:pPr marL="0" indent="0">
+              <a:buNone/>
+            </a:pPr>
+            <a:endParaRPr lang="fr-FR" dirty="0"/>
+          </a:p>
+        </p:txBody>
+      </p:sp>
+      <p:pic>
+        <p:nvPicPr>
+          <p:cNvPr id="4" name="Image 3">
+            <a:extLst>
+              <a:ext uri="{FF2B5EF4-FFF2-40B4-BE49-F238E27FC236}">
+                <a16:creationId xmlns:a16="http://schemas.microsoft.com/office/drawing/2014/main" id="{BC61E459-B5C2-419E-8FAA-DB656F69749F}"/>
+              </a:ext>
+            </a:extLst>
+          </p:cNvPr>
+          <p:cNvPicPr>
+            <a:picLocks noChangeAspect="1"/>
+          </p:cNvPicPr>
+          <p:nvPr/>
+        </p:nvPicPr>
+        <p:blipFill>
+          <a:blip r:embed="rId3"/>
+          <a:stretch>
+            <a:fillRect/>
+          </a:stretch>
+        </p:blipFill>
         <p:spPr>
           <a:xfrm>
-            <a:off x="1002956" y="2597579"/>
-            <a:ext cx="10515600" cy="1325563"/>
+            <a:off x="2293336" y="2630573"/>
+            <a:ext cx="6962775" cy="3952875"/>
           </a:xfrm>
+          <a:prstGeom prst="rect">
+            <a:avLst/>
+          </a:prstGeom>
         </p:spPr>
-        <p:txBody>
-          <a:bodyPr/>
-          <a:lstStyle/>
-          <a:p>
-            <a:pPr algn="ctr"/>
-            <a:r>
-              <a:rPr lang="fr-FR" dirty="0"/>
-              <a:t>Questions ?</a:t>
-            </a:r>
-          </a:p>
-        </p:txBody>
-      </p:sp>
+      </p:pic>
     </p:spTree>
     <p:extLst>
       <p:ext uri="{BB962C8B-B14F-4D97-AF65-F5344CB8AC3E}">
-        <p14:creationId xmlns:p14="http://schemas.microsoft.com/office/powerpoint/2010/main" val="2593654319"/>
+        <p14:creationId xmlns:p14="http://schemas.microsoft.com/office/powerpoint/2010/main" val="1020420383"/>
       </p:ext>
     </p:extLst>
   </p:cSld>
@@ -8789,6 +9473,136 @@
 </file>
 
 <file path=ppt/slides/slide15.xml><?xml version="1.0" encoding="utf-8"?>
+<p:sld xmlns:a="http://schemas.openxmlformats.org/drawingml/2006/main" xmlns:r="http://schemas.openxmlformats.org/officeDocument/2006/relationships" xmlns:p="http://schemas.openxmlformats.org/presentationml/2006/main">
+  <p:cSld>
+    <p:spTree>
+      <p:nvGrpSpPr>
+        <p:cNvPr id="1" name=""/>
+        <p:cNvGrpSpPr/>
+        <p:nvPr/>
+      </p:nvGrpSpPr>
+      <p:grpSpPr>
+        <a:xfrm>
+          <a:off x="0" y="0"/>
+          <a:ext cx="0" cy="0"/>
+          <a:chOff x="0" y="0"/>
+          <a:chExt cx="0" cy="0"/>
+        </a:xfrm>
+      </p:grpSpPr>
+      <p:sp>
+        <p:nvSpPr>
+          <p:cNvPr id="2" name="Titre 1">
+            <a:extLst>
+              <a:ext uri="{FF2B5EF4-FFF2-40B4-BE49-F238E27FC236}">
+                <a16:creationId xmlns:a16="http://schemas.microsoft.com/office/drawing/2014/main" id="{7AEE8AF8-CD3C-41FB-A1E4-6BFD425370AC}"/>
+              </a:ext>
+            </a:extLst>
+          </p:cNvPr>
+          <p:cNvSpPr>
+            <a:spLocks noGrp="1"/>
+          </p:cNvSpPr>
+          <p:nvPr>
+            <p:ph type="title"/>
+          </p:nvPr>
+        </p:nvSpPr>
+        <p:spPr/>
+        <p:txBody>
+          <a:bodyPr/>
+          <a:lstStyle/>
+          <a:p>
+            <a:r>
+              <a:rPr lang="fr-FR" dirty="0"/>
+              <a:t>Autres flows</a:t>
+            </a:r>
+          </a:p>
+        </p:txBody>
+      </p:sp>
+      <p:sp>
+        <p:nvSpPr>
+          <p:cNvPr id="3" name="Espace réservé du contenu 2">
+            <a:extLst>
+              <a:ext uri="{FF2B5EF4-FFF2-40B4-BE49-F238E27FC236}">
+                <a16:creationId xmlns:a16="http://schemas.microsoft.com/office/drawing/2014/main" id="{B7F2638A-E52C-4B11-9083-1EB4591D3F78}"/>
+              </a:ext>
+            </a:extLst>
+          </p:cNvPr>
+          <p:cNvSpPr>
+            <a:spLocks noGrp="1"/>
+          </p:cNvSpPr>
+          <p:nvPr>
+            <p:ph idx="1"/>
+          </p:nvPr>
+        </p:nvSpPr>
+        <p:spPr/>
+        <p:txBody>
+          <a:bodyPr/>
+          <a:lstStyle/>
+          <a:p>
+            <a:r>
+              <a:rPr lang="fr-FR" dirty="0"/>
+              <a:t>Client </a:t>
+            </a:r>
+            <a:r>
+              <a:rPr lang="fr-FR" dirty="0" err="1"/>
+              <a:t>Credentials</a:t>
+            </a:r>
+            <a:r>
+              <a:rPr lang="fr-FR" dirty="0"/>
+              <a:t> Grant flow</a:t>
+            </a:r>
+          </a:p>
+          <a:p>
+            <a:pPr marL="0" indent="0">
+              <a:buNone/>
+            </a:pPr>
+            <a:endParaRPr lang="fr-FR" dirty="0"/>
+          </a:p>
+        </p:txBody>
+      </p:sp>
+      <p:pic>
+        <p:nvPicPr>
+          <p:cNvPr id="5" name="Image 4">
+            <a:extLst>
+              <a:ext uri="{FF2B5EF4-FFF2-40B4-BE49-F238E27FC236}">
+                <a16:creationId xmlns:a16="http://schemas.microsoft.com/office/drawing/2014/main" id="{56F07EE8-943B-4215-96D1-316984A739BB}"/>
+              </a:ext>
+            </a:extLst>
+          </p:cNvPr>
+          <p:cNvPicPr>
+            <a:picLocks noChangeAspect="1"/>
+          </p:cNvPicPr>
+          <p:nvPr/>
+        </p:nvPicPr>
+        <p:blipFill>
+          <a:blip r:embed="rId3"/>
+          <a:stretch>
+            <a:fillRect/>
+          </a:stretch>
+        </p:blipFill>
+        <p:spPr>
+          <a:xfrm>
+            <a:off x="2996642" y="2594662"/>
+            <a:ext cx="5210175" cy="4057650"/>
+          </a:xfrm>
+          <a:prstGeom prst="rect">
+            <a:avLst/>
+          </a:prstGeom>
+        </p:spPr>
+      </p:pic>
+    </p:spTree>
+    <p:extLst>
+      <p:ext uri="{BB962C8B-B14F-4D97-AF65-F5344CB8AC3E}">
+        <p14:creationId xmlns:p14="http://schemas.microsoft.com/office/powerpoint/2010/main" val="2168428321"/>
+      </p:ext>
+    </p:extLst>
+  </p:cSld>
+  <p:clrMapOvr>
+    <a:masterClrMapping/>
+  </p:clrMapOvr>
+</p:sld>
+</file>
+
+<file path=ppt/slides/slide16.xml><?xml version="1.0" encoding="utf-8"?>
 <p:sld xmlns:a="http://schemas.openxmlformats.org/drawingml/2006/main" xmlns:r="http://schemas.openxmlformats.org/officeDocument/2006/relationships" xmlns:p="http://schemas.openxmlformats.org/presentationml/2006/main">
   <p:cSld>
     <p:spTree>
@@ -9227,10 +10041,15 @@
             <p:ph idx="1"/>
           </p:nvPr>
         </p:nvSpPr>
-        <p:spPr/>
+        <p:spPr>
+          <a:xfrm>
+            <a:off x="1150078" y="1584961"/>
+            <a:ext cx="10818402" cy="4660392"/>
+          </a:xfrm>
+        </p:spPr>
         <p:txBody>
           <a:bodyPr>
-            <a:normAutofit fontScale="92500" lnSpcReduction="20000"/>
+            <a:normAutofit fontScale="85000" lnSpcReduction="20000"/>
           </a:bodyPr>
           <a:lstStyle/>
           <a:p>
@@ -9344,6 +10163,40 @@
               <a:t>token</a:t>
             </a:r>
             <a:endParaRPr lang="fr-FR" dirty="0"/>
+          </a:p>
+          <a:p>
+            <a:r>
+              <a:rPr lang="fr-FR" dirty="0"/>
+              <a:t>State</a:t>
+            </a:r>
+          </a:p>
+          <a:p>
+            <a:pPr lvl="1"/>
+            <a:r>
+              <a:rPr lang="fr-FR" dirty="0"/>
+              <a:t>Conteneur de contexte</a:t>
+            </a:r>
+          </a:p>
+          <a:p>
+            <a:pPr lvl="1"/>
+            <a:r>
+              <a:rPr lang="fr-FR" dirty="0"/>
+              <a:t>Anti-CSRF</a:t>
+            </a:r>
+          </a:p>
+          <a:p>
+            <a:r>
+              <a:rPr lang="fr-FR" dirty="0" err="1"/>
+              <a:t>Redirect_uri</a:t>
+            </a:r>
+            <a:endParaRPr lang="fr-FR" dirty="0"/>
+          </a:p>
+          <a:p>
+            <a:pPr lvl="1"/>
+            <a:r>
+              <a:rPr lang="fr-FR" dirty="0"/>
+              <a:t>URL de l’application cliente permettant de récupérer les jetons</a:t>
+            </a:r>
           </a:p>
         </p:txBody>
       </p:sp>
@@ -9382,6 +10235,72 @@
           <p:cNvPr id="2" name="Titre 1">
             <a:extLst>
               <a:ext uri="{FF2B5EF4-FFF2-40B4-BE49-F238E27FC236}">
+                <a16:creationId xmlns:a16="http://schemas.microsoft.com/office/drawing/2014/main" id="{0F65767D-94A7-46D1-8414-6C9097D6F267}"/>
+              </a:ext>
+            </a:extLst>
+          </p:cNvPr>
+          <p:cNvSpPr>
+            <a:spLocks noGrp="1"/>
+          </p:cNvSpPr>
+          <p:nvPr>
+            <p:ph type="title"/>
+          </p:nvPr>
+        </p:nvSpPr>
+        <p:spPr>
+          <a:xfrm>
+            <a:off x="1002956" y="2597579"/>
+            <a:ext cx="10515600" cy="1325563"/>
+          </a:xfrm>
+        </p:spPr>
+        <p:txBody>
+          <a:bodyPr>
+            <a:normAutofit/>
+          </a:bodyPr>
+          <a:lstStyle/>
+          <a:p>
+            <a:pPr algn="ctr"/>
+            <a:r>
+              <a:rPr lang="fr-FR" dirty="0"/>
+              <a:t>Principaux flows</a:t>
+            </a:r>
+          </a:p>
+        </p:txBody>
+      </p:sp>
+    </p:spTree>
+    <p:extLst>
+      <p:ext uri="{BB962C8B-B14F-4D97-AF65-F5344CB8AC3E}">
+        <p14:creationId xmlns:p14="http://schemas.microsoft.com/office/powerpoint/2010/main" val="829559774"/>
+      </p:ext>
+    </p:extLst>
+  </p:cSld>
+  <p:clrMapOvr>
+    <a:masterClrMapping/>
+  </p:clrMapOvr>
+</p:sld>
+</file>
+
+<file path=ppt/slides/slide6.xml><?xml version="1.0" encoding="utf-8"?>
+<p:sld xmlns:a="http://schemas.openxmlformats.org/drawingml/2006/main" xmlns:r="http://schemas.openxmlformats.org/officeDocument/2006/relationships" xmlns:p="http://schemas.openxmlformats.org/presentationml/2006/main">
+  <p:cSld>
+    <p:spTree>
+      <p:nvGrpSpPr>
+        <p:cNvPr id="1" name=""/>
+        <p:cNvGrpSpPr/>
+        <p:nvPr/>
+      </p:nvGrpSpPr>
+      <p:grpSpPr>
+        <a:xfrm>
+          <a:off x="0" y="0"/>
+          <a:ext cx="0" cy="0"/>
+          <a:chOff x="0" y="0"/>
+          <a:chExt cx="0" cy="0"/>
+        </a:xfrm>
+      </p:grpSpPr>
+      <p:sp>
+        <p:nvSpPr>
+          <p:cNvPr id="2" name="Titre 1">
+            <a:extLst>
+              <a:ext uri="{FF2B5EF4-FFF2-40B4-BE49-F238E27FC236}">
                 <a16:creationId xmlns:a16="http://schemas.microsoft.com/office/drawing/2014/main" id="{7AEE8AF8-CD3C-41FB-A1E4-6BFD425370AC}"/>
               </a:ext>
             </a:extLst>
@@ -9421,7 +10340,12 @@
             <p:ph idx="1"/>
           </p:nvPr>
         </p:nvSpPr>
-        <p:spPr/>
+        <p:spPr>
+          <a:xfrm>
+            <a:off x="1251678" y="1757681"/>
+            <a:ext cx="10178322" cy="3593591"/>
+          </a:xfrm>
+        </p:spPr>
         <p:txBody>
           <a:bodyPr/>
           <a:lstStyle/>
@@ -9494,7 +10418,89 @@
 </p:sld>
 </file>
 
-<file path=ppt/slides/slide6.xml><?xml version="1.0" encoding="utf-8"?>
+<file path=ppt/slides/slide7.xml><?xml version="1.0" encoding="utf-8"?>
+<p:sld xmlns:a="http://schemas.openxmlformats.org/drawingml/2006/main" xmlns:r="http://schemas.openxmlformats.org/officeDocument/2006/relationships" xmlns:p="http://schemas.openxmlformats.org/presentationml/2006/main">
+  <p:cSld>
+    <p:spTree>
+      <p:nvGrpSpPr>
+        <p:cNvPr id="1" name=""/>
+        <p:cNvGrpSpPr/>
+        <p:nvPr/>
+      </p:nvGrpSpPr>
+      <p:grpSpPr>
+        <a:xfrm>
+          <a:off x="0" y="0"/>
+          <a:ext cx="0" cy="0"/>
+          <a:chOff x="0" y="0"/>
+          <a:chExt cx="0" cy="0"/>
+        </a:xfrm>
+      </p:grpSpPr>
+      <p:sp>
+        <p:nvSpPr>
+          <p:cNvPr id="2" name="Titre 1">
+            <a:extLst>
+              <a:ext uri="{FF2B5EF4-FFF2-40B4-BE49-F238E27FC236}">
+                <a16:creationId xmlns:a16="http://schemas.microsoft.com/office/drawing/2014/main" id="{0F65767D-94A7-46D1-8414-6C9097D6F267}"/>
+              </a:ext>
+            </a:extLst>
+          </p:cNvPr>
+          <p:cNvSpPr>
+            <a:spLocks noGrp="1"/>
+          </p:cNvSpPr>
+          <p:nvPr>
+            <p:ph type="title"/>
+          </p:nvPr>
+        </p:nvSpPr>
+        <p:spPr>
+          <a:xfrm>
+            <a:off x="1002956" y="2597579"/>
+            <a:ext cx="10515600" cy="1325563"/>
+          </a:xfrm>
+        </p:spPr>
+        <p:txBody>
+          <a:bodyPr>
+            <a:normAutofit fontScale="90000"/>
+          </a:bodyPr>
+          <a:lstStyle/>
+          <a:p>
+            <a:pPr algn="ctr"/>
+            <a:r>
+              <a:rPr lang="fr-FR" dirty="0"/>
+              <a:t>Démo – </a:t>
+            </a:r>
+            <a:r>
+              <a:rPr lang="fr-FR" dirty="0" err="1"/>
+              <a:t>Authorization</a:t>
+            </a:r>
+            <a:r>
+              <a:rPr lang="fr-FR" dirty="0"/>
+              <a:t> code </a:t>
+            </a:r>
+            <a:r>
+              <a:rPr lang="fr-FR" dirty="0" err="1"/>
+              <a:t>grant</a:t>
+            </a:r>
+            <a:r>
+              <a:rPr lang="fr-FR" dirty="0"/>
+              <a:t> flow</a:t>
+            </a:r>
+          </a:p>
+        </p:txBody>
+      </p:sp>
+    </p:spTree>
+    <p:extLst>
+      <p:ext uri="{BB962C8B-B14F-4D97-AF65-F5344CB8AC3E}">
+        <p14:creationId xmlns:p14="http://schemas.microsoft.com/office/powerpoint/2010/main" val="1106621923"/>
+      </p:ext>
+    </p:extLst>
+  </p:cSld>
+  <p:clrMapOvr>
+    <a:masterClrMapping/>
+  </p:clrMapOvr>
+</p:sld>
+</file>
+
+<file path=ppt/slides/slide8.xml><?xml version="1.0" encoding="utf-8"?>
 <p:sld xmlns:a="http://schemas.openxmlformats.org/drawingml/2006/main" xmlns:r="http://schemas.openxmlformats.org/officeDocument/2006/relationships" xmlns:p="http://schemas.openxmlformats.org/presentationml/2006/main">
   <p:cSld>
     <p:spTree>
@@ -9620,298 +10626,6 @@
 </p:sld>
 </file>
 
-<file path=ppt/slides/slide7.xml><?xml version="1.0" encoding="utf-8"?>
-<p:sld xmlns:a="http://schemas.openxmlformats.org/drawingml/2006/main" xmlns:r="http://schemas.openxmlformats.org/officeDocument/2006/relationships" xmlns:p="http://schemas.openxmlformats.org/presentationml/2006/main">
-  <p:cSld>
-    <p:spTree>
-      <p:nvGrpSpPr>
-        <p:cNvPr id="1" name=""/>
-        <p:cNvGrpSpPr/>
-        <p:nvPr/>
-      </p:nvGrpSpPr>
-      <p:grpSpPr>
-        <a:xfrm>
-          <a:off x="0" y="0"/>
-          <a:ext cx="0" cy="0"/>
-          <a:chOff x="0" y="0"/>
-          <a:chExt cx="0" cy="0"/>
-        </a:xfrm>
-      </p:grpSpPr>
-      <p:sp>
-        <p:nvSpPr>
-          <p:cNvPr id="2" name="Titre 1">
-            <a:extLst>
-              <a:ext uri="{FF2B5EF4-FFF2-40B4-BE49-F238E27FC236}">
-                <a16:creationId xmlns:a16="http://schemas.microsoft.com/office/drawing/2014/main" id="{7AEE8AF8-CD3C-41FB-A1E4-6BFD425370AC}"/>
-              </a:ext>
-            </a:extLst>
-          </p:cNvPr>
-          <p:cNvSpPr>
-            <a:spLocks noGrp="1"/>
-          </p:cNvSpPr>
-          <p:nvPr>
-            <p:ph type="title"/>
-          </p:nvPr>
-        </p:nvSpPr>
-        <p:spPr/>
-        <p:txBody>
-          <a:bodyPr/>
-          <a:lstStyle/>
-          <a:p>
-            <a:r>
-              <a:rPr lang="fr-FR" dirty="0"/>
-              <a:t>Principaux flows</a:t>
-            </a:r>
-          </a:p>
-        </p:txBody>
-      </p:sp>
-      <p:sp>
-        <p:nvSpPr>
-          <p:cNvPr id="3" name="Espace réservé du contenu 2">
-            <a:extLst>
-              <a:ext uri="{FF2B5EF4-FFF2-40B4-BE49-F238E27FC236}">
-                <a16:creationId xmlns:a16="http://schemas.microsoft.com/office/drawing/2014/main" id="{B7F2638A-E52C-4B11-9083-1EB4591D3F78}"/>
-              </a:ext>
-            </a:extLst>
-          </p:cNvPr>
-          <p:cNvSpPr>
-            <a:spLocks noGrp="1"/>
-          </p:cNvSpPr>
-          <p:nvPr>
-            <p:ph idx="1"/>
-          </p:nvPr>
-        </p:nvSpPr>
-        <p:spPr/>
-        <p:txBody>
-          <a:bodyPr/>
-          <a:lstStyle/>
-          <a:p>
-            <a:r>
-              <a:rPr lang="fr-FR" dirty="0"/>
-              <a:t>Resource </a:t>
-            </a:r>
-            <a:r>
-              <a:rPr lang="fr-FR" dirty="0" err="1"/>
-              <a:t>Owner</a:t>
-            </a:r>
-            <a:r>
-              <a:rPr lang="fr-FR" dirty="0"/>
-              <a:t> </a:t>
-            </a:r>
-            <a:r>
-              <a:rPr lang="fr-FR" dirty="0" err="1"/>
-              <a:t>Password</a:t>
-            </a:r>
-            <a:r>
-              <a:rPr lang="fr-FR" dirty="0"/>
-              <a:t> </a:t>
-            </a:r>
-            <a:r>
-              <a:rPr lang="fr-FR" dirty="0" err="1"/>
-              <a:t>Credentials</a:t>
-            </a:r>
-            <a:r>
-              <a:rPr lang="fr-FR" dirty="0"/>
-              <a:t> Grant flow</a:t>
-            </a:r>
-          </a:p>
-          <a:p>
-            <a:pPr marL="0" indent="0">
-              <a:buNone/>
-            </a:pPr>
-            <a:endParaRPr lang="fr-FR" dirty="0"/>
-          </a:p>
-        </p:txBody>
-      </p:sp>
-      <p:pic>
-        <p:nvPicPr>
-          <p:cNvPr id="4" name="Image 3">
-            <a:extLst>
-              <a:ext uri="{FF2B5EF4-FFF2-40B4-BE49-F238E27FC236}">
-                <a16:creationId xmlns:a16="http://schemas.microsoft.com/office/drawing/2014/main" id="{BC61E459-B5C2-419E-8FAA-DB656F69749F}"/>
-              </a:ext>
-            </a:extLst>
-          </p:cNvPr>
-          <p:cNvPicPr>
-            <a:picLocks noChangeAspect="1"/>
-          </p:cNvPicPr>
-          <p:nvPr/>
-        </p:nvPicPr>
-        <p:blipFill>
-          <a:blip r:embed="rId3"/>
-          <a:stretch>
-            <a:fillRect/>
-          </a:stretch>
-        </p:blipFill>
-        <p:spPr>
-          <a:xfrm>
-            <a:off x="2293336" y="2630573"/>
-            <a:ext cx="6962775" cy="3952875"/>
-          </a:xfrm>
-          <a:prstGeom prst="rect">
-            <a:avLst/>
-          </a:prstGeom>
-        </p:spPr>
-      </p:pic>
-    </p:spTree>
-    <p:extLst>
-      <p:ext uri="{BB962C8B-B14F-4D97-AF65-F5344CB8AC3E}">
-        <p14:creationId xmlns:p14="http://schemas.microsoft.com/office/powerpoint/2010/main" val="638031179"/>
-      </p:ext>
-    </p:extLst>
-  </p:cSld>
-  <p:clrMapOvr>
-    <a:masterClrMapping/>
-  </p:clrMapOvr>
-</p:sld>
-</file>
-
-<file path=ppt/slides/slide8.xml><?xml version="1.0" encoding="utf-8"?>
-<p:sld xmlns:a="http://schemas.openxmlformats.org/drawingml/2006/main" xmlns:r="http://schemas.openxmlformats.org/officeDocument/2006/relationships" xmlns:p="http://schemas.openxmlformats.org/presentationml/2006/main">
-  <p:cSld>
-    <p:spTree>
-      <p:nvGrpSpPr>
-        <p:cNvPr id="1" name=""/>
-        <p:cNvGrpSpPr/>
-        <p:nvPr/>
-      </p:nvGrpSpPr>
-      <p:grpSpPr>
-        <a:xfrm>
-          <a:off x="0" y="0"/>
-          <a:ext cx="0" cy="0"/>
-          <a:chOff x="0" y="0"/>
-          <a:chExt cx="0" cy="0"/>
-        </a:xfrm>
-      </p:grpSpPr>
-      <p:sp>
-        <p:nvSpPr>
-          <p:cNvPr id="2" name="Titre 1">
-            <a:extLst>
-              <a:ext uri="{FF2B5EF4-FFF2-40B4-BE49-F238E27FC236}">
-                <a16:creationId xmlns:a16="http://schemas.microsoft.com/office/drawing/2014/main" id="{7AEE8AF8-CD3C-41FB-A1E4-6BFD425370AC}"/>
-              </a:ext>
-            </a:extLst>
-          </p:cNvPr>
-          <p:cNvSpPr>
-            <a:spLocks noGrp="1"/>
-          </p:cNvSpPr>
-          <p:nvPr>
-            <p:ph type="title"/>
-          </p:nvPr>
-        </p:nvSpPr>
-        <p:spPr/>
-        <p:txBody>
-          <a:bodyPr/>
-          <a:lstStyle/>
-          <a:p>
-            <a:r>
-              <a:rPr lang="fr-FR" dirty="0"/>
-              <a:t>Principaux flows</a:t>
-            </a:r>
-          </a:p>
-        </p:txBody>
-      </p:sp>
-      <p:sp>
-        <p:nvSpPr>
-          <p:cNvPr id="3" name="Espace réservé du contenu 2">
-            <a:extLst>
-              <a:ext uri="{FF2B5EF4-FFF2-40B4-BE49-F238E27FC236}">
-                <a16:creationId xmlns:a16="http://schemas.microsoft.com/office/drawing/2014/main" id="{B7F2638A-E52C-4B11-9083-1EB4591D3F78}"/>
-              </a:ext>
-            </a:extLst>
-          </p:cNvPr>
-          <p:cNvSpPr>
-            <a:spLocks noGrp="1"/>
-          </p:cNvSpPr>
-          <p:nvPr>
-            <p:ph idx="1"/>
-          </p:nvPr>
-        </p:nvSpPr>
-        <p:spPr/>
-        <p:txBody>
-          <a:bodyPr/>
-          <a:lstStyle/>
-          <a:p>
-            <a:r>
-              <a:rPr lang="fr-FR" dirty="0"/>
-              <a:t>Resource </a:t>
-            </a:r>
-            <a:r>
-              <a:rPr lang="fr-FR" dirty="0" err="1"/>
-              <a:t>Owner</a:t>
-            </a:r>
-            <a:r>
-              <a:rPr lang="fr-FR" dirty="0"/>
-              <a:t> </a:t>
-            </a:r>
-            <a:r>
-              <a:rPr lang="fr-FR" dirty="0" err="1"/>
-              <a:t>Password</a:t>
-            </a:r>
-            <a:r>
-              <a:rPr lang="fr-FR" dirty="0"/>
-              <a:t> </a:t>
-            </a:r>
-            <a:r>
-              <a:rPr lang="fr-FR" dirty="0" err="1"/>
-              <a:t>Credentials</a:t>
-            </a:r>
-            <a:r>
-              <a:rPr lang="fr-FR" dirty="0"/>
-              <a:t> Grant flow</a:t>
-            </a:r>
-          </a:p>
-          <a:p>
-            <a:pPr marL="0" indent="0">
-              <a:buNone/>
-            </a:pPr>
-            <a:endParaRPr lang="fr-FR" dirty="0"/>
-          </a:p>
-        </p:txBody>
-      </p:sp>
-      <p:pic>
-        <p:nvPicPr>
-          <p:cNvPr id="4" name="Image 3">
-            <a:extLst>
-              <a:ext uri="{FF2B5EF4-FFF2-40B4-BE49-F238E27FC236}">
-                <a16:creationId xmlns:a16="http://schemas.microsoft.com/office/drawing/2014/main" id="{BC61E459-B5C2-419E-8FAA-DB656F69749F}"/>
-              </a:ext>
-            </a:extLst>
-          </p:cNvPr>
-          <p:cNvPicPr>
-            <a:picLocks noChangeAspect="1"/>
-          </p:cNvPicPr>
-          <p:nvPr/>
-        </p:nvPicPr>
-        <p:blipFill>
-          <a:blip r:embed="rId3"/>
-          <a:stretch>
-            <a:fillRect/>
-          </a:stretch>
-        </p:blipFill>
-        <p:spPr>
-          <a:xfrm>
-            <a:off x="2293336" y="2630573"/>
-            <a:ext cx="6962775" cy="3952875"/>
-          </a:xfrm>
-          <a:prstGeom prst="rect">
-            <a:avLst/>
-          </a:prstGeom>
-        </p:spPr>
-      </p:pic>
-    </p:spTree>
-    <p:extLst>
-      <p:ext uri="{BB962C8B-B14F-4D97-AF65-F5344CB8AC3E}">
-        <p14:creationId xmlns:p14="http://schemas.microsoft.com/office/powerpoint/2010/main" val="1020420383"/>
-      </p:ext>
-    </p:extLst>
-  </p:cSld>
-  <p:clrMapOvr>
-    <a:masterClrMapping/>
-  </p:clrMapOvr>
-</p:sld>
-</file>
-
 <file path=ppt/slides/slide9.xml><?xml version="1.0" encoding="utf-8"?>
 <p:sld xmlns:a="http://schemas.openxmlformats.org/drawingml/2006/main" xmlns:r="http://schemas.openxmlformats.org/officeDocument/2006/relationships" xmlns:p="http://schemas.openxmlformats.org/presentationml/2006/main">
   <p:cSld>
@@ -9934,7 +10648,7 @@
           <p:cNvPr id="2" name="Titre 1">
             <a:extLst>
               <a:ext uri="{FF2B5EF4-FFF2-40B4-BE49-F238E27FC236}">
-                <a16:creationId xmlns:a16="http://schemas.microsoft.com/office/drawing/2014/main" id="{7AEE8AF8-CD3C-41FB-A1E4-6BFD425370AC}"/>
+                <a16:creationId xmlns:a16="http://schemas.microsoft.com/office/drawing/2014/main" id="{0F65767D-94A7-46D1-8414-6C9097D6F267}"/>
               </a:ext>
             </a:extLst>
           </p:cNvPr>
@@ -9945,94 +10659,36 @@
             <p:ph type="title"/>
           </p:nvPr>
         </p:nvSpPr>
-        <p:spPr/>
+        <p:spPr>
+          <a:xfrm>
+            <a:off x="1002956" y="2597579"/>
+            <a:ext cx="10515600" cy="1325563"/>
+          </a:xfrm>
+        </p:spPr>
         <p:txBody>
           <a:bodyPr/>
           <a:lstStyle/>
           <a:p>
-            <a:r>
-              <a:rPr lang="fr-FR" dirty="0"/>
-              <a:t>Principaux flows</a:t>
-            </a:r>
-          </a:p>
-        </p:txBody>
-      </p:sp>
-      <p:sp>
-        <p:nvSpPr>
-          <p:cNvPr id="3" name="Espace réservé du contenu 2">
-            <a:extLst>
-              <a:ext uri="{FF2B5EF4-FFF2-40B4-BE49-F238E27FC236}">
-                <a16:creationId xmlns:a16="http://schemas.microsoft.com/office/drawing/2014/main" id="{B7F2638A-E52C-4B11-9083-1EB4591D3F78}"/>
-              </a:ext>
-            </a:extLst>
-          </p:cNvPr>
-          <p:cNvSpPr>
-            <a:spLocks noGrp="1"/>
-          </p:cNvSpPr>
-          <p:nvPr>
-            <p:ph idx="1"/>
-          </p:nvPr>
-        </p:nvSpPr>
-        <p:spPr/>
-        <p:txBody>
-          <a:bodyPr/>
-          <a:lstStyle/>
-          <a:p>
-            <a:r>
-              <a:rPr lang="fr-FR" dirty="0"/>
-              <a:t>Client </a:t>
+            <a:pPr algn="ctr"/>
+            <a:r>
+              <a:rPr lang="fr-FR" dirty="0"/>
+              <a:t>Démo – </a:t>
             </a:r>
             <a:r>
               <a:rPr lang="fr-FR" dirty="0" err="1"/>
-              <a:t>Credentials</a:t>
-            </a:r>
-            <a:r>
-              <a:rPr lang="fr-FR" dirty="0"/>
-              <a:t> Grant flow</a:t>
-            </a:r>
-          </a:p>
-          <a:p>
-            <a:pPr marL="0" indent="0">
-              <a:buNone/>
-            </a:pPr>
-            <a:endParaRPr lang="fr-FR" dirty="0"/>
-          </a:p>
-        </p:txBody>
-      </p:sp>
-      <p:pic>
-        <p:nvPicPr>
-          <p:cNvPr id="5" name="Image 4">
-            <a:extLst>
-              <a:ext uri="{FF2B5EF4-FFF2-40B4-BE49-F238E27FC236}">
-                <a16:creationId xmlns:a16="http://schemas.microsoft.com/office/drawing/2014/main" id="{56F07EE8-943B-4215-96D1-316984A739BB}"/>
-              </a:ext>
-            </a:extLst>
-          </p:cNvPr>
-          <p:cNvPicPr>
-            <a:picLocks noChangeAspect="1"/>
-          </p:cNvPicPr>
-          <p:nvPr/>
-        </p:nvPicPr>
-        <p:blipFill>
-          <a:blip r:embed="rId3"/>
-          <a:stretch>
-            <a:fillRect/>
-          </a:stretch>
-        </p:blipFill>
-        <p:spPr>
-          <a:xfrm>
-            <a:off x="2996642" y="2594662"/>
-            <a:ext cx="5210175" cy="4057650"/>
-          </a:xfrm>
-          <a:prstGeom prst="rect">
-            <a:avLst/>
-          </a:prstGeom>
-        </p:spPr>
-      </p:pic>
+              <a:t>Implicit</a:t>
+            </a:r>
+            <a:r>
+              <a:rPr lang="fr-FR" dirty="0"/>
+              <a:t> flow</a:t>
+            </a:r>
+          </a:p>
+        </p:txBody>
+      </p:sp>
     </p:spTree>
     <p:extLst>
       <p:ext uri="{BB962C8B-B14F-4D97-AF65-F5344CB8AC3E}">
-        <p14:creationId xmlns:p14="http://schemas.microsoft.com/office/powerpoint/2010/main" val="2168428321"/>
+        <p14:creationId xmlns:p14="http://schemas.microsoft.com/office/powerpoint/2010/main" val="434051862"/>
       </p:ext>
     </p:extLst>
   </p:cSld>

--- a/Prez OIDC.pptx
+++ b/Prez OIDC.pptx
@@ -5,25 +5,26 @@
     <p:sldMasterId id="2147483732" r:id="rId1"/>
   </p:sldMasterIdLst>
   <p:notesMasterIdLst>
-    <p:notesMasterId r:id="rId18"/>
+    <p:notesMasterId r:id="rId19"/>
   </p:notesMasterIdLst>
   <p:sldIdLst>
     <p:sldId id="256" r:id="rId2"/>
     <p:sldId id="257" r:id="rId3"/>
-    <p:sldId id="258" r:id="rId4"/>
-    <p:sldId id="259" r:id="rId5"/>
-    <p:sldId id="272" r:id="rId6"/>
-    <p:sldId id="260" r:id="rId7"/>
-    <p:sldId id="267" r:id="rId8"/>
-    <p:sldId id="261" r:id="rId9"/>
-    <p:sldId id="268" r:id="rId10"/>
-    <p:sldId id="265" r:id="rId11"/>
-    <p:sldId id="266" r:id="rId12"/>
-    <p:sldId id="270" r:id="rId13"/>
-    <p:sldId id="271" r:id="rId14"/>
-    <p:sldId id="263" r:id="rId15"/>
-    <p:sldId id="264" r:id="rId16"/>
-    <p:sldId id="269" r:id="rId17"/>
+    <p:sldId id="273" r:id="rId4"/>
+    <p:sldId id="258" r:id="rId5"/>
+    <p:sldId id="259" r:id="rId6"/>
+    <p:sldId id="272" r:id="rId7"/>
+    <p:sldId id="260" r:id="rId8"/>
+    <p:sldId id="267" r:id="rId9"/>
+    <p:sldId id="261" r:id="rId10"/>
+    <p:sldId id="268" r:id="rId11"/>
+    <p:sldId id="265" r:id="rId12"/>
+    <p:sldId id="266" r:id="rId13"/>
+    <p:sldId id="270" r:id="rId14"/>
+    <p:sldId id="269" r:id="rId15"/>
+    <p:sldId id="271" r:id="rId16"/>
+    <p:sldId id="263" r:id="rId17"/>
+    <p:sldId id="264" r:id="rId18"/>
   </p:sldIdLst>
   <p:sldSz cx="12192000" cy="6858000"/>
   <p:notesSz cx="6858000" cy="9144000"/>
@@ -130,6 +131,10 @@
 </p:presentation>
 </file>
 
+<file path=ppt/revisionInfo.xml><?xml version="1.0" encoding="utf-8"?>
+<p1510:revInfo xmlns:a="http://schemas.openxmlformats.org/drawingml/2006/main" xmlns:r="http://schemas.openxmlformats.org/officeDocument/2006/relationships" xmlns:p1510="http://schemas.microsoft.com/office/powerpoint/2015/10/main"/>
+</file>
+
 <file path=ppt/notesMasters/notesMaster1.xml><?xml version="1.0" encoding="utf-8"?>
 <p:notesMaster xmlns:a="http://schemas.openxmlformats.org/drawingml/2006/main" xmlns:r="http://schemas.openxmlformats.org/officeDocument/2006/relationships" xmlns:p="http://schemas.openxmlformats.org/presentationml/2006/main">
   <p:cSld>
@@ -212,7 +217,7 @@
           <a:p>
             <a:fld id="{CEAEE7E3-3747-4852-9FFD-BE8C94A3E538}" type="datetimeFigureOut">
               <a:rPr lang="fr-FR" smtClean="0"/>
-              <a:t>26/06/2018</a:t>
+              <a:t>29/06/2018</a:t>
             </a:fld>
             <a:endParaRPr lang="fr-FR"/>
           </a:p>
@@ -710,7 +715,171 @@
           <a:p>
             <a:r>
               <a:rPr lang="fr-FR" dirty="0"/>
-              <a:t>J</a:t>
+              <a:t>S</a:t>
+            </a:r>
+          </a:p>
+          <a:p>
+            <a:r>
+              <a:rPr lang="fr-FR" dirty="0"/>
+              <a:t>Cible : </a:t>
+            </a:r>
+            <a:r>
+              <a:rPr lang="fr-FR" dirty="0" err="1"/>
+              <a:t>demo</a:t>
+            </a:r>
+            <a:r>
+              <a:rPr lang="fr-FR" dirty="0"/>
+              <a:t> </a:t>
+            </a:r>
+            <a:r>
+              <a:rPr lang="fr-FR" dirty="0" err="1"/>
+              <a:t>is</a:t>
+            </a:r>
+            <a:r>
+              <a:rPr lang="fr-FR" dirty="0"/>
+              <a:t> 4</a:t>
+            </a:r>
+          </a:p>
+          <a:p>
+            <a:r>
+              <a:rPr lang="fr-FR" dirty="0"/>
+              <a:t>1- Postman récupérer un </a:t>
+            </a:r>
+            <a:r>
+              <a:rPr lang="fr-FR" dirty="0" err="1"/>
+              <a:t>access</a:t>
+            </a:r>
+            <a:r>
+              <a:rPr lang="fr-FR" dirty="0"/>
+              <a:t> </a:t>
+            </a:r>
+            <a:r>
+              <a:rPr lang="fr-FR" dirty="0" err="1"/>
+              <a:t>token</a:t>
+            </a:r>
+            <a:r>
+              <a:rPr lang="fr-FR" dirty="0"/>
+              <a:t> (+ </a:t>
+            </a:r>
+            <a:r>
+              <a:rPr lang="fr-FR" dirty="0" err="1"/>
+              <a:t>id_token</a:t>
+            </a:r>
+            <a:r>
+              <a:rPr lang="fr-FR" dirty="0"/>
+              <a:t>)</a:t>
+            </a:r>
+          </a:p>
+          <a:p>
+            <a:r>
+              <a:rPr lang="fr-FR" dirty="0"/>
+              <a:t>2- montrer le contenu des </a:t>
+            </a:r>
+            <a:r>
+              <a:rPr lang="fr-FR" dirty="0" err="1"/>
+              <a:t>jwt</a:t>
+            </a:r>
+            <a:r>
+              <a:rPr lang="fr-FR" dirty="0"/>
+              <a:t> dans jwt.io</a:t>
+            </a:r>
+          </a:p>
+          <a:p>
+            <a:r>
+              <a:rPr lang="fr-FR" dirty="0"/>
+              <a:t>3- Appels API sans et avec </a:t>
+            </a:r>
+            <a:r>
+              <a:rPr lang="fr-FR" dirty="0" err="1"/>
+              <a:t>access</a:t>
+            </a:r>
+            <a:r>
+              <a:rPr lang="fr-FR" dirty="0"/>
+              <a:t> </a:t>
+            </a:r>
+            <a:r>
+              <a:rPr lang="fr-FR" dirty="0" err="1"/>
+              <a:t>token</a:t>
+            </a:r>
+            <a:r>
+              <a:rPr lang="fr-FR" dirty="0"/>
+              <a:t> pour montrer que c’est protégé</a:t>
+            </a:r>
+          </a:p>
+          <a:p>
+            <a:r>
+              <a:rPr lang="fr-FR" dirty="0"/>
+              <a:t>4- en option implémenter dans une app </a:t>
+            </a:r>
+            <a:r>
+              <a:rPr lang="fr-FR" dirty="0" err="1"/>
+              <a:t>js</a:t>
+            </a:r>
+            <a:r>
+              <a:rPr lang="fr-FR" dirty="0"/>
+              <a:t> + API </a:t>
+            </a:r>
+            <a:r>
+              <a:rPr lang="fr-FR" dirty="0" err="1"/>
+              <a:t>aspnet</a:t>
+            </a:r>
+            <a:r>
+              <a:rPr lang="fr-FR" dirty="0"/>
+              <a:t> protégée en </a:t>
+            </a:r>
+            <a:r>
+              <a:rPr lang="fr-FR" dirty="0" err="1"/>
+              <a:t>jwt</a:t>
+            </a:r>
+            <a:r>
+              <a:rPr lang="fr-FR" dirty="0"/>
+              <a:t> </a:t>
+            </a:r>
+            <a:r>
+              <a:rPr lang="fr-FR" dirty="0" err="1"/>
+              <a:t>bearer</a:t>
+            </a:r>
+            <a:endParaRPr lang="fr-FR" dirty="0"/>
+          </a:p>
+          <a:p>
+            <a:endParaRPr lang="fr-FR" dirty="0"/>
+          </a:p>
+          <a:p>
+            <a:r>
+              <a:rPr lang="fr-FR" dirty="0"/>
+              <a:t>En </a:t>
+            </a:r>
+            <a:r>
+              <a:rPr lang="fr-FR" dirty="0" err="1"/>
+              <a:t>React</a:t>
+            </a:r>
+            <a:r>
+              <a:rPr lang="fr-FR" dirty="0"/>
+              <a:t> il existe </a:t>
+            </a:r>
+            <a:r>
+              <a:rPr lang="fr-FR" dirty="0" err="1"/>
+              <a:t>React-oidc</a:t>
+            </a:r>
+            <a:r>
+              <a:rPr lang="fr-FR" dirty="0"/>
+              <a:t>, en </a:t>
+            </a:r>
+            <a:r>
+              <a:rPr lang="fr-FR" dirty="0" err="1"/>
+              <a:t>angular</a:t>
+            </a:r>
+            <a:r>
+              <a:rPr lang="fr-FR" dirty="0"/>
+              <a:t> ou </a:t>
+            </a:r>
+            <a:r>
+              <a:rPr lang="fr-FR" dirty="0" err="1"/>
+              <a:t>js</a:t>
+            </a:r>
+            <a:r>
+              <a:rPr lang="fr-FR" dirty="0"/>
+              <a:t> il existe oidc-client.js</a:t>
             </a:r>
           </a:p>
         </p:txBody>
@@ -741,7 +910,7 @@
     </p:spTree>
     <p:extLst>
       <p:ext uri="{BB962C8B-B14F-4D97-AF65-F5344CB8AC3E}">
-        <p14:creationId xmlns:p14="http://schemas.microsoft.com/office/powerpoint/2010/main" val="3478940656"/>
+        <p14:creationId xmlns:p14="http://schemas.microsoft.com/office/powerpoint/2010/main" val="3163538104"/>
       </p:ext>
     </p:extLst>
   </p:cSld>
@@ -797,73 +966,7 @@
           <a:p>
             <a:r>
               <a:rPr lang="fr-FR" dirty="0"/>
-              <a:t>S</a:t>
-            </a:r>
-          </a:p>
-          <a:p>
-            <a:endParaRPr lang="fr-FR" dirty="0"/>
-          </a:p>
-          <a:p>
-            <a:r>
-              <a:rPr lang="fr-FR" dirty="0" err="1"/>
-              <a:t>Dotnet</a:t>
-            </a:r>
-            <a:r>
-              <a:rPr lang="fr-FR" dirty="0"/>
-              <a:t> new </a:t>
-            </a:r>
-            <a:r>
-              <a:rPr lang="fr-FR" dirty="0" err="1"/>
-              <a:t>webapi</a:t>
-            </a:r>
-            <a:endParaRPr lang="fr-FR" dirty="0"/>
-          </a:p>
-          <a:p>
-            <a:r>
-              <a:rPr lang="fr-FR" dirty="0"/>
-              <a:t>Ajouter le package is4 server</a:t>
-            </a:r>
-          </a:p>
-          <a:p>
-            <a:r>
-              <a:rPr lang="fr-FR" dirty="0"/>
-              <a:t>Ajouter le code dans Configure et </a:t>
-            </a:r>
-            <a:r>
-              <a:rPr lang="fr-FR" dirty="0" err="1"/>
-              <a:t>ConfigureServices</a:t>
-            </a:r>
-            <a:endParaRPr lang="fr-FR" dirty="0"/>
-          </a:p>
-          <a:p>
-            <a:r>
-              <a:rPr lang="fr-FR" dirty="0"/>
-              <a:t>Ajouter scope, client</a:t>
-            </a:r>
-          </a:p>
-          <a:p>
-            <a:endParaRPr lang="fr-FR" dirty="0"/>
-          </a:p>
-          <a:p>
-            <a:r>
-              <a:rPr lang="fr-FR" dirty="0" err="1"/>
-              <a:t>Dotnet</a:t>
-            </a:r>
-            <a:r>
-              <a:rPr lang="fr-FR" dirty="0"/>
-              <a:t> run </a:t>
-            </a:r>
-          </a:p>
-          <a:p>
-            <a:r>
-              <a:rPr lang="fr-FR" dirty="0"/>
-              <a:t>Discovery ?</a:t>
-            </a:r>
-          </a:p>
-          <a:p>
-            <a:r>
-              <a:rPr lang="fr-FR" dirty="0"/>
-              <a:t>Basculer démo web app vers le nouveau OIDC server créé </a:t>
+              <a:t>J</a:t>
             </a:r>
           </a:p>
         </p:txBody>
@@ -894,7 +997,7 @@
     </p:spTree>
     <p:extLst>
       <p:ext uri="{BB962C8B-B14F-4D97-AF65-F5344CB8AC3E}">
-        <p14:creationId xmlns:p14="http://schemas.microsoft.com/office/powerpoint/2010/main" val="2311372432"/>
+        <p14:creationId xmlns:p14="http://schemas.microsoft.com/office/powerpoint/2010/main" val="3478940656"/>
       </p:ext>
     </p:extLst>
   </p:cSld>
@@ -953,6 +1056,72 @@
               <a:t>S</a:t>
             </a:r>
           </a:p>
+          <a:p>
+            <a:endParaRPr lang="fr-FR" dirty="0"/>
+          </a:p>
+          <a:p>
+            <a:r>
+              <a:rPr lang="fr-FR" dirty="0" err="1"/>
+              <a:t>Dotnet</a:t>
+            </a:r>
+            <a:r>
+              <a:rPr lang="fr-FR" dirty="0"/>
+              <a:t> new </a:t>
+            </a:r>
+            <a:r>
+              <a:rPr lang="fr-FR" dirty="0" err="1"/>
+              <a:t>webapi</a:t>
+            </a:r>
+            <a:endParaRPr lang="fr-FR" dirty="0"/>
+          </a:p>
+          <a:p>
+            <a:r>
+              <a:rPr lang="fr-FR" dirty="0"/>
+              <a:t>Ajouter le package is4 server</a:t>
+            </a:r>
+          </a:p>
+          <a:p>
+            <a:r>
+              <a:rPr lang="fr-FR" dirty="0"/>
+              <a:t>Ajouter le code dans Configure et </a:t>
+            </a:r>
+            <a:r>
+              <a:rPr lang="fr-FR" dirty="0" err="1"/>
+              <a:t>ConfigureServices</a:t>
+            </a:r>
+            <a:endParaRPr lang="fr-FR" dirty="0"/>
+          </a:p>
+          <a:p>
+            <a:r>
+              <a:rPr lang="fr-FR" dirty="0"/>
+              <a:t>Ajouter scope, client</a:t>
+            </a:r>
+          </a:p>
+          <a:p>
+            <a:endParaRPr lang="fr-FR" dirty="0"/>
+          </a:p>
+          <a:p>
+            <a:r>
+              <a:rPr lang="fr-FR" dirty="0" err="1"/>
+              <a:t>Dotnet</a:t>
+            </a:r>
+            <a:r>
+              <a:rPr lang="fr-FR" dirty="0"/>
+              <a:t> run </a:t>
+            </a:r>
+          </a:p>
+          <a:p>
+            <a:r>
+              <a:rPr lang="fr-FR" dirty="0"/>
+              <a:t>Discovery ?</a:t>
+            </a:r>
+          </a:p>
+          <a:p>
+            <a:r>
+              <a:rPr lang="fr-FR" dirty="0"/>
+              <a:t>Basculer démo web app vers le nouveau OIDC server créé </a:t>
+            </a:r>
+          </a:p>
         </p:txBody>
       </p:sp>
       <p:sp>
@@ -981,7 +1150,7 @@
     </p:spTree>
     <p:extLst>
       <p:ext uri="{BB962C8B-B14F-4D97-AF65-F5344CB8AC3E}">
-        <p14:creationId xmlns:p14="http://schemas.microsoft.com/office/powerpoint/2010/main" val="1614864561"/>
+        <p14:creationId xmlns:p14="http://schemas.microsoft.com/office/powerpoint/2010/main" val="2311372432"/>
       </p:ext>
     </p:extLst>
   </p:cSld>
@@ -1037,7 +1206,7 @@
           <a:p>
             <a:r>
               <a:rPr lang="fr-FR" dirty="0"/>
-              <a:t>J</a:t>
+              <a:t>S</a:t>
             </a:r>
           </a:p>
         </p:txBody>
@@ -1059,7 +1228,7 @@
           <a:p>
             <a:fld id="{D02987CE-69F8-438B-A16B-8F9D28B89917}" type="slidenum">
               <a:rPr lang="fr-FR" smtClean="0"/>
-              <a:t>14</a:t>
+              <a:t>13</a:t>
             </a:fld>
             <a:endParaRPr lang="fr-FR"/>
           </a:p>
@@ -1068,7 +1237,7 @@
     </p:spTree>
     <p:extLst>
       <p:ext uri="{BB962C8B-B14F-4D97-AF65-F5344CB8AC3E}">
-        <p14:creationId xmlns:p14="http://schemas.microsoft.com/office/powerpoint/2010/main" val="1022295303"/>
+        <p14:creationId xmlns:p14="http://schemas.microsoft.com/office/powerpoint/2010/main" val="1614864561"/>
       </p:ext>
     </p:extLst>
   </p:cSld>
@@ -1124,7 +1293,7 @@
           <a:p>
             <a:r>
               <a:rPr lang="fr-FR" dirty="0"/>
-              <a:t>S</a:t>
+              <a:t>J</a:t>
             </a:r>
           </a:p>
         </p:txBody>
@@ -1146,7 +1315,94 @@
           <a:p>
             <a:fld id="{D02987CE-69F8-438B-A16B-8F9D28B89917}" type="slidenum">
               <a:rPr lang="fr-FR" smtClean="0"/>
-              <a:t>15</a:t>
+              <a:t>16</a:t>
+            </a:fld>
+            <a:endParaRPr lang="fr-FR"/>
+          </a:p>
+        </p:txBody>
+      </p:sp>
+    </p:spTree>
+    <p:extLst>
+      <p:ext uri="{BB962C8B-B14F-4D97-AF65-F5344CB8AC3E}">
+        <p14:creationId xmlns:p14="http://schemas.microsoft.com/office/powerpoint/2010/main" val="1022295303"/>
+      </p:ext>
+    </p:extLst>
+  </p:cSld>
+  <p:clrMapOvr>
+    <a:masterClrMapping/>
+  </p:clrMapOvr>
+</p:notes>
+</file>
+
+<file path=ppt/notesSlides/notesSlide15.xml><?xml version="1.0" encoding="utf-8"?>
+<p:notes xmlns:a="http://schemas.openxmlformats.org/drawingml/2006/main" xmlns:r="http://schemas.openxmlformats.org/officeDocument/2006/relationships" xmlns:p="http://schemas.openxmlformats.org/presentationml/2006/main">
+  <p:cSld>
+    <p:spTree>
+      <p:nvGrpSpPr>
+        <p:cNvPr id="1" name=""/>
+        <p:cNvGrpSpPr/>
+        <p:nvPr/>
+      </p:nvGrpSpPr>
+      <p:grpSpPr>
+        <a:xfrm>
+          <a:off x="0" y="0"/>
+          <a:ext cx="0" cy="0"/>
+          <a:chOff x="0" y="0"/>
+          <a:chExt cx="0" cy="0"/>
+        </a:xfrm>
+      </p:grpSpPr>
+      <p:sp>
+        <p:nvSpPr>
+          <p:cNvPr id="2" name="Espace réservé de l'image des diapositives 1"/>
+          <p:cNvSpPr>
+            <a:spLocks noGrp="1" noRot="1" noChangeAspect="1"/>
+          </p:cNvSpPr>
+          <p:nvPr>
+            <p:ph type="sldImg"/>
+          </p:nvPr>
+        </p:nvSpPr>
+        <p:spPr/>
+      </p:sp>
+      <p:sp>
+        <p:nvSpPr>
+          <p:cNvPr id="3" name="Espace réservé des notes 2"/>
+          <p:cNvSpPr>
+            <a:spLocks noGrp="1"/>
+          </p:cNvSpPr>
+          <p:nvPr>
+            <p:ph type="body" idx="1"/>
+          </p:nvPr>
+        </p:nvSpPr>
+        <p:spPr/>
+        <p:txBody>
+          <a:bodyPr/>
+          <a:lstStyle/>
+          <a:p>
+            <a:r>
+              <a:rPr lang="fr-FR" dirty="0"/>
+              <a:t>S</a:t>
+            </a:r>
+          </a:p>
+        </p:txBody>
+      </p:sp>
+      <p:sp>
+        <p:nvSpPr>
+          <p:cNvPr id="4" name="Espace réservé du numéro de diapositive 3"/>
+          <p:cNvSpPr>
+            <a:spLocks noGrp="1"/>
+          </p:cNvSpPr>
+          <p:nvPr>
+            <p:ph type="sldNum" sz="quarter" idx="10"/>
+          </p:nvPr>
+        </p:nvSpPr>
+        <p:spPr/>
+        <p:txBody>
+          <a:bodyPr/>
+          <a:lstStyle/>
+          <a:p>
+            <a:fld id="{D02987CE-69F8-438B-A16B-8F9D28B89917}" type="slidenum">
+              <a:rPr lang="fr-FR" smtClean="0"/>
+              <a:t>17</a:t>
             </a:fld>
             <a:endParaRPr lang="fr-FR"/>
           </a:p>
@@ -1460,7 +1716,7 @@
           <a:p>
             <a:r>
               <a:rPr lang="fr-FR" dirty="0"/>
-              <a:t>Simon</a:t>
+              <a:t>J</a:t>
             </a:r>
           </a:p>
         </p:txBody>
@@ -1491,7 +1747,7 @@
     </p:spTree>
     <p:extLst>
       <p:ext uri="{BB962C8B-B14F-4D97-AF65-F5344CB8AC3E}">
-        <p14:creationId xmlns:p14="http://schemas.microsoft.com/office/powerpoint/2010/main" val="565224243"/>
+        <p14:creationId xmlns:p14="http://schemas.microsoft.com/office/powerpoint/2010/main" val="914069800"/>
       </p:ext>
     </p:extLst>
   </p:cSld>
@@ -1547,21 +1803,8 @@
           <a:p>
             <a:r>
               <a:rPr lang="fr-FR" dirty="0"/>
-              <a:t>S</a:t>
-            </a:r>
-            <a:br>
-              <a:rPr lang="fr-FR" dirty="0"/>
-            </a:br>
-            <a:br>
-              <a:rPr lang="fr-FR" dirty="0"/>
-            </a:br>
-            <a:r>
-              <a:rPr lang="fr-FR" dirty="0"/>
-              <a:t>Montrer https://demo.identityserver.io/.well-known/openid-configuration</a:t>
-            </a:r>
-          </a:p>
-          <a:p>
-            <a:endParaRPr lang="fr-FR" dirty="0"/>
+              <a:t>Simon</a:t>
+            </a:r>
           </a:p>
         </p:txBody>
       </p:sp>
@@ -1591,7 +1834,7 @@
     </p:spTree>
     <p:extLst>
       <p:ext uri="{BB962C8B-B14F-4D97-AF65-F5344CB8AC3E}">
-        <p14:creationId xmlns:p14="http://schemas.microsoft.com/office/powerpoint/2010/main" val="639017118"/>
+        <p14:creationId xmlns:p14="http://schemas.microsoft.com/office/powerpoint/2010/main" val="565224243"/>
       </p:ext>
     </p:extLst>
   </p:cSld>
@@ -1647,8 +1890,21 @@
           <a:p>
             <a:r>
               <a:rPr lang="fr-FR" dirty="0"/>
-              <a:t>J</a:t>
-            </a:r>
+              <a:t>S</a:t>
+            </a:r>
+            <a:br>
+              <a:rPr lang="fr-FR" dirty="0"/>
+            </a:br>
+            <a:br>
+              <a:rPr lang="fr-FR" dirty="0"/>
+            </a:br>
+            <a:r>
+              <a:rPr lang="fr-FR" dirty="0"/>
+              <a:t>Montrer https://demo.identityserver.io/.well-known/openid-configuration</a:t>
+            </a:r>
+          </a:p>
+          <a:p>
+            <a:endParaRPr lang="fr-FR" dirty="0"/>
           </a:p>
         </p:txBody>
       </p:sp>
@@ -1678,7 +1934,7 @@
     </p:spTree>
     <p:extLst>
       <p:ext uri="{BB962C8B-B14F-4D97-AF65-F5344CB8AC3E}">
-        <p14:creationId xmlns:p14="http://schemas.microsoft.com/office/powerpoint/2010/main" val="2016509213"/>
+        <p14:creationId xmlns:p14="http://schemas.microsoft.com/office/powerpoint/2010/main" val="639017118"/>
       </p:ext>
     </p:extLst>
   </p:cSld>
@@ -1737,12 +1993,6 @@
               <a:t>J</a:t>
             </a:r>
           </a:p>
-          <a:p>
-            <a:r>
-              <a:rPr lang="fr-FR" dirty="0"/>
-              <a:t>Contexte web application</a:t>
-            </a:r>
-          </a:p>
         </p:txBody>
       </p:sp>
       <p:sp>
@@ -1771,7 +2021,7 @@
     </p:spTree>
     <p:extLst>
       <p:ext uri="{BB962C8B-B14F-4D97-AF65-F5344CB8AC3E}">
-        <p14:creationId xmlns:p14="http://schemas.microsoft.com/office/powerpoint/2010/main" val="1427415248"/>
+        <p14:creationId xmlns:p14="http://schemas.microsoft.com/office/powerpoint/2010/main" val="2016509213"/>
       </p:ext>
     </p:extLst>
   </p:cSld>
@@ -1829,33 +2079,12 @@
               <a:rPr lang="fr-FR" dirty="0"/>
               <a:t>J</a:t>
             </a:r>
-            <a:br>
-              <a:rPr lang="fr-FR" dirty="0"/>
-            </a:br>
-            <a:br>
-              <a:rPr lang="fr-FR" dirty="0"/>
-            </a:br>
-            <a:r>
-              <a:rPr lang="fr-FR" dirty="0" err="1"/>
-              <a:t>aspnet</a:t>
-            </a:r>
-            <a:r>
-              <a:rPr lang="fr-FR" dirty="0"/>
-              <a:t> </a:t>
-            </a:r>
-            <a:r>
-              <a:rPr lang="fr-FR" sz="1200" b="0" i="0" kern="1200" dirty="0" err="1">
-                <a:solidFill>
-                  <a:schemeClr val="tx1"/>
-                </a:solidFill>
-                <a:effectLst/>
-                <a:latin typeface="+mn-lt"/>
-                <a:ea typeface="+mn-ea"/>
-                <a:cs typeface="+mn-cs"/>
-              </a:rPr>
-              <a:t>Microsoft.Owin.Security.OpenIdConnect</a:t>
-            </a:r>
-            <a:endParaRPr lang="fr-FR" dirty="0"/>
+          </a:p>
+          <a:p>
+            <a:r>
+              <a:rPr lang="fr-FR" dirty="0"/>
+              <a:t>Contexte web application</a:t>
+            </a:r>
           </a:p>
         </p:txBody>
       </p:sp>
@@ -1885,7 +2114,7 @@
     </p:spTree>
     <p:extLst>
       <p:ext uri="{BB962C8B-B14F-4D97-AF65-F5344CB8AC3E}">
-        <p14:creationId xmlns:p14="http://schemas.microsoft.com/office/powerpoint/2010/main" val="2968246798"/>
+        <p14:creationId xmlns:p14="http://schemas.microsoft.com/office/powerpoint/2010/main" val="1427415248"/>
       </p:ext>
     </p:extLst>
   </p:cSld>
@@ -1943,6 +2172,33 @@
               <a:rPr lang="fr-FR" dirty="0"/>
               <a:t>J</a:t>
             </a:r>
+            <a:br>
+              <a:rPr lang="fr-FR" dirty="0"/>
+            </a:br>
+            <a:br>
+              <a:rPr lang="fr-FR" dirty="0"/>
+            </a:br>
+            <a:r>
+              <a:rPr lang="fr-FR" dirty="0" err="1"/>
+              <a:t>aspnet</a:t>
+            </a:r>
+            <a:r>
+              <a:rPr lang="fr-FR" dirty="0"/>
+              <a:t> </a:t>
+            </a:r>
+            <a:r>
+              <a:rPr lang="fr-FR" sz="1200" b="0" i="0" kern="1200" dirty="0" err="1">
+                <a:solidFill>
+                  <a:schemeClr val="tx1"/>
+                </a:solidFill>
+                <a:effectLst/>
+                <a:latin typeface="+mn-lt"/>
+                <a:ea typeface="+mn-ea"/>
+                <a:cs typeface="+mn-cs"/>
+              </a:rPr>
+              <a:t>Microsoft.Owin.Security.OpenIdConnect</a:t>
+            </a:r>
+            <a:endParaRPr lang="fr-FR" dirty="0"/>
           </a:p>
         </p:txBody>
       </p:sp>
@@ -1972,7 +2228,7 @@
     </p:spTree>
     <p:extLst>
       <p:ext uri="{BB962C8B-B14F-4D97-AF65-F5344CB8AC3E}">
-        <p14:creationId xmlns:p14="http://schemas.microsoft.com/office/powerpoint/2010/main" val="1497709065"/>
+        <p14:creationId xmlns:p14="http://schemas.microsoft.com/office/powerpoint/2010/main" val="2968246798"/>
       </p:ext>
     </p:extLst>
   </p:cSld>
@@ -2031,170 +2287,6 @@
               <a:t>S</a:t>
             </a:r>
           </a:p>
-          <a:p>
-            <a:r>
-              <a:rPr lang="fr-FR" dirty="0"/>
-              <a:t>Cible : </a:t>
-            </a:r>
-            <a:r>
-              <a:rPr lang="fr-FR" dirty="0" err="1"/>
-              <a:t>demo</a:t>
-            </a:r>
-            <a:r>
-              <a:rPr lang="fr-FR" dirty="0"/>
-              <a:t> </a:t>
-            </a:r>
-            <a:r>
-              <a:rPr lang="fr-FR" dirty="0" err="1"/>
-              <a:t>is</a:t>
-            </a:r>
-            <a:r>
-              <a:rPr lang="fr-FR" dirty="0"/>
-              <a:t> 4</a:t>
-            </a:r>
-          </a:p>
-          <a:p>
-            <a:r>
-              <a:rPr lang="fr-FR" dirty="0"/>
-              <a:t>1- Postman récupérer un </a:t>
-            </a:r>
-            <a:r>
-              <a:rPr lang="fr-FR" dirty="0" err="1"/>
-              <a:t>access</a:t>
-            </a:r>
-            <a:r>
-              <a:rPr lang="fr-FR" dirty="0"/>
-              <a:t> </a:t>
-            </a:r>
-            <a:r>
-              <a:rPr lang="fr-FR" dirty="0" err="1"/>
-              <a:t>token</a:t>
-            </a:r>
-            <a:r>
-              <a:rPr lang="fr-FR" dirty="0"/>
-              <a:t> (+ </a:t>
-            </a:r>
-            <a:r>
-              <a:rPr lang="fr-FR" dirty="0" err="1"/>
-              <a:t>id_token</a:t>
-            </a:r>
-            <a:r>
-              <a:rPr lang="fr-FR" dirty="0"/>
-              <a:t>)</a:t>
-            </a:r>
-          </a:p>
-          <a:p>
-            <a:r>
-              <a:rPr lang="fr-FR" dirty="0"/>
-              <a:t>2- montrer le contenu des </a:t>
-            </a:r>
-            <a:r>
-              <a:rPr lang="fr-FR" dirty="0" err="1"/>
-              <a:t>jwt</a:t>
-            </a:r>
-            <a:r>
-              <a:rPr lang="fr-FR" dirty="0"/>
-              <a:t> dans jwt.io</a:t>
-            </a:r>
-          </a:p>
-          <a:p>
-            <a:r>
-              <a:rPr lang="fr-FR" dirty="0"/>
-              <a:t>3- Appels API sans et avec </a:t>
-            </a:r>
-            <a:r>
-              <a:rPr lang="fr-FR" dirty="0" err="1"/>
-              <a:t>access</a:t>
-            </a:r>
-            <a:r>
-              <a:rPr lang="fr-FR" dirty="0"/>
-              <a:t> </a:t>
-            </a:r>
-            <a:r>
-              <a:rPr lang="fr-FR" dirty="0" err="1"/>
-              <a:t>token</a:t>
-            </a:r>
-            <a:r>
-              <a:rPr lang="fr-FR" dirty="0"/>
-              <a:t> pour montrer que c’est protégé</a:t>
-            </a:r>
-          </a:p>
-          <a:p>
-            <a:r>
-              <a:rPr lang="fr-FR" dirty="0"/>
-              <a:t>4- en option implémenter dans une app </a:t>
-            </a:r>
-            <a:r>
-              <a:rPr lang="fr-FR" dirty="0" err="1"/>
-              <a:t>js</a:t>
-            </a:r>
-            <a:r>
-              <a:rPr lang="fr-FR" dirty="0"/>
-              <a:t> + API </a:t>
-            </a:r>
-            <a:r>
-              <a:rPr lang="fr-FR" dirty="0" err="1"/>
-              <a:t>aspnet</a:t>
-            </a:r>
-            <a:r>
-              <a:rPr lang="fr-FR" dirty="0"/>
-              <a:t> protégée en </a:t>
-            </a:r>
-            <a:r>
-              <a:rPr lang="fr-FR" dirty="0" err="1"/>
-              <a:t>jwt</a:t>
-            </a:r>
-            <a:r>
-              <a:rPr lang="fr-FR" dirty="0"/>
-              <a:t> </a:t>
-            </a:r>
-            <a:r>
-              <a:rPr lang="fr-FR" dirty="0" err="1"/>
-              <a:t>bearer</a:t>
-            </a:r>
-            <a:endParaRPr lang="fr-FR" dirty="0"/>
-          </a:p>
-          <a:p>
-            <a:endParaRPr lang="fr-FR" dirty="0"/>
-          </a:p>
-          <a:p>
-            <a:r>
-              <a:rPr lang="fr-FR" dirty="0"/>
-              <a:t>En </a:t>
-            </a:r>
-            <a:r>
-              <a:rPr lang="fr-FR" dirty="0" err="1"/>
-              <a:t>React</a:t>
-            </a:r>
-            <a:r>
-              <a:rPr lang="fr-FR" dirty="0"/>
-              <a:t> il existe </a:t>
-            </a:r>
-            <a:r>
-              <a:rPr lang="fr-FR" dirty="0" err="1"/>
-              <a:t>React-oidc</a:t>
-            </a:r>
-            <a:r>
-              <a:rPr lang="fr-FR" dirty="0"/>
-              <a:t>, en </a:t>
-            </a:r>
-            <a:r>
-              <a:rPr lang="fr-FR" dirty="0" err="1"/>
-              <a:t>angular</a:t>
-            </a:r>
-            <a:r>
-              <a:rPr lang="fr-FR" dirty="0"/>
-              <a:t> ou </a:t>
-            </a:r>
-            <a:r>
-              <a:rPr lang="fr-FR" dirty="0" err="1"/>
-              <a:t>js</a:t>
-            </a:r>
-            <a:r>
-              <a:rPr lang="fr-FR" dirty="0"/>
-              <a:t> il existe oidc-client.js</a:t>
-            </a:r>
-          </a:p>
         </p:txBody>
       </p:sp>
       <p:sp>
@@ -2223,7 +2315,7 @@
     </p:spTree>
     <p:extLst>
       <p:ext uri="{BB962C8B-B14F-4D97-AF65-F5344CB8AC3E}">
-        <p14:creationId xmlns:p14="http://schemas.microsoft.com/office/powerpoint/2010/main" val="3163538104"/>
+        <p14:creationId xmlns:p14="http://schemas.microsoft.com/office/powerpoint/2010/main" val="1497709065"/>
       </p:ext>
     </p:extLst>
   </p:cSld>
@@ -3444,7 +3536,7 @@
           <a:p>
             <a:fld id="{F5DE3747-A71A-4323-B182-59653B97B97C}" type="datetimeFigureOut">
               <a:rPr lang="fr-FR" smtClean="0"/>
-              <a:t>26/06/2018</a:t>
+              <a:t>29/06/2018</a:t>
             </a:fld>
             <a:endParaRPr lang="fr-FR"/>
           </a:p>
@@ -3682,7 +3774,7 @@
           <a:p>
             <a:fld id="{F5DE3747-A71A-4323-B182-59653B97B97C}" type="datetimeFigureOut">
               <a:rPr lang="fr-FR" smtClean="0"/>
-              <a:t>26/06/2018</a:t>
+              <a:t>29/06/2018</a:t>
             </a:fld>
             <a:endParaRPr lang="fr-FR"/>
           </a:p>
@@ -3862,7 +3954,7 @@
           <a:p>
             <a:fld id="{F5DE3747-A71A-4323-B182-59653B97B97C}" type="datetimeFigureOut">
               <a:rPr lang="fr-FR" smtClean="0"/>
-              <a:t>26/06/2018</a:t>
+              <a:t>29/06/2018</a:t>
             </a:fld>
             <a:endParaRPr lang="fr-FR"/>
           </a:p>
@@ -4032,7 +4124,7 @@
           <a:p>
             <a:fld id="{F5DE3747-A71A-4323-B182-59653B97B97C}" type="datetimeFigureOut">
               <a:rPr lang="fr-FR" smtClean="0"/>
-              <a:t>26/06/2018</a:t>
+              <a:t>29/06/2018</a:t>
             </a:fld>
             <a:endParaRPr lang="fr-FR"/>
           </a:p>
@@ -4308,7 +4400,7 @@
           <a:p>
             <a:fld id="{F5DE3747-A71A-4323-B182-59653B97B97C}" type="datetimeFigureOut">
               <a:rPr lang="fr-FR" smtClean="0"/>
-              <a:t>26/06/2018</a:t>
+              <a:t>29/06/2018</a:t>
             </a:fld>
             <a:endParaRPr lang="fr-FR"/>
           </a:p>
@@ -5509,7 +5601,7 @@
           <a:p>
             <a:fld id="{F5DE3747-A71A-4323-B182-59653B97B97C}" type="datetimeFigureOut">
               <a:rPr lang="fr-FR" smtClean="0"/>
-              <a:t>26/06/2018</a:t>
+              <a:t>29/06/2018</a:t>
             </a:fld>
             <a:endParaRPr lang="fr-FR"/>
           </a:p>
@@ -5899,7 +5991,7 @@
           <a:p>
             <a:fld id="{F5DE3747-A71A-4323-B182-59653B97B97C}" type="datetimeFigureOut">
               <a:rPr lang="fr-FR" smtClean="0"/>
-              <a:t>26/06/2018</a:t>
+              <a:t>29/06/2018</a:t>
             </a:fld>
             <a:endParaRPr lang="fr-FR"/>
           </a:p>
@@ -6022,7 +6114,7 @@
           <a:p>
             <a:fld id="{F5DE3747-A71A-4323-B182-59653B97B97C}" type="datetimeFigureOut">
               <a:rPr lang="fr-FR" smtClean="0"/>
-              <a:t>26/06/2018</a:t>
+              <a:t>29/06/2018</a:t>
             </a:fld>
             <a:endParaRPr lang="fr-FR"/>
           </a:p>
@@ -6117,7 +6209,7 @@
           <a:p>
             <a:fld id="{F5DE3747-A71A-4323-B182-59653B97B97C}" type="datetimeFigureOut">
               <a:rPr lang="fr-FR" smtClean="0"/>
-              <a:t>26/06/2018</a:t>
+              <a:t>29/06/2018</a:t>
             </a:fld>
             <a:endParaRPr lang="fr-FR"/>
           </a:p>
@@ -6880,7 +6972,7 @@
           <a:p>
             <a:fld id="{F5DE3747-A71A-4323-B182-59653B97B97C}" type="datetimeFigureOut">
               <a:rPr lang="fr-FR" smtClean="0"/>
-              <a:t>26/06/2018</a:t>
+              <a:t>29/06/2018</a:t>
             </a:fld>
             <a:endParaRPr lang="fr-FR"/>
           </a:p>
@@ -7720,7 +7812,7 @@
           <a:p>
             <a:fld id="{F5DE3747-A71A-4323-B182-59653B97B97C}" type="datetimeFigureOut">
               <a:rPr lang="fr-FR" smtClean="0"/>
-              <a:t>26/06/2018</a:t>
+              <a:t>29/06/2018</a:t>
             </a:fld>
             <a:endParaRPr lang="fr-FR"/>
           </a:p>
@@ -7947,7 +8039,7 @@
           <a:p>
             <a:fld id="{F5DE3747-A71A-4323-B182-59653B97B97C}" type="datetimeFigureOut">
               <a:rPr lang="fr-FR" smtClean="0"/>
-              <a:t>26/06/2018</a:t>
+              <a:t>29/06/2018</a:t>
             </a:fld>
             <a:endParaRPr lang="fr-FR"/>
           </a:p>
@@ -9056,66 +9148,28 @@
             <p:ph type="title"/>
           </p:nvPr>
         </p:nvSpPr>
-        <p:spPr/>
+        <p:spPr>
+          <a:xfrm>
+            <a:off x="1002956" y="2597579"/>
+            <a:ext cx="10515600" cy="1325563"/>
+          </a:xfrm>
+        </p:spPr>
         <p:txBody>
           <a:bodyPr/>
           <a:lstStyle/>
           <a:p>
-            <a:r>
-              <a:rPr lang="fr-FR" dirty="0"/>
-              <a:t>Principaux serveurs OIDC</a:t>
-            </a:r>
-          </a:p>
-        </p:txBody>
-      </p:sp>
-      <p:sp>
-        <p:nvSpPr>
-          <p:cNvPr id="3" name="Espace réservé du contenu 2">
-            <a:extLst>
-              <a:ext uri="{FF2B5EF4-FFF2-40B4-BE49-F238E27FC236}">
-                <a16:creationId xmlns:a16="http://schemas.microsoft.com/office/drawing/2014/main" id="{6EB4873E-33B9-448D-93BC-D8155AEB07D4}"/>
-              </a:ext>
-            </a:extLst>
-          </p:cNvPr>
-          <p:cNvSpPr>
-            <a:spLocks noGrp="1"/>
-          </p:cNvSpPr>
-          <p:nvPr>
-            <p:ph idx="1"/>
-          </p:nvPr>
-        </p:nvSpPr>
-        <p:spPr/>
-        <p:txBody>
-          <a:bodyPr/>
-          <a:lstStyle/>
-          <a:p>
-            <a:r>
-              <a:rPr lang="fr-FR" dirty="0"/>
-              <a:t>Microsoft</a:t>
-            </a:r>
-          </a:p>
-          <a:p>
-            <a:r>
-              <a:rPr lang="fr-FR" dirty="0"/>
-              <a:t>Google</a:t>
-            </a:r>
-          </a:p>
-          <a:p>
-            <a:r>
-              <a:rPr lang="fr-FR" dirty="0"/>
-              <a:t>Twitter</a:t>
-            </a:r>
-          </a:p>
-          <a:p>
-            <a:r>
-              <a:rPr lang="fr-FR" dirty="0"/>
-              <a:t>LinkedIn</a:t>
-            </a:r>
-          </a:p>
-          <a:p>
-            <a:r>
-              <a:rPr lang="fr-FR" dirty="0"/>
-              <a:t>Facebook</a:t>
+            <a:pPr algn="ctr"/>
+            <a:r>
+              <a:rPr lang="fr-FR" dirty="0"/>
+              <a:t>Démo – </a:t>
+            </a:r>
+            <a:r>
+              <a:rPr lang="fr-FR" dirty="0" err="1"/>
+              <a:t>Implicit</a:t>
+            </a:r>
+            <a:r>
+              <a:rPr lang="fr-FR" dirty="0"/>
+              <a:t> flow</a:t>
             </a:r>
           </a:p>
         </p:txBody>
@@ -9123,7 +9177,7 @@
     </p:spTree>
     <p:extLst>
       <p:ext uri="{BB962C8B-B14F-4D97-AF65-F5344CB8AC3E}">
-        <p14:creationId xmlns:p14="http://schemas.microsoft.com/office/powerpoint/2010/main" val="1804674272"/>
+        <p14:creationId xmlns:p14="http://schemas.microsoft.com/office/powerpoint/2010/main" val="434051862"/>
       </p:ext>
     </p:extLst>
   </p:cSld>
@@ -9166,22 +9220,66 @@
             <p:ph type="title"/>
           </p:nvPr>
         </p:nvSpPr>
-        <p:spPr>
-          <a:xfrm>
-            <a:off x="1002956" y="2597579"/>
-            <a:ext cx="10515600" cy="1325563"/>
-          </a:xfrm>
-        </p:spPr>
+        <p:spPr/>
         <p:txBody>
-          <a:bodyPr>
-            <a:normAutofit fontScale="90000"/>
-          </a:bodyPr>
+          <a:bodyPr/>
           <a:lstStyle/>
           <a:p>
-            <a:pPr algn="ctr"/>
-            <a:r>
-              <a:rPr lang="fr-FR" dirty="0"/>
-              <a:t>Démo – Mise en place d’un serveur OIDC</a:t>
+            <a:r>
+              <a:rPr lang="fr-FR" dirty="0"/>
+              <a:t>Principaux serveurs OIDC</a:t>
+            </a:r>
+          </a:p>
+        </p:txBody>
+      </p:sp>
+      <p:sp>
+        <p:nvSpPr>
+          <p:cNvPr id="3" name="Espace réservé du contenu 2">
+            <a:extLst>
+              <a:ext uri="{FF2B5EF4-FFF2-40B4-BE49-F238E27FC236}">
+                <a16:creationId xmlns:a16="http://schemas.microsoft.com/office/drawing/2014/main" id="{6EB4873E-33B9-448D-93BC-D8155AEB07D4}"/>
+              </a:ext>
+            </a:extLst>
+          </p:cNvPr>
+          <p:cNvSpPr>
+            <a:spLocks noGrp="1"/>
+          </p:cNvSpPr>
+          <p:nvPr>
+            <p:ph idx="1"/>
+          </p:nvPr>
+        </p:nvSpPr>
+        <p:spPr/>
+        <p:txBody>
+          <a:bodyPr/>
+          <a:lstStyle/>
+          <a:p>
+            <a:r>
+              <a:rPr lang="fr-FR" dirty="0"/>
+              <a:t>Microsoft</a:t>
+            </a:r>
+          </a:p>
+          <a:p>
+            <a:r>
+              <a:rPr lang="fr-FR" dirty="0"/>
+              <a:t>Google</a:t>
+            </a:r>
+          </a:p>
+          <a:p>
+            <a:r>
+              <a:rPr lang="fr-FR" dirty="0"/>
+              <a:t>Twitter</a:t>
+            </a:r>
+          </a:p>
+          <a:p>
+            <a:r>
+              <a:rPr lang="fr-FR" dirty="0"/>
+              <a:t>LinkedIn</a:t>
+            </a:r>
+          </a:p>
+          <a:p>
+            <a:r>
+              <a:rPr lang="fr-FR" dirty="0"/>
+              <a:t>Facebook</a:t>
             </a:r>
           </a:p>
         </p:txBody>
@@ -9189,13 +9287,351 @@
     </p:spTree>
     <p:extLst>
       <p:ext uri="{BB962C8B-B14F-4D97-AF65-F5344CB8AC3E}">
-        <p14:creationId xmlns:p14="http://schemas.microsoft.com/office/powerpoint/2010/main" val="950428172"/>
+        <p14:creationId xmlns:p14="http://schemas.microsoft.com/office/powerpoint/2010/main" val="1804674272"/>
       </p:ext>
     </p:extLst>
   </p:cSld>
   <p:clrMapOvr>
     <a:masterClrMapping/>
   </p:clrMapOvr>
+  <p:timing>
+    <p:tnLst>
+      <p:par>
+        <p:cTn id="1" dur="indefinite" restart="never" nodeType="tmRoot">
+          <p:childTnLst>
+            <p:seq concurrent="1" nextAc="seek">
+              <p:cTn id="2" dur="indefinite" nodeType="mainSeq">
+                <p:childTnLst>
+                  <p:par>
+                    <p:cTn id="3" fill="hold">
+                      <p:stCondLst>
+                        <p:cond delay="indefinite"/>
+                      </p:stCondLst>
+                      <p:childTnLst>
+                        <p:par>
+                          <p:cTn id="4" fill="hold">
+                            <p:stCondLst>
+                              <p:cond delay="0"/>
+                            </p:stCondLst>
+                            <p:childTnLst>
+                              <p:par>
+                                <p:cTn id="5" presetID="10" presetClass="entr" presetSubtype="0" fill="hold" grpId="0" nodeType="clickEffect">
+                                  <p:stCondLst>
+                                    <p:cond delay="0"/>
+                                  </p:stCondLst>
+                                  <p:childTnLst>
+                                    <p:set>
+                                      <p:cBhvr>
+                                        <p:cTn id="6" dur="1" fill="hold">
+                                          <p:stCondLst>
+                                            <p:cond delay="0"/>
+                                          </p:stCondLst>
+                                        </p:cTn>
+                                        <p:tgtEl>
+                                          <p:spTgt spid="3">
+                                            <p:txEl>
+                                              <p:pRg st="0" end="0"/>
+                                            </p:txEl>
+                                          </p:spTgt>
+                                        </p:tgtEl>
+                                        <p:attrNameLst>
+                                          <p:attrName>style.visibility</p:attrName>
+                                        </p:attrNameLst>
+                                      </p:cBhvr>
+                                      <p:to>
+                                        <p:strVal val="visible"/>
+                                      </p:to>
+                                    </p:set>
+                                    <p:animEffect transition="in" filter="fade">
+                                      <p:cBhvr>
+                                        <p:cTn id="7" dur="500"/>
+                                        <p:tgtEl>
+                                          <p:spTgt spid="3">
+                                            <p:txEl>
+                                              <p:pRg st="0" end="0"/>
+                                            </p:txEl>
+                                          </p:spTgt>
+                                        </p:tgtEl>
+                                      </p:cBhvr>
+                                    </p:animEffect>
+                                  </p:childTnLst>
+                                </p:cTn>
+                              </p:par>
+                            </p:childTnLst>
+                          </p:cTn>
+                        </p:par>
+                      </p:childTnLst>
+                    </p:cTn>
+                  </p:par>
+                  <p:par>
+                    <p:cTn id="8" fill="hold">
+                      <p:stCondLst>
+                        <p:cond delay="indefinite"/>
+                      </p:stCondLst>
+                      <p:childTnLst>
+                        <p:par>
+                          <p:cTn id="9" fill="hold">
+                            <p:stCondLst>
+                              <p:cond delay="0"/>
+                            </p:stCondLst>
+                            <p:childTnLst>
+                              <p:par>
+                                <p:cTn id="10" presetID="10" presetClass="entr" presetSubtype="0" fill="hold" grpId="0" nodeType="clickEffect">
+                                  <p:stCondLst>
+                                    <p:cond delay="0"/>
+                                  </p:stCondLst>
+                                  <p:childTnLst>
+                                    <p:set>
+                                      <p:cBhvr>
+                                        <p:cTn id="11" dur="1" fill="hold">
+                                          <p:stCondLst>
+                                            <p:cond delay="0"/>
+                                          </p:stCondLst>
+                                        </p:cTn>
+                                        <p:tgtEl>
+                                          <p:spTgt spid="3">
+                                            <p:txEl>
+                                              <p:pRg st="1" end="1"/>
+                                            </p:txEl>
+                                          </p:spTgt>
+                                        </p:tgtEl>
+                                        <p:attrNameLst>
+                                          <p:attrName>style.visibility</p:attrName>
+                                        </p:attrNameLst>
+                                      </p:cBhvr>
+                                      <p:to>
+                                        <p:strVal val="visible"/>
+                                      </p:to>
+                                    </p:set>
+                                    <p:animEffect transition="in" filter="fade">
+                                      <p:cBhvr>
+                                        <p:cTn id="12" dur="500"/>
+                                        <p:tgtEl>
+                                          <p:spTgt spid="3">
+                                            <p:txEl>
+                                              <p:pRg st="1" end="1"/>
+                                            </p:txEl>
+                                          </p:spTgt>
+                                        </p:tgtEl>
+                                      </p:cBhvr>
+                                    </p:animEffect>
+                                  </p:childTnLst>
+                                </p:cTn>
+                              </p:par>
+                            </p:childTnLst>
+                          </p:cTn>
+                        </p:par>
+                      </p:childTnLst>
+                    </p:cTn>
+                  </p:par>
+                  <p:par>
+                    <p:cTn id="13" fill="hold">
+                      <p:stCondLst>
+                        <p:cond delay="indefinite"/>
+                      </p:stCondLst>
+                      <p:childTnLst>
+                        <p:par>
+                          <p:cTn id="14" fill="hold">
+                            <p:stCondLst>
+                              <p:cond delay="0"/>
+                            </p:stCondLst>
+                            <p:childTnLst>
+                              <p:par>
+                                <p:cTn id="15" presetID="10" presetClass="entr" presetSubtype="0" fill="hold" grpId="0" nodeType="clickEffect">
+                                  <p:stCondLst>
+                                    <p:cond delay="0"/>
+                                  </p:stCondLst>
+                                  <p:childTnLst>
+                                    <p:set>
+                                      <p:cBhvr>
+                                        <p:cTn id="16" dur="1" fill="hold">
+                                          <p:stCondLst>
+                                            <p:cond delay="0"/>
+                                          </p:stCondLst>
+                                        </p:cTn>
+                                        <p:tgtEl>
+                                          <p:spTgt spid="3">
+                                            <p:txEl>
+                                              <p:pRg st="2" end="2"/>
+                                            </p:txEl>
+                                          </p:spTgt>
+                                        </p:tgtEl>
+                                        <p:attrNameLst>
+                                          <p:attrName>style.visibility</p:attrName>
+                                        </p:attrNameLst>
+                                      </p:cBhvr>
+                                      <p:to>
+                                        <p:strVal val="visible"/>
+                                      </p:to>
+                                    </p:set>
+                                    <p:animEffect transition="in" filter="fade">
+                                      <p:cBhvr>
+                                        <p:cTn id="17" dur="500"/>
+                                        <p:tgtEl>
+                                          <p:spTgt spid="3">
+                                            <p:txEl>
+                                              <p:pRg st="2" end="2"/>
+                                            </p:txEl>
+                                          </p:spTgt>
+                                        </p:tgtEl>
+                                      </p:cBhvr>
+                                    </p:animEffect>
+                                  </p:childTnLst>
+                                </p:cTn>
+                              </p:par>
+                            </p:childTnLst>
+                          </p:cTn>
+                        </p:par>
+                      </p:childTnLst>
+                    </p:cTn>
+                  </p:par>
+                  <p:par>
+                    <p:cTn id="18" fill="hold">
+                      <p:stCondLst>
+                        <p:cond delay="indefinite"/>
+                      </p:stCondLst>
+                      <p:childTnLst>
+                        <p:par>
+                          <p:cTn id="19" fill="hold">
+                            <p:stCondLst>
+                              <p:cond delay="0"/>
+                            </p:stCondLst>
+                            <p:childTnLst>
+                              <p:par>
+                                <p:cTn id="20" presetID="10" presetClass="entr" presetSubtype="0" fill="hold" grpId="0" nodeType="clickEffect">
+                                  <p:stCondLst>
+                                    <p:cond delay="0"/>
+                                  </p:stCondLst>
+                                  <p:childTnLst>
+                                    <p:set>
+                                      <p:cBhvr>
+                                        <p:cTn id="21" dur="1" fill="hold">
+                                          <p:stCondLst>
+                                            <p:cond delay="0"/>
+                                          </p:stCondLst>
+                                        </p:cTn>
+                                        <p:tgtEl>
+                                          <p:spTgt spid="3">
+                                            <p:txEl>
+                                              <p:pRg st="3" end="3"/>
+                                            </p:txEl>
+                                          </p:spTgt>
+                                        </p:tgtEl>
+                                        <p:attrNameLst>
+                                          <p:attrName>style.visibility</p:attrName>
+                                        </p:attrNameLst>
+                                      </p:cBhvr>
+                                      <p:to>
+                                        <p:strVal val="visible"/>
+                                      </p:to>
+                                    </p:set>
+                                    <p:animEffect transition="in" filter="fade">
+                                      <p:cBhvr>
+                                        <p:cTn id="22" dur="500"/>
+                                        <p:tgtEl>
+                                          <p:spTgt spid="3">
+                                            <p:txEl>
+                                              <p:pRg st="3" end="3"/>
+                                            </p:txEl>
+                                          </p:spTgt>
+                                        </p:tgtEl>
+                                      </p:cBhvr>
+                                    </p:animEffect>
+                                  </p:childTnLst>
+                                </p:cTn>
+                              </p:par>
+                            </p:childTnLst>
+                          </p:cTn>
+                        </p:par>
+                      </p:childTnLst>
+                    </p:cTn>
+                  </p:par>
+                  <p:par>
+                    <p:cTn id="23" fill="hold">
+                      <p:stCondLst>
+                        <p:cond delay="indefinite"/>
+                      </p:stCondLst>
+                      <p:childTnLst>
+                        <p:par>
+                          <p:cTn id="24" fill="hold">
+                            <p:stCondLst>
+                              <p:cond delay="0"/>
+                            </p:stCondLst>
+                            <p:childTnLst>
+                              <p:par>
+                                <p:cTn id="25" presetID="10" presetClass="entr" presetSubtype="0" fill="hold" grpId="0" nodeType="clickEffect">
+                                  <p:stCondLst>
+                                    <p:cond delay="0"/>
+                                  </p:stCondLst>
+                                  <p:childTnLst>
+                                    <p:set>
+                                      <p:cBhvr>
+                                        <p:cTn id="26" dur="1" fill="hold">
+                                          <p:stCondLst>
+                                            <p:cond delay="0"/>
+                                          </p:stCondLst>
+                                        </p:cTn>
+                                        <p:tgtEl>
+                                          <p:spTgt spid="3">
+                                            <p:txEl>
+                                              <p:pRg st="4" end="4"/>
+                                            </p:txEl>
+                                          </p:spTgt>
+                                        </p:tgtEl>
+                                        <p:attrNameLst>
+                                          <p:attrName>style.visibility</p:attrName>
+                                        </p:attrNameLst>
+                                      </p:cBhvr>
+                                      <p:to>
+                                        <p:strVal val="visible"/>
+                                      </p:to>
+                                    </p:set>
+                                    <p:animEffect transition="in" filter="fade">
+                                      <p:cBhvr>
+                                        <p:cTn id="27" dur="500"/>
+                                        <p:tgtEl>
+                                          <p:spTgt spid="3">
+                                            <p:txEl>
+                                              <p:pRg st="4" end="4"/>
+                                            </p:txEl>
+                                          </p:spTgt>
+                                        </p:tgtEl>
+                                      </p:cBhvr>
+                                    </p:animEffect>
+                                  </p:childTnLst>
+                                </p:cTn>
+                              </p:par>
+                            </p:childTnLst>
+                          </p:cTn>
+                        </p:par>
+                      </p:childTnLst>
+                    </p:cTn>
+                  </p:par>
+                </p:childTnLst>
+              </p:cTn>
+              <p:prevCondLst>
+                <p:cond evt="onPrev" delay="0">
+                  <p:tgtEl>
+                    <p:sldTgt/>
+                  </p:tgtEl>
+                </p:cond>
+              </p:prevCondLst>
+              <p:nextCondLst>
+                <p:cond evt="onNext" delay="0">
+                  <p:tgtEl>
+                    <p:sldTgt/>
+                  </p:tgtEl>
+                </p:cond>
+              </p:nextCondLst>
+            </p:seq>
+          </p:childTnLst>
+        </p:cTn>
+      </p:par>
+    </p:tnLst>
+    <p:bldLst>
+      <p:bldP spid="3" grpId="0" build="p"/>
+    </p:bldLst>
+  </p:timing>
 </p:sld>
 </file>
 
@@ -9239,13 +9675,15 @@
           </a:xfrm>
         </p:spPr>
         <p:txBody>
-          <a:bodyPr/>
+          <a:bodyPr>
+            <a:normAutofit fontScale="90000"/>
+          </a:bodyPr>
           <a:lstStyle/>
           <a:p>
             <a:pPr algn="ctr"/>
             <a:r>
               <a:rPr lang="fr-FR" dirty="0"/>
-              <a:t>Questions ?</a:t>
+              <a:t>Démo – Mise en place d’un serveur OIDC</a:t>
             </a:r>
           </a:p>
         </p:txBody>
@@ -9253,7 +9691,7 @@
     </p:spTree>
     <p:extLst>
       <p:ext uri="{BB962C8B-B14F-4D97-AF65-F5344CB8AC3E}">
-        <p14:creationId xmlns:p14="http://schemas.microsoft.com/office/powerpoint/2010/main" val="2593654319"/>
+        <p14:creationId xmlns:p14="http://schemas.microsoft.com/office/powerpoint/2010/main" val="950428172"/>
       </p:ext>
     </p:extLst>
   </p:cSld>
@@ -9285,7 +9723,7 @@
           <p:cNvPr id="2" name="Titre 1">
             <a:extLst>
               <a:ext uri="{FF2B5EF4-FFF2-40B4-BE49-F238E27FC236}">
-                <a16:creationId xmlns:a16="http://schemas.microsoft.com/office/drawing/2014/main" id="{A8FD2F15-9092-4F85-8B09-B6FCCE3C37A7}"/>
+                <a16:creationId xmlns:a16="http://schemas.microsoft.com/office/drawing/2014/main" id="{0F65767D-94A7-46D1-8414-6C9097D6F267}"/>
               </a:ext>
             </a:extLst>
           </p:cNvPr>
@@ -9298,17 +9736,18 @@
         </p:nvSpPr>
         <p:spPr>
           <a:xfrm>
-            <a:off x="4462238" y="2851265"/>
-            <a:ext cx="10178322" cy="1492132"/>
+            <a:off x="1002956" y="2597579"/>
+            <a:ext cx="10515600" cy="1325563"/>
           </a:xfrm>
         </p:spPr>
         <p:txBody>
           <a:bodyPr/>
           <a:lstStyle/>
           <a:p>
-            <a:r>
-              <a:rPr lang="fr-FR" dirty="0"/>
-              <a:t>Annexes</a:t>
+            <a:pPr algn="ctr"/>
+            <a:r>
+              <a:rPr lang="fr-FR" dirty="0"/>
+              <a:t>Questions ?</a:t>
             </a:r>
           </a:p>
         </p:txBody>
@@ -9316,7 +9755,7 @@
     </p:spTree>
     <p:extLst>
       <p:ext uri="{BB962C8B-B14F-4D97-AF65-F5344CB8AC3E}">
-        <p14:creationId xmlns:p14="http://schemas.microsoft.com/office/powerpoint/2010/main" val="4134098830"/>
+        <p14:creationId xmlns:p14="http://schemas.microsoft.com/office/powerpoint/2010/main" val="2593654319"/>
       </p:ext>
     </p:extLst>
   </p:cSld>
@@ -9348,7 +9787,7 @@
           <p:cNvPr id="2" name="Titre 1">
             <a:extLst>
               <a:ext uri="{FF2B5EF4-FFF2-40B4-BE49-F238E27FC236}">
-                <a16:creationId xmlns:a16="http://schemas.microsoft.com/office/drawing/2014/main" id="{7AEE8AF8-CD3C-41FB-A1E4-6BFD425370AC}"/>
+                <a16:creationId xmlns:a16="http://schemas.microsoft.com/office/drawing/2014/main" id="{0F65767D-94A7-46D1-8414-6C9097D6F267}"/>
               </a:ext>
             </a:extLst>
           </p:cNvPr>
@@ -9365,9 +9804,10 @@
           <a:lstStyle/>
           <a:p>
             <a:r>
-              <a:rPr lang="fr-FR" dirty="0"/>
-              <a:t>Autres flows</a:t>
-            </a:r>
+              <a:rPr lang="fr-FR" dirty="0" err="1"/>
+              <a:t>Resources</a:t>
+            </a:r>
+            <a:endParaRPr lang="fr-FR" dirty="0"/>
           </a:p>
         </p:txBody>
       </p:sp>
@@ -9376,7 +9816,7 @@
           <p:cNvPr id="3" name="Espace réservé du contenu 2">
             <a:extLst>
               <a:ext uri="{FF2B5EF4-FFF2-40B4-BE49-F238E27FC236}">
-                <a16:creationId xmlns:a16="http://schemas.microsoft.com/office/drawing/2014/main" id="{B7F2638A-E52C-4B11-9083-1EB4591D3F78}"/>
+                <a16:creationId xmlns:a16="http://schemas.microsoft.com/office/drawing/2014/main" id="{6EB4873E-33B9-448D-93BC-D8155AEB07D4}"/>
               </a:ext>
             </a:extLst>
           </p:cNvPr>
@@ -9393,76 +9833,67 @@
           <a:lstStyle/>
           <a:p>
             <a:r>
-              <a:rPr lang="fr-FR" dirty="0"/>
-              <a:t>Resource </a:t>
-            </a:r>
-            <a:r>
-              <a:rPr lang="fr-FR" dirty="0" err="1"/>
-              <a:t>Owner</a:t>
+              <a:rPr lang="fr-FR" dirty="0">
+                <a:hlinkClick r:id="rId2"/>
+              </a:rPr>
+              <a:t>https://openid.net/</a:t>
             </a:r>
             <a:r>
               <a:rPr lang="fr-FR" dirty="0"/>
               <a:t> </a:t>
             </a:r>
-            <a:r>
-              <a:rPr lang="fr-FR" dirty="0" err="1"/>
-              <a:t>Password</a:t>
+          </a:p>
+          <a:p>
+            <a:r>
+              <a:rPr lang="fr-FR" dirty="0">
+                <a:hlinkClick r:id="rId3"/>
+              </a:rPr>
+              <a:t>http://openid.net/specs/openid-connect-core-1_0.html</a:t>
             </a:r>
             <a:r>
               <a:rPr lang="fr-FR" dirty="0"/>
               <a:t> </a:t>
             </a:r>
-            <a:r>
-              <a:rPr lang="fr-FR" dirty="0" err="1"/>
-              <a:t>Credentials</a:t>
-            </a:r>
-            <a:r>
-              <a:rPr lang="fr-FR" dirty="0"/>
-              <a:t> Grant flow</a:t>
-            </a:r>
-          </a:p>
-          <a:p>
-            <a:pPr marL="0" indent="0">
-              <a:buNone/>
-            </a:pPr>
+          </a:p>
+          <a:p>
+            <a:r>
+              <a:rPr lang="fr-FR" dirty="0">
+                <a:hlinkClick r:id="rId4"/>
+              </a:rPr>
+              <a:t>http://www.bubblecode.net/fr/2016/01/22/comprendre-oauth2/</a:t>
+            </a:r>
+            <a:r>
+              <a:rPr lang="fr-FR" dirty="0"/>
+              <a:t> </a:t>
+            </a:r>
+          </a:p>
+          <a:p>
+            <a:r>
+              <a:rPr lang="fr-FR" dirty="0">
+                <a:hlinkClick r:id="rId5"/>
+              </a:rPr>
+              <a:t>http://docs.identityserver.io/en/release/</a:t>
+            </a:r>
             <a:endParaRPr lang="fr-FR" dirty="0"/>
           </a:p>
+          <a:p>
+            <a:r>
+              <a:rPr lang="fr-FR" dirty="0">
+                <a:hlinkClick r:id="rId6"/>
+              </a:rPr>
+              <a:t>http://demo.identityserver.io</a:t>
+            </a:r>
+            <a:r>
+              <a:rPr lang="fr-FR" dirty="0"/>
+              <a:t> </a:t>
+            </a:r>
+          </a:p>
         </p:txBody>
       </p:sp>
-      <p:pic>
-        <p:nvPicPr>
-          <p:cNvPr id="4" name="Image 3">
-            <a:extLst>
-              <a:ext uri="{FF2B5EF4-FFF2-40B4-BE49-F238E27FC236}">
-                <a16:creationId xmlns:a16="http://schemas.microsoft.com/office/drawing/2014/main" id="{BC61E459-B5C2-419E-8FAA-DB656F69749F}"/>
-              </a:ext>
-            </a:extLst>
-          </p:cNvPr>
-          <p:cNvPicPr>
-            <a:picLocks noChangeAspect="1"/>
-          </p:cNvPicPr>
-          <p:nvPr/>
-        </p:nvPicPr>
-        <p:blipFill>
-          <a:blip r:embed="rId3"/>
-          <a:stretch>
-            <a:fillRect/>
-          </a:stretch>
-        </p:blipFill>
-        <p:spPr>
-          <a:xfrm>
-            <a:off x="2293336" y="2630573"/>
-            <a:ext cx="6962775" cy="3952875"/>
-          </a:xfrm>
-          <a:prstGeom prst="rect">
-            <a:avLst/>
-          </a:prstGeom>
-        </p:spPr>
-      </p:pic>
     </p:spTree>
     <p:extLst>
       <p:ext uri="{BB962C8B-B14F-4D97-AF65-F5344CB8AC3E}">
-        <p14:creationId xmlns:p14="http://schemas.microsoft.com/office/powerpoint/2010/main" val="1020420383"/>
+        <p14:creationId xmlns:p14="http://schemas.microsoft.com/office/powerpoint/2010/main" val="2674059548"/>
       </p:ext>
     </p:extLst>
   </p:cSld>
@@ -9494,7 +9925,7 @@
           <p:cNvPr id="2" name="Titre 1">
             <a:extLst>
               <a:ext uri="{FF2B5EF4-FFF2-40B4-BE49-F238E27FC236}">
-                <a16:creationId xmlns:a16="http://schemas.microsoft.com/office/drawing/2014/main" id="{7AEE8AF8-CD3C-41FB-A1E4-6BFD425370AC}"/>
+                <a16:creationId xmlns:a16="http://schemas.microsoft.com/office/drawing/2014/main" id="{A8FD2F15-9092-4F85-8B09-B6FCCE3C37A7}"/>
               </a:ext>
             </a:extLst>
           </p:cNvPr>
@@ -9505,94 +9936,27 @@
             <p:ph type="title"/>
           </p:nvPr>
         </p:nvSpPr>
-        <p:spPr/>
+        <p:spPr>
+          <a:xfrm>
+            <a:off x="4462238" y="2851265"/>
+            <a:ext cx="10178322" cy="1492132"/>
+          </a:xfrm>
+        </p:spPr>
         <p:txBody>
           <a:bodyPr/>
           <a:lstStyle/>
           <a:p>
             <a:r>
               <a:rPr lang="fr-FR" dirty="0"/>
-              <a:t>Autres flows</a:t>
+              <a:t>Annexes</a:t>
             </a:r>
           </a:p>
         </p:txBody>
       </p:sp>
-      <p:sp>
-        <p:nvSpPr>
-          <p:cNvPr id="3" name="Espace réservé du contenu 2">
-            <a:extLst>
-              <a:ext uri="{FF2B5EF4-FFF2-40B4-BE49-F238E27FC236}">
-                <a16:creationId xmlns:a16="http://schemas.microsoft.com/office/drawing/2014/main" id="{B7F2638A-E52C-4B11-9083-1EB4591D3F78}"/>
-              </a:ext>
-            </a:extLst>
-          </p:cNvPr>
-          <p:cNvSpPr>
-            <a:spLocks noGrp="1"/>
-          </p:cNvSpPr>
-          <p:nvPr>
-            <p:ph idx="1"/>
-          </p:nvPr>
-        </p:nvSpPr>
-        <p:spPr/>
-        <p:txBody>
-          <a:bodyPr/>
-          <a:lstStyle/>
-          <a:p>
-            <a:r>
-              <a:rPr lang="fr-FR" dirty="0"/>
-              <a:t>Client </a:t>
-            </a:r>
-            <a:r>
-              <a:rPr lang="fr-FR" dirty="0" err="1"/>
-              <a:t>Credentials</a:t>
-            </a:r>
-            <a:r>
-              <a:rPr lang="fr-FR" dirty="0"/>
-              <a:t> Grant flow</a:t>
-            </a:r>
-          </a:p>
-          <a:p>
-            <a:pPr marL="0" indent="0">
-              <a:buNone/>
-            </a:pPr>
-            <a:endParaRPr lang="fr-FR" dirty="0"/>
-          </a:p>
-        </p:txBody>
-      </p:sp>
-      <p:pic>
-        <p:nvPicPr>
-          <p:cNvPr id="5" name="Image 4">
-            <a:extLst>
-              <a:ext uri="{FF2B5EF4-FFF2-40B4-BE49-F238E27FC236}">
-                <a16:creationId xmlns:a16="http://schemas.microsoft.com/office/drawing/2014/main" id="{56F07EE8-943B-4215-96D1-316984A739BB}"/>
-              </a:ext>
-            </a:extLst>
-          </p:cNvPr>
-          <p:cNvPicPr>
-            <a:picLocks noChangeAspect="1"/>
-          </p:cNvPicPr>
-          <p:nvPr/>
-        </p:nvPicPr>
-        <p:blipFill>
-          <a:blip r:embed="rId3"/>
-          <a:stretch>
-            <a:fillRect/>
-          </a:stretch>
-        </p:blipFill>
-        <p:spPr>
-          <a:xfrm>
-            <a:off x="2996642" y="2594662"/>
-            <a:ext cx="5210175" cy="4057650"/>
-          </a:xfrm>
-          <a:prstGeom prst="rect">
-            <a:avLst/>
-          </a:prstGeom>
-        </p:spPr>
-      </p:pic>
     </p:spTree>
     <p:extLst>
       <p:ext uri="{BB962C8B-B14F-4D97-AF65-F5344CB8AC3E}">
-        <p14:creationId xmlns:p14="http://schemas.microsoft.com/office/powerpoint/2010/main" val="2168428321"/>
+        <p14:creationId xmlns:p14="http://schemas.microsoft.com/office/powerpoint/2010/main" val="4134098830"/>
       </p:ext>
     </p:extLst>
   </p:cSld>
@@ -9624,7 +9988,7 @@
           <p:cNvPr id="2" name="Titre 1">
             <a:extLst>
               <a:ext uri="{FF2B5EF4-FFF2-40B4-BE49-F238E27FC236}">
-                <a16:creationId xmlns:a16="http://schemas.microsoft.com/office/drawing/2014/main" id="{0F65767D-94A7-46D1-8414-6C9097D6F267}"/>
+                <a16:creationId xmlns:a16="http://schemas.microsoft.com/office/drawing/2014/main" id="{7AEE8AF8-CD3C-41FB-A1E4-6BFD425370AC}"/>
               </a:ext>
             </a:extLst>
           </p:cNvPr>
@@ -9641,27 +10005,86 @@
           <a:lstStyle/>
           <a:p>
             <a:r>
-              <a:rPr lang="fr-FR" dirty="0" err="1"/>
-              <a:t>Resources</a:t>
-            </a:r>
-            <a:endParaRPr lang="fr-FR" dirty="0"/>
+              <a:rPr lang="fr-FR" dirty="0"/>
+              <a:t>Autres flows</a:t>
+            </a:r>
           </a:p>
         </p:txBody>
       </p:sp>
-      <p:sp>
-        <p:nvSpPr>
-          <p:cNvPr id="3" name="Espace réservé du contenu 2">
+      <p:pic>
+        <p:nvPicPr>
+          <p:cNvPr id="4" name="Image 3">
             <a:extLst>
               <a:ext uri="{FF2B5EF4-FFF2-40B4-BE49-F238E27FC236}">
-                <a16:creationId xmlns:a16="http://schemas.microsoft.com/office/drawing/2014/main" id="{6EB4873E-33B9-448D-93BC-D8155AEB07D4}"/>
+                <a16:creationId xmlns:a16="http://schemas.microsoft.com/office/drawing/2014/main" id="{BC61E459-B5C2-419E-8FAA-DB656F69749F}"/>
               </a:ext>
             </a:extLst>
           </p:cNvPr>
+          <p:cNvPicPr>
+            <a:picLocks noChangeAspect="1"/>
+          </p:cNvPicPr>
+          <p:nvPr/>
+        </p:nvPicPr>
+        <p:blipFill>
+          <a:blip r:embed="rId3"/>
+          <a:stretch>
+            <a:fillRect/>
+          </a:stretch>
+        </p:blipFill>
+        <p:spPr>
+          <a:xfrm>
+            <a:off x="1559172" y="1211855"/>
+            <a:ext cx="9073656" cy="5151255"/>
+          </a:xfrm>
+          <a:prstGeom prst="rect">
+            <a:avLst/>
+          </a:prstGeom>
+        </p:spPr>
+      </p:pic>
+    </p:spTree>
+    <p:extLst>
+      <p:ext uri="{BB962C8B-B14F-4D97-AF65-F5344CB8AC3E}">
+        <p14:creationId xmlns:p14="http://schemas.microsoft.com/office/powerpoint/2010/main" val="1020420383"/>
+      </p:ext>
+    </p:extLst>
+  </p:cSld>
+  <p:clrMapOvr>
+    <a:masterClrMapping/>
+  </p:clrMapOvr>
+</p:sld>
+</file>
+
+<file path=ppt/slides/slide17.xml><?xml version="1.0" encoding="utf-8"?>
+<p:sld xmlns:a="http://schemas.openxmlformats.org/drawingml/2006/main" xmlns:r="http://schemas.openxmlformats.org/officeDocument/2006/relationships" xmlns:p="http://schemas.openxmlformats.org/presentationml/2006/main">
+  <p:cSld>
+    <p:spTree>
+      <p:nvGrpSpPr>
+        <p:cNvPr id="1" name=""/>
+        <p:cNvGrpSpPr/>
+        <p:nvPr/>
+      </p:nvGrpSpPr>
+      <p:grpSpPr>
+        <a:xfrm>
+          <a:off x="0" y="0"/>
+          <a:ext cx="0" cy="0"/>
+          <a:chOff x="0" y="0"/>
+          <a:chExt cx="0" cy="0"/>
+        </a:xfrm>
+      </p:grpSpPr>
+      <p:sp>
+        <p:nvSpPr>
+          <p:cNvPr id="2" name="Titre 1">
+            <a:extLst>
+              <a:ext uri="{FF2B5EF4-FFF2-40B4-BE49-F238E27FC236}">
+                <a16:creationId xmlns:a16="http://schemas.microsoft.com/office/drawing/2014/main" id="{7AEE8AF8-CD3C-41FB-A1E4-6BFD425370AC}"/>
+              </a:ext>
+            </a:extLst>
+          </p:cNvPr>
           <p:cNvSpPr>
             <a:spLocks noGrp="1"/>
           </p:cNvSpPr>
           <p:nvPr>
-            <p:ph idx="1"/>
+            <p:ph type="title"/>
           </p:nvPr>
         </p:nvSpPr>
         <p:spPr/>
@@ -9670,67 +10093,46 @@
           <a:lstStyle/>
           <a:p>
             <a:r>
-              <a:rPr lang="fr-FR" dirty="0">
-                <a:hlinkClick r:id="rId2"/>
-              </a:rPr>
-              <a:t>https://openid.net/</a:t>
-            </a:r>
-            <a:r>
-              <a:rPr lang="fr-FR" dirty="0"/>
-              <a:t> </a:t>
-            </a:r>
-          </a:p>
-          <a:p>
-            <a:r>
-              <a:rPr lang="fr-FR" dirty="0">
-                <a:hlinkClick r:id="rId3"/>
-              </a:rPr>
-              <a:t>http://openid.net/specs/openid-connect-core-1_0.html</a:t>
-            </a:r>
-            <a:r>
-              <a:rPr lang="fr-FR" dirty="0"/>
-              <a:t> </a:t>
-            </a:r>
-          </a:p>
-          <a:p>
-            <a:r>
-              <a:rPr lang="fr-FR" dirty="0">
-                <a:hlinkClick r:id="rId4"/>
-              </a:rPr>
-              <a:t>http://www.bubblecode.net/fr/2016/01/22/comprendre-oauth2/</a:t>
-            </a:r>
-            <a:r>
-              <a:rPr lang="fr-FR" dirty="0"/>
-              <a:t> </a:t>
-            </a:r>
-          </a:p>
-          <a:p>
-            <a:r>
-              <a:rPr lang="fr-FR" dirty="0">
-                <a:hlinkClick r:id="rId5"/>
-              </a:rPr>
-              <a:t>http://docs.identityserver.io/en/release/</a:t>
-            </a:r>
-            <a:endParaRPr lang="fr-FR" dirty="0"/>
-          </a:p>
-          <a:p>
-            <a:r>
-              <a:rPr lang="fr-FR" dirty="0">
-                <a:hlinkClick r:id="rId6"/>
-              </a:rPr>
-              <a:t>http://demo.identityserver.io</a:t>
-            </a:r>
-            <a:r>
-              <a:rPr lang="fr-FR" dirty="0"/>
-              <a:t> </a:t>
+              <a:rPr lang="fr-FR" dirty="0"/>
+              <a:t>Autres flows</a:t>
             </a:r>
           </a:p>
         </p:txBody>
       </p:sp>
+      <p:pic>
+        <p:nvPicPr>
+          <p:cNvPr id="5" name="Image 4">
+            <a:extLst>
+              <a:ext uri="{FF2B5EF4-FFF2-40B4-BE49-F238E27FC236}">
+                <a16:creationId xmlns:a16="http://schemas.microsoft.com/office/drawing/2014/main" id="{56F07EE8-943B-4215-96D1-316984A739BB}"/>
+              </a:ext>
+            </a:extLst>
+          </p:cNvPr>
+          <p:cNvPicPr>
+            <a:picLocks noChangeAspect="1"/>
+          </p:cNvPicPr>
+          <p:nvPr/>
+        </p:nvPicPr>
+        <p:blipFill>
+          <a:blip r:embed="rId3"/>
+          <a:stretch>
+            <a:fillRect/>
+          </a:stretch>
+        </p:blipFill>
+        <p:spPr>
+          <a:xfrm>
+            <a:off x="2718842" y="1244326"/>
+            <a:ext cx="6754316" cy="5260217"/>
+          </a:xfrm>
+          <a:prstGeom prst="rect">
+            <a:avLst/>
+          </a:prstGeom>
+        </p:spPr>
+      </p:pic>
     </p:spTree>
     <p:extLst>
       <p:ext uri="{BB962C8B-B14F-4D97-AF65-F5344CB8AC3E}">
-        <p14:creationId xmlns:p14="http://schemas.microsoft.com/office/powerpoint/2010/main" val="2674059548"/>
+        <p14:creationId xmlns:p14="http://schemas.microsoft.com/office/powerpoint/2010/main" val="2168428321"/>
       </p:ext>
     </p:extLst>
   </p:cSld>
@@ -9863,7 +10265,7 @@
           <p:cNvPr id="2" name="Titre 1">
             <a:extLst>
               <a:ext uri="{FF2B5EF4-FFF2-40B4-BE49-F238E27FC236}">
-                <a16:creationId xmlns:a16="http://schemas.microsoft.com/office/drawing/2014/main" id="{E593BC70-816E-498E-B2C7-DCF6FF75FF58}"/>
+                <a16:creationId xmlns:a16="http://schemas.microsoft.com/office/drawing/2014/main" id="{0F65767D-94A7-46D1-8414-6C9097D6F267}"/>
               </a:ext>
             </a:extLst>
           </p:cNvPr>
@@ -9874,95 +10276,22 @@
             <p:ph type="title"/>
           </p:nvPr>
         </p:nvSpPr>
-        <p:spPr/>
-        <p:txBody>
-          <a:bodyPr/>
-          <a:lstStyle/>
-          <a:p>
-            <a:r>
-              <a:rPr lang="fr-FR" dirty="0"/>
-              <a:t>Concepts clés</a:t>
-            </a:r>
-          </a:p>
-        </p:txBody>
-      </p:sp>
-      <p:sp>
-        <p:nvSpPr>
-          <p:cNvPr id="3" name="Espace réservé du contenu 2">
-            <a:extLst>
-              <a:ext uri="{FF2B5EF4-FFF2-40B4-BE49-F238E27FC236}">
-                <a16:creationId xmlns:a16="http://schemas.microsoft.com/office/drawing/2014/main" id="{AE72F325-1D31-4C79-8868-9DCF9F22F363}"/>
-              </a:ext>
-            </a:extLst>
-          </p:cNvPr>
-          <p:cNvSpPr>
-            <a:spLocks noGrp="1"/>
-          </p:cNvSpPr>
-          <p:nvPr>
-            <p:ph idx="1"/>
-          </p:nvPr>
-        </p:nvSpPr>
-        <p:spPr/>
+        <p:spPr>
+          <a:xfrm>
+            <a:off x="1002956" y="2597579"/>
+            <a:ext cx="10515600" cy="1325563"/>
+          </a:xfrm>
+        </p:spPr>
         <p:txBody>
           <a:bodyPr>
             <a:normAutofit/>
           </a:bodyPr>
           <a:lstStyle/>
           <a:p>
-            <a:r>
-              <a:rPr lang="fr-FR" dirty="0"/>
-              <a:t>Resource </a:t>
-            </a:r>
-            <a:r>
-              <a:rPr lang="fr-FR" dirty="0" err="1"/>
-              <a:t>Owner</a:t>
-            </a:r>
-            <a:endParaRPr lang="fr-FR" dirty="0"/>
-          </a:p>
-          <a:p>
-            <a:pPr lvl="1"/>
-            <a:r>
-              <a:rPr lang="fr-FR" dirty="0"/>
-              <a:t>Utilisateur propriétaire de la donnée</a:t>
-            </a:r>
-          </a:p>
-          <a:p>
-            <a:r>
-              <a:rPr lang="fr-FR" dirty="0"/>
-              <a:t>OIDC Provider</a:t>
-            </a:r>
-          </a:p>
-          <a:p>
-            <a:pPr lvl="1"/>
-            <a:r>
-              <a:rPr lang="fr-FR" dirty="0"/>
-              <a:t>Serveur d’authentification et d’autorisation</a:t>
-            </a:r>
-          </a:p>
-          <a:p>
-            <a:r>
-              <a:rPr lang="fr-FR" dirty="0"/>
-              <a:t>Resource Server</a:t>
-            </a:r>
-          </a:p>
-          <a:p>
-            <a:pPr lvl="1"/>
-            <a:r>
-              <a:rPr lang="fr-FR" dirty="0"/>
-              <a:t>Entité à laquelle on souhaite accéder</a:t>
-            </a:r>
-          </a:p>
-          <a:p>
-            <a:r>
-              <a:rPr lang="fr-FR" dirty="0"/>
-              <a:t>Client</a:t>
-            </a:r>
-          </a:p>
-          <a:p>
-            <a:pPr lvl="1"/>
-            <a:r>
-              <a:rPr lang="fr-FR" dirty="0"/>
-              <a:t>Initiateur de la demande d’information</a:t>
+            <a:pPr algn="ctr"/>
+            <a:r>
+              <a:rPr lang="fr-FR" dirty="0"/>
+              <a:t>Concepts clés</a:t>
             </a:r>
           </a:p>
         </p:txBody>
@@ -9970,7 +10299,7 @@
     </p:spTree>
     <p:extLst>
       <p:ext uri="{BB962C8B-B14F-4D97-AF65-F5344CB8AC3E}">
-        <p14:creationId xmlns:p14="http://schemas.microsoft.com/office/powerpoint/2010/main" val="3773530065"/>
+        <p14:creationId xmlns:p14="http://schemas.microsoft.com/office/powerpoint/2010/main" val="4059112607"/>
       </p:ext>
     </p:extLst>
   </p:cSld>
@@ -10002,7 +10331,7 @@
           <p:cNvPr id="2" name="Titre 1">
             <a:extLst>
               <a:ext uri="{FF2B5EF4-FFF2-40B4-BE49-F238E27FC236}">
-                <a16:creationId xmlns:a16="http://schemas.microsoft.com/office/drawing/2014/main" id="{2B07F7C2-C2C7-43BB-B4F4-8557C6BB3C57}"/>
+                <a16:creationId xmlns:a16="http://schemas.microsoft.com/office/drawing/2014/main" id="{E593BC70-816E-498E-B2C7-DCF6FF75FF58}"/>
               </a:ext>
             </a:extLst>
           </p:cNvPr>
@@ -10030,7 +10359,7 @@
           <p:cNvPr id="3" name="Espace réservé du contenu 2">
             <a:extLst>
               <a:ext uri="{FF2B5EF4-FFF2-40B4-BE49-F238E27FC236}">
-                <a16:creationId xmlns:a16="http://schemas.microsoft.com/office/drawing/2014/main" id="{1C7BEF32-2977-4021-A36A-713867F0A2E0}"/>
+                <a16:creationId xmlns:a16="http://schemas.microsoft.com/office/drawing/2014/main" id="{AE72F325-1D31-4C79-8868-9DCF9F22F363}"/>
               </a:ext>
             </a:extLst>
           </p:cNvPr>
@@ -10041,161 +10370,67 @@
             <p:ph idx="1"/>
           </p:nvPr>
         </p:nvSpPr>
-        <p:spPr>
-          <a:xfrm>
-            <a:off x="1150078" y="1584961"/>
-            <a:ext cx="10818402" cy="4660392"/>
-          </a:xfrm>
-        </p:spPr>
+        <p:spPr/>
         <p:txBody>
           <a:bodyPr>
-            <a:normAutofit fontScale="85000" lnSpcReduction="20000"/>
+            <a:normAutofit/>
           </a:bodyPr>
           <a:lstStyle/>
           <a:p>
             <a:r>
               <a:rPr lang="fr-FR" dirty="0"/>
-              <a:t>Scope </a:t>
-            </a:r>
+              <a:t>Resource </a:t>
+            </a:r>
+            <a:r>
+              <a:rPr lang="fr-FR" dirty="0" err="1"/>
+              <a:t>Owner</a:t>
+            </a:r>
+            <a:endParaRPr lang="fr-FR" dirty="0"/>
           </a:p>
           <a:p>
             <a:pPr lvl="1"/>
             <a:r>
               <a:rPr lang="fr-FR" dirty="0"/>
-              <a:t>Périmètre d’information / de ressources</a:t>
-            </a:r>
-          </a:p>
-          <a:p>
-            <a:r>
-              <a:rPr lang="fr-FR" dirty="0"/>
-              <a:t>Claim </a:t>
+              <a:t>Utilisateur propriétaire de la donnée</a:t>
+            </a:r>
+          </a:p>
+          <a:p>
+            <a:r>
+              <a:rPr lang="fr-FR" dirty="0"/>
+              <a:t>OIDC Provider</a:t>
             </a:r>
           </a:p>
           <a:p>
             <a:pPr lvl="1"/>
             <a:r>
               <a:rPr lang="fr-FR" dirty="0"/>
-              <a:t>Clé / valeur représentant des informations d’identité</a:t>
-            </a:r>
-          </a:p>
-          <a:p>
-            <a:r>
-              <a:rPr lang="fr-FR" dirty="0" err="1"/>
-              <a:t>Authorization</a:t>
-            </a:r>
-            <a:r>
-              <a:rPr lang="fr-FR" dirty="0"/>
-              <a:t> code</a:t>
+              <a:t>Serveur d’authentification et d’autorisation</a:t>
+            </a:r>
+          </a:p>
+          <a:p>
+            <a:r>
+              <a:rPr lang="fr-FR" dirty="0"/>
+              <a:t>Resource Server</a:t>
             </a:r>
           </a:p>
           <a:p>
             <a:pPr lvl="1"/>
             <a:r>
               <a:rPr lang="fr-FR" dirty="0"/>
-              <a:t>Jeton à faible durée de vie donnant accès à un </a:t>
-            </a:r>
-            <a:r>
-              <a:rPr lang="fr-FR" dirty="0" err="1"/>
-              <a:t>access</a:t>
-            </a:r>
-            <a:r>
-              <a:rPr lang="fr-FR" dirty="0"/>
-              <a:t> </a:t>
-            </a:r>
-            <a:r>
-              <a:rPr lang="fr-FR" dirty="0" err="1"/>
-              <a:t>token</a:t>
-            </a:r>
-            <a:endParaRPr lang="fr-FR" dirty="0"/>
-          </a:p>
-          <a:p>
-            <a:r>
-              <a:rPr lang="fr-FR" dirty="0"/>
-              <a:t>Access </a:t>
-            </a:r>
-            <a:r>
-              <a:rPr lang="fr-FR" dirty="0" err="1"/>
-              <a:t>token</a:t>
-            </a:r>
-            <a:r>
-              <a:rPr lang="fr-FR" dirty="0"/>
-              <a:t> </a:t>
+              <a:t>Ressource à laquelle on souhaite accéder</a:t>
+            </a:r>
+          </a:p>
+          <a:p>
+            <a:r>
+              <a:rPr lang="fr-FR" dirty="0"/>
+              <a:t>Client</a:t>
             </a:r>
           </a:p>
           <a:p>
             <a:pPr lvl="1"/>
             <a:r>
               <a:rPr lang="fr-FR" dirty="0"/>
-              <a:t>Jeton contenant les informations d’identité</a:t>
-            </a:r>
-          </a:p>
-          <a:p>
-            <a:r>
-              <a:rPr lang="fr-FR" dirty="0" err="1"/>
-              <a:t>Refresh</a:t>
-            </a:r>
-            <a:r>
-              <a:rPr lang="fr-FR" dirty="0"/>
-              <a:t> </a:t>
-            </a:r>
-            <a:r>
-              <a:rPr lang="fr-FR" dirty="0" err="1"/>
-              <a:t>token</a:t>
-            </a:r>
-            <a:endParaRPr lang="fr-FR" dirty="0"/>
-          </a:p>
-          <a:p>
-            <a:pPr lvl="1"/>
-            <a:r>
-              <a:rPr lang="fr-FR" dirty="0"/>
-              <a:t>Jeton permettant d’obtenir un nouvel </a:t>
-            </a:r>
-            <a:r>
-              <a:rPr lang="fr-FR" dirty="0" err="1"/>
-              <a:t>access</a:t>
-            </a:r>
-            <a:r>
-              <a:rPr lang="fr-FR" dirty="0"/>
-              <a:t> </a:t>
-            </a:r>
-            <a:r>
-              <a:rPr lang="fr-FR" dirty="0" err="1"/>
-              <a:t>token</a:t>
-            </a:r>
-            <a:endParaRPr lang="fr-FR" dirty="0"/>
-          </a:p>
-          <a:p>
-            <a:r>
-              <a:rPr lang="fr-FR" dirty="0"/>
-              <a:t>State</a:t>
-            </a:r>
-          </a:p>
-          <a:p>
-            <a:pPr lvl="1"/>
-            <a:r>
-              <a:rPr lang="fr-FR" dirty="0"/>
-              <a:t>Conteneur de contexte</a:t>
-            </a:r>
-          </a:p>
-          <a:p>
-            <a:pPr lvl="1"/>
-            <a:r>
-              <a:rPr lang="fr-FR" dirty="0"/>
-              <a:t>Anti-CSRF</a:t>
-            </a:r>
-          </a:p>
-          <a:p>
-            <a:r>
-              <a:rPr lang="fr-FR" dirty="0" err="1"/>
-              <a:t>Redirect_uri</a:t>
-            </a:r>
-            <a:endParaRPr lang="fr-FR" dirty="0"/>
-          </a:p>
-          <a:p>
-            <a:pPr lvl="1"/>
-            <a:r>
-              <a:rPr lang="fr-FR" dirty="0"/>
-              <a:t>URL de l’application cliente permettant de récupérer les jetons</a:t>
+              <a:t>Initiateur de la demande d’information</a:t>
             </a:r>
           </a:p>
         </p:txBody>
@@ -10203,13 +10438,459 @@
     </p:spTree>
     <p:extLst>
       <p:ext uri="{BB962C8B-B14F-4D97-AF65-F5344CB8AC3E}">
-        <p14:creationId xmlns:p14="http://schemas.microsoft.com/office/powerpoint/2010/main" val="761317434"/>
+        <p14:creationId xmlns:p14="http://schemas.microsoft.com/office/powerpoint/2010/main" val="3773530065"/>
       </p:ext>
     </p:extLst>
   </p:cSld>
   <p:clrMapOvr>
     <a:masterClrMapping/>
   </p:clrMapOvr>
+  <p:timing>
+    <p:tnLst>
+      <p:par>
+        <p:cTn id="1" dur="indefinite" restart="never" nodeType="tmRoot">
+          <p:childTnLst>
+            <p:seq concurrent="1" nextAc="seek">
+              <p:cTn id="2" dur="indefinite" nodeType="mainSeq">
+                <p:childTnLst>
+                  <p:par>
+                    <p:cTn id="3" fill="hold">
+                      <p:stCondLst>
+                        <p:cond delay="indefinite"/>
+                      </p:stCondLst>
+                      <p:childTnLst>
+                        <p:par>
+                          <p:cTn id="4" fill="hold">
+                            <p:stCondLst>
+                              <p:cond delay="0"/>
+                            </p:stCondLst>
+                            <p:childTnLst>
+                              <p:par>
+                                <p:cTn id="5" presetID="10" presetClass="entr" presetSubtype="0" fill="hold" nodeType="clickEffect">
+                                  <p:stCondLst>
+                                    <p:cond delay="0"/>
+                                  </p:stCondLst>
+                                  <p:childTnLst>
+                                    <p:set>
+                                      <p:cBhvr>
+                                        <p:cTn id="6" dur="1" fill="hold">
+                                          <p:stCondLst>
+                                            <p:cond delay="0"/>
+                                          </p:stCondLst>
+                                        </p:cTn>
+                                        <p:tgtEl>
+                                          <p:spTgt spid="3">
+                                            <p:txEl>
+                                              <p:pRg st="0" end="0"/>
+                                            </p:txEl>
+                                          </p:spTgt>
+                                        </p:tgtEl>
+                                        <p:attrNameLst>
+                                          <p:attrName>style.visibility</p:attrName>
+                                        </p:attrNameLst>
+                                      </p:cBhvr>
+                                      <p:to>
+                                        <p:strVal val="visible"/>
+                                      </p:to>
+                                    </p:set>
+                                    <p:animEffect transition="in" filter="fade">
+                                      <p:cBhvr>
+                                        <p:cTn id="7" dur="500"/>
+                                        <p:tgtEl>
+                                          <p:spTgt spid="3">
+                                            <p:txEl>
+                                              <p:pRg st="0" end="0"/>
+                                            </p:txEl>
+                                          </p:spTgt>
+                                        </p:tgtEl>
+                                      </p:cBhvr>
+                                    </p:animEffect>
+                                  </p:childTnLst>
+                                </p:cTn>
+                              </p:par>
+                              <p:par>
+                                <p:cTn id="8" presetID="10" presetClass="entr" presetSubtype="0" fill="hold" nodeType="withEffect">
+                                  <p:stCondLst>
+                                    <p:cond delay="0"/>
+                                  </p:stCondLst>
+                                  <p:childTnLst>
+                                    <p:set>
+                                      <p:cBhvr>
+                                        <p:cTn id="9" dur="1" fill="hold">
+                                          <p:stCondLst>
+                                            <p:cond delay="0"/>
+                                          </p:stCondLst>
+                                        </p:cTn>
+                                        <p:tgtEl>
+                                          <p:spTgt spid="3">
+                                            <p:txEl>
+                                              <p:pRg st="1" end="1"/>
+                                            </p:txEl>
+                                          </p:spTgt>
+                                        </p:tgtEl>
+                                        <p:attrNameLst>
+                                          <p:attrName>style.visibility</p:attrName>
+                                        </p:attrNameLst>
+                                      </p:cBhvr>
+                                      <p:to>
+                                        <p:strVal val="visible"/>
+                                      </p:to>
+                                    </p:set>
+                                    <p:animEffect transition="in" filter="fade">
+                                      <p:cBhvr>
+                                        <p:cTn id="10" dur="500"/>
+                                        <p:tgtEl>
+                                          <p:spTgt spid="3">
+                                            <p:txEl>
+                                              <p:pRg st="1" end="1"/>
+                                            </p:txEl>
+                                          </p:spTgt>
+                                        </p:tgtEl>
+                                      </p:cBhvr>
+                                    </p:animEffect>
+                                  </p:childTnLst>
+                                </p:cTn>
+                              </p:par>
+                            </p:childTnLst>
+                          </p:cTn>
+                        </p:par>
+                      </p:childTnLst>
+                    </p:cTn>
+                  </p:par>
+                  <p:par>
+                    <p:cTn id="11" fill="hold">
+                      <p:stCondLst>
+                        <p:cond delay="indefinite"/>
+                      </p:stCondLst>
+                      <p:childTnLst>
+                        <p:par>
+                          <p:cTn id="12" fill="hold">
+                            <p:stCondLst>
+                              <p:cond delay="0"/>
+                            </p:stCondLst>
+                            <p:childTnLst>
+                              <p:par>
+                                <p:cTn id="13" presetID="10" presetClass="entr" presetSubtype="0" fill="hold" nodeType="clickEffect">
+                                  <p:stCondLst>
+                                    <p:cond delay="0"/>
+                                  </p:stCondLst>
+                                  <p:childTnLst>
+                                    <p:set>
+                                      <p:cBhvr>
+                                        <p:cTn id="14" dur="1" fill="hold">
+                                          <p:stCondLst>
+                                            <p:cond delay="0"/>
+                                          </p:stCondLst>
+                                        </p:cTn>
+                                        <p:tgtEl>
+                                          <p:spTgt spid="3">
+                                            <p:txEl>
+                                              <p:pRg st="2" end="2"/>
+                                            </p:txEl>
+                                          </p:spTgt>
+                                        </p:tgtEl>
+                                        <p:attrNameLst>
+                                          <p:attrName>style.visibility</p:attrName>
+                                        </p:attrNameLst>
+                                      </p:cBhvr>
+                                      <p:to>
+                                        <p:strVal val="visible"/>
+                                      </p:to>
+                                    </p:set>
+                                    <p:animEffect transition="in" filter="fade">
+                                      <p:cBhvr>
+                                        <p:cTn id="15" dur="500"/>
+                                        <p:tgtEl>
+                                          <p:spTgt spid="3">
+                                            <p:txEl>
+                                              <p:pRg st="2" end="2"/>
+                                            </p:txEl>
+                                          </p:spTgt>
+                                        </p:tgtEl>
+                                      </p:cBhvr>
+                                    </p:animEffect>
+                                  </p:childTnLst>
+                                </p:cTn>
+                              </p:par>
+                              <p:par>
+                                <p:cTn id="16" presetID="10" presetClass="entr" presetSubtype="0" fill="hold" nodeType="withEffect">
+                                  <p:stCondLst>
+                                    <p:cond delay="0"/>
+                                  </p:stCondLst>
+                                  <p:childTnLst>
+                                    <p:set>
+                                      <p:cBhvr>
+                                        <p:cTn id="17" dur="1" fill="hold">
+                                          <p:stCondLst>
+                                            <p:cond delay="0"/>
+                                          </p:stCondLst>
+                                        </p:cTn>
+                                        <p:tgtEl>
+                                          <p:spTgt spid="3">
+                                            <p:txEl>
+                                              <p:pRg st="3" end="3"/>
+                                            </p:txEl>
+                                          </p:spTgt>
+                                        </p:tgtEl>
+                                        <p:attrNameLst>
+                                          <p:attrName>style.visibility</p:attrName>
+                                        </p:attrNameLst>
+                                      </p:cBhvr>
+                                      <p:to>
+                                        <p:strVal val="visible"/>
+                                      </p:to>
+                                    </p:set>
+                                    <p:animEffect transition="in" filter="fade">
+                                      <p:cBhvr>
+                                        <p:cTn id="18" dur="500"/>
+                                        <p:tgtEl>
+                                          <p:spTgt spid="3">
+                                            <p:txEl>
+                                              <p:pRg st="3" end="3"/>
+                                            </p:txEl>
+                                          </p:spTgt>
+                                        </p:tgtEl>
+                                      </p:cBhvr>
+                                    </p:animEffect>
+                                  </p:childTnLst>
+                                </p:cTn>
+                              </p:par>
+                            </p:childTnLst>
+                          </p:cTn>
+                        </p:par>
+                      </p:childTnLst>
+                    </p:cTn>
+                  </p:par>
+                  <p:par>
+                    <p:cTn id="19" fill="hold">
+                      <p:stCondLst>
+                        <p:cond delay="indefinite"/>
+                      </p:stCondLst>
+                      <p:childTnLst>
+                        <p:par>
+                          <p:cTn id="20" fill="hold">
+                            <p:stCondLst>
+                              <p:cond delay="0"/>
+                            </p:stCondLst>
+                            <p:childTnLst>
+                              <p:par>
+                                <p:cTn id="21" presetID="10" presetClass="entr" presetSubtype="0" fill="hold" nodeType="clickEffect">
+                                  <p:stCondLst>
+                                    <p:cond delay="0"/>
+                                  </p:stCondLst>
+                                  <p:childTnLst>
+                                    <p:set>
+                                      <p:cBhvr>
+                                        <p:cTn id="22" dur="1" fill="hold">
+                                          <p:stCondLst>
+                                            <p:cond delay="0"/>
+                                          </p:stCondLst>
+                                        </p:cTn>
+                                        <p:tgtEl>
+                                          <p:spTgt spid="3">
+                                            <p:txEl>
+                                              <p:pRg st="4" end="4"/>
+                                            </p:txEl>
+                                          </p:spTgt>
+                                        </p:tgtEl>
+                                        <p:attrNameLst>
+                                          <p:attrName>style.visibility</p:attrName>
+                                        </p:attrNameLst>
+                                      </p:cBhvr>
+                                      <p:to>
+                                        <p:strVal val="visible"/>
+                                      </p:to>
+                                    </p:set>
+                                    <p:animEffect transition="in" filter="fade">
+                                      <p:cBhvr>
+                                        <p:cTn id="23" dur="500"/>
+                                        <p:tgtEl>
+                                          <p:spTgt spid="3">
+                                            <p:txEl>
+                                              <p:pRg st="4" end="4"/>
+                                            </p:txEl>
+                                          </p:spTgt>
+                                        </p:tgtEl>
+                                      </p:cBhvr>
+                                    </p:animEffect>
+                                  </p:childTnLst>
+                                </p:cTn>
+                              </p:par>
+                              <p:par>
+                                <p:cTn id="24" presetID="10" presetClass="entr" presetSubtype="0" fill="hold" nodeType="withEffect">
+                                  <p:stCondLst>
+                                    <p:cond delay="0"/>
+                                  </p:stCondLst>
+                                  <p:childTnLst>
+                                    <p:set>
+                                      <p:cBhvr>
+                                        <p:cTn id="25" dur="1" fill="hold">
+                                          <p:stCondLst>
+                                            <p:cond delay="0"/>
+                                          </p:stCondLst>
+                                        </p:cTn>
+                                        <p:tgtEl>
+                                          <p:spTgt spid="3">
+                                            <p:txEl>
+                                              <p:pRg st="5" end="5"/>
+                                            </p:txEl>
+                                          </p:spTgt>
+                                        </p:tgtEl>
+                                        <p:attrNameLst>
+                                          <p:attrName>style.visibility</p:attrName>
+                                        </p:attrNameLst>
+                                      </p:cBhvr>
+                                      <p:to>
+                                        <p:strVal val="visible"/>
+                                      </p:to>
+                                    </p:set>
+                                    <p:animEffect transition="in" filter="fade">
+                                      <p:cBhvr>
+                                        <p:cTn id="26" dur="500"/>
+                                        <p:tgtEl>
+                                          <p:spTgt spid="3">
+                                            <p:txEl>
+                                              <p:pRg st="5" end="5"/>
+                                            </p:txEl>
+                                          </p:spTgt>
+                                        </p:tgtEl>
+                                      </p:cBhvr>
+                                    </p:animEffect>
+                                  </p:childTnLst>
+                                </p:cTn>
+                              </p:par>
+                            </p:childTnLst>
+                          </p:cTn>
+                        </p:par>
+                      </p:childTnLst>
+                    </p:cTn>
+                  </p:par>
+                  <p:par>
+                    <p:cTn id="27" fill="hold">
+                      <p:stCondLst>
+                        <p:cond delay="indefinite"/>
+                      </p:stCondLst>
+                      <p:childTnLst>
+                        <p:par>
+                          <p:cTn id="28" fill="hold">
+                            <p:stCondLst>
+                              <p:cond delay="0"/>
+                            </p:stCondLst>
+                            <p:childTnLst>
+                              <p:par>
+                                <p:cTn id="29" presetID="10" presetClass="entr" presetSubtype="0" fill="hold" nodeType="clickEffect">
+                                  <p:stCondLst>
+                                    <p:cond delay="0"/>
+                                  </p:stCondLst>
+                                  <p:childTnLst>
+                                    <p:set>
+                                      <p:cBhvr>
+                                        <p:cTn id="30" dur="1" fill="hold">
+                                          <p:stCondLst>
+                                            <p:cond delay="0"/>
+                                          </p:stCondLst>
+                                        </p:cTn>
+                                        <p:tgtEl>
+                                          <p:spTgt spid="3">
+                                            <p:txEl>
+                                              <p:pRg st="6" end="6"/>
+                                            </p:txEl>
+                                          </p:spTgt>
+                                        </p:tgtEl>
+                                        <p:attrNameLst>
+                                          <p:attrName>style.visibility</p:attrName>
+                                        </p:attrNameLst>
+                                      </p:cBhvr>
+                                      <p:to>
+                                        <p:strVal val="visible"/>
+                                      </p:to>
+                                    </p:set>
+                                    <p:animEffect transition="in" filter="fade">
+                                      <p:cBhvr>
+                                        <p:cTn id="31" dur="500"/>
+                                        <p:tgtEl>
+                                          <p:spTgt spid="3">
+                                            <p:txEl>
+                                              <p:pRg st="6" end="6"/>
+                                            </p:txEl>
+                                          </p:spTgt>
+                                        </p:tgtEl>
+                                      </p:cBhvr>
+                                    </p:animEffect>
+                                  </p:childTnLst>
+                                </p:cTn>
+                              </p:par>
+                              <p:par>
+                                <p:cTn id="32" presetID="10" presetClass="entr" presetSubtype="0" fill="hold" nodeType="withEffect">
+                                  <p:stCondLst>
+                                    <p:cond delay="0"/>
+                                  </p:stCondLst>
+                                  <p:childTnLst>
+                                    <p:set>
+                                      <p:cBhvr>
+                                        <p:cTn id="33" dur="1" fill="hold">
+                                          <p:stCondLst>
+                                            <p:cond delay="0"/>
+                                          </p:stCondLst>
+                                        </p:cTn>
+                                        <p:tgtEl>
+                                          <p:spTgt spid="3">
+                                            <p:txEl>
+                                              <p:pRg st="7" end="7"/>
+                                            </p:txEl>
+                                          </p:spTgt>
+                                        </p:tgtEl>
+                                        <p:attrNameLst>
+                                          <p:attrName>style.visibility</p:attrName>
+                                        </p:attrNameLst>
+                                      </p:cBhvr>
+                                      <p:to>
+                                        <p:strVal val="visible"/>
+                                      </p:to>
+                                    </p:set>
+                                    <p:animEffect transition="in" filter="fade">
+                                      <p:cBhvr>
+                                        <p:cTn id="34" dur="500"/>
+                                        <p:tgtEl>
+                                          <p:spTgt spid="3">
+                                            <p:txEl>
+                                              <p:pRg st="7" end="7"/>
+                                            </p:txEl>
+                                          </p:spTgt>
+                                        </p:tgtEl>
+                                      </p:cBhvr>
+                                    </p:animEffect>
+                                  </p:childTnLst>
+                                </p:cTn>
+                              </p:par>
+                            </p:childTnLst>
+                          </p:cTn>
+                        </p:par>
+                      </p:childTnLst>
+                    </p:cTn>
+                  </p:par>
+                </p:childTnLst>
+              </p:cTn>
+              <p:prevCondLst>
+                <p:cond evt="onPrev" delay="0">
+                  <p:tgtEl>
+                    <p:sldTgt/>
+                  </p:tgtEl>
+                </p:cond>
+              </p:prevCondLst>
+              <p:nextCondLst>
+                <p:cond evt="onNext" delay="0">
+                  <p:tgtEl>
+                    <p:sldTgt/>
+                  </p:tgtEl>
+                </p:cond>
+              </p:nextCondLst>
+            </p:seq>
+          </p:childTnLst>
+        </p:cTn>
+      </p:par>
+    </p:tnLst>
+  </p:timing>
 </p:sld>
 </file>
 
@@ -10235,7 +10916,7 @@
           <p:cNvPr id="2" name="Titre 1">
             <a:extLst>
               <a:ext uri="{FF2B5EF4-FFF2-40B4-BE49-F238E27FC236}">
-                <a16:creationId xmlns:a16="http://schemas.microsoft.com/office/drawing/2014/main" id="{0F65767D-94A7-46D1-8414-6C9097D6F267}"/>
+                <a16:creationId xmlns:a16="http://schemas.microsoft.com/office/drawing/2014/main" id="{2B07F7C2-C2C7-43BB-B4F4-8557C6BB3C57}"/>
               </a:ext>
             </a:extLst>
           </p:cNvPr>
@@ -10246,22 +10927,210 @@
             <p:ph type="title"/>
           </p:nvPr>
         </p:nvSpPr>
+        <p:spPr/>
+        <p:txBody>
+          <a:bodyPr/>
+          <a:lstStyle/>
+          <a:p>
+            <a:r>
+              <a:rPr lang="fr-FR" dirty="0"/>
+              <a:t>Concepts clés</a:t>
+            </a:r>
+          </a:p>
+        </p:txBody>
+      </p:sp>
+      <p:sp>
+        <p:nvSpPr>
+          <p:cNvPr id="3" name="Espace réservé du contenu 2">
+            <a:extLst>
+              <a:ext uri="{FF2B5EF4-FFF2-40B4-BE49-F238E27FC236}">
+                <a16:creationId xmlns:a16="http://schemas.microsoft.com/office/drawing/2014/main" id="{1C7BEF32-2977-4021-A36A-713867F0A2E0}"/>
+              </a:ext>
+            </a:extLst>
+          </p:cNvPr>
+          <p:cNvSpPr>
+            <a:spLocks noGrp="1"/>
+          </p:cNvSpPr>
+          <p:nvPr>
+            <p:ph idx="1"/>
+          </p:nvPr>
+        </p:nvSpPr>
         <p:spPr>
           <a:xfrm>
-            <a:off x="1002956" y="2597579"/>
-            <a:ext cx="10515600" cy="1325563"/>
+            <a:off x="1150078" y="1235034"/>
+            <a:ext cx="10818402" cy="5498275"/>
           </a:xfrm>
         </p:spPr>
         <p:txBody>
           <a:bodyPr>
-            <a:normAutofit/>
+            <a:normAutofit fontScale="85000" lnSpcReduction="20000"/>
           </a:bodyPr>
           <a:lstStyle/>
           <a:p>
-            <a:pPr algn="ctr"/>
-            <a:r>
-              <a:rPr lang="fr-FR" dirty="0"/>
-              <a:t>Principaux flows</a:t>
+            <a:r>
+              <a:rPr lang="fr-FR" dirty="0"/>
+              <a:t>Scope </a:t>
+            </a:r>
+          </a:p>
+          <a:p>
+            <a:pPr lvl="1"/>
+            <a:r>
+              <a:rPr lang="fr-FR" dirty="0"/>
+              <a:t>Périmètre d’information / de ressources</a:t>
+            </a:r>
+          </a:p>
+          <a:p>
+            <a:r>
+              <a:rPr lang="fr-FR" dirty="0"/>
+              <a:t>Claim </a:t>
+            </a:r>
+          </a:p>
+          <a:p>
+            <a:pPr lvl="1"/>
+            <a:r>
+              <a:rPr lang="fr-FR" dirty="0"/>
+              <a:t>Clé / valeur représentant des informations d’identité</a:t>
+            </a:r>
+          </a:p>
+          <a:p>
+            <a:r>
+              <a:rPr lang="fr-FR" dirty="0" err="1"/>
+              <a:t>Authorization</a:t>
+            </a:r>
+            <a:r>
+              <a:rPr lang="fr-FR" dirty="0"/>
+              <a:t> code</a:t>
+            </a:r>
+          </a:p>
+          <a:p>
+            <a:pPr lvl="1"/>
+            <a:r>
+              <a:rPr lang="fr-FR" dirty="0"/>
+              <a:t>Jeton à faible durée de vie donnant accès à un </a:t>
+            </a:r>
+            <a:r>
+              <a:rPr lang="fr-FR" dirty="0" err="1"/>
+              <a:t>access</a:t>
+            </a:r>
+            <a:r>
+              <a:rPr lang="fr-FR" dirty="0"/>
+              <a:t> </a:t>
+            </a:r>
+            <a:r>
+              <a:rPr lang="fr-FR" dirty="0" err="1"/>
+              <a:t>token</a:t>
+            </a:r>
+            <a:endParaRPr lang="fr-FR" dirty="0"/>
+          </a:p>
+          <a:p>
+            <a:r>
+              <a:rPr lang="fr-FR" dirty="0"/>
+              <a:t>Id </a:t>
+            </a:r>
+            <a:r>
+              <a:rPr lang="fr-FR" dirty="0" err="1"/>
+              <a:t>token</a:t>
+            </a:r>
+            <a:r>
+              <a:rPr lang="fr-FR" dirty="0"/>
+              <a:t> </a:t>
+            </a:r>
+          </a:p>
+          <a:p>
+            <a:pPr lvl="1"/>
+            <a:r>
+              <a:rPr lang="fr-FR" dirty="0"/>
+              <a:t>Jeton contenant les informations d’identité</a:t>
+            </a:r>
+          </a:p>
+          <a:p>
+            <a:r>
+              <a:rPr lang="fr-FR" dirty="0"/>
+              <a:t>Access </a:t>
+            </a:r>
+            <a:r>
+              <a:rPr lang="fr-FR" dirty="0" err="1"/>
+              <a:t>token</a:t>
+            </a:r>
+            <a:r>
+              <a:rPr lang="fr-FR" dirty="0"/>
+              <a:t> </a:t>
+            </a:r>
+          </a:p>
+          <a:p>
+            <a:pPr lvl="1"/>
+            <a:r>
+              <a:rPr lang="fr-FR" dirty="0"/>
+              <a:t>Jeton contenant les informations d’autorisation</a:t>
+            </a:r>
+          </a:p>
+          <a:p>
+            <a:r>
+              <a:rPr lang="fr-FR" dirty="0" err="1"/>
+              <a:t>Refresh</a:t>
+            </a:r>
+            <a:r>
+              <a:rPr lang="fr-FR" dirty="0"/>
+              <a:t> </a:t>
+            </a:r>
+            <a:r>
+              <a:rPr lang="fr-FR" dirty="0" err="1"/>
+              <a:t>token</a:t>
+            </a:r>
+            <a:endParaRPr lang="fr-FR" dirty="0"/>
+          </a:p>
+          <a:p>
+            <a:pPr lvl="1"/>
+            <a:r>
+              <a:rPr lang="fr-FR" dirty="0"/>
+              <a:t>Jeton permettant d’obtenir un nouvel </a:t>
+            </a:r>
+            <a:r>
+              <a:rPr lang="fr-FR" dirty="0" err="1"/>
+              <a:t>access</a:t>
+            </a:r>
+            <a:r>
+              <a:rPr lang="fr-FR" dirty="0"/>
+              <a:t> </a:t>
+            </a:r>
+            <a:r>
+              <a:rPr lang="fr-FR" dirty="0" err="1"/>
+              <a:t>token</a:t>
+            </a:r>
+            <a:endParaRPr lang="fr-FR" dirty="0"/>
+          </a:p>
+          <a:p>
+            <a:r>
+              <a:rPr lang="fr-FR" dirty="0"/>
+              <a:t>State</a:t>
+            </a:r>
+          </a:p>
+          <a:p>
+            <a:pPr lvl="1"/>
+            <a:r>
+              <a:rPr lang="fr-FR" dirty="0"/>
+              <a:t>Conteneur de contexte</a:t>
+            </a:r>
+          </a:p>
+          <a:p>
+            <a:pPr lvl="1"/>
+            <a:r>
+              <a:rPr lang="fr-FR" dirty="0"/>
+              <a:t>Anti-CSRF</a:t>
+            </a:r>
+          </a:p>
+          <a:p>
+            <a:r>
+              <a:rPr lang="fr-FR" dirty="0" err="1"/>
+              <a:t>Redirect_uri</a:t>
+            </a:r>
+            <a:endParaRPr lang="fr-FR" dirty="0"/>
+          </a:p>
+          <a:p>
+            <a:pPr lvl="1"/>
+            <a:r>
+              <a:rPr lang="fr-FR" dirty="0"/>
+              <a:t>URL de l’application cliente permettant de récupérer les jetons</a:t>
             </a:r>
           </a:p>
         </p:txBody>
@@ -10269,13 +11138,918 @@
     </p:spTree>
     <p:extLst>
       <p:ext uri="{BB962C8B-B14F-4D97-AF65-F5344CB8AC3E}">
-        <p14:creationId xmlns:p14="http://schemas.microsoft.com/office/powerpoint/2010/main" val="829559774"/>
+        <p14:creationId xmlns:p14="http://schemas.microsoft.com/office/powerpoint/2010/main" val="761317434"/>
       </p:ext>
     </p:extLst>
   </p:cSld>
   <p:clrMapOvr>
     <a:masterClrMapping/>
   </p:clrMapOvr>
+  <p:timing>
+    <p:tnLst>
+      <p:par>
+        <p:cTn id="1" dur="indefinite" restart="never" nodeType="tmRoot">
+          <p:childTnLst>
+            <p:seq concurrent="1" nextAc="seek">
+              <p:cTn id="2" dur="indefinite" nodeType="mainSeq">
+                <p:childTnLst>
+                  <p:par>
+                    <p:cTn id="3" fill="hold">
+                      <p:stCondLst>
+                        <p:cond delay="indefinite"/>
+                      </p:stCondLst>
+                      <p:childTnLst>
+                        <p:par>
+                          <p:cTn id="4" fill="hold">
+                            <p:stCondLst>
+                              <p:cond delay="0"/>
+                            </p:stCondLst>
+                            <p:childTnLst>
+                              <p:par>
+                                <p:cTn id="5" presetID="10" presetClass="entr" presetSubtype="0" fill="hold" nodeType="clickEffect">
+                                  <p:stCondLst>
+                                    <p:cond delay="0"/>
+                                  </p:stCondLst>
+                                  <p:childTnLst>
+                                    <p:set>
+                                      <p:cBhvr>
+                                        <p:cTn id="6" dur="1" fill="hold">
+                                          <p:stCondLst>
+                                            <p:cond delay="0"/>
+                                          </p:stCondLst>
+                                        </p:cTn>
+                                        <p:tgtEl>
+                                          <p:spTgt spid="3">
+                                            <p:txEl>
+                                              <p:pRg st="0" end="0"/>
+                                            </p:txEl>
+                                          </p:spTgt>
+                                        </p:tgtEl>
+                                        <p:attrNameLst>
+                                          <p:attrName>style.visibility</p:attrName>
+                                        </p:attrNameLst>
+                                      </p:cBhvr>
+                                      <p:to>
+                                        <p:strVal val="visible"/>
+                                      </p:to>
+                                    </p:set>
+                                    <p:animEffect transition="in" filter="fade">
+                                      <p:cBhvr>
+                                        <p:cTn id="7" dur="500"/>
+                                        <p:tgtEl>
+                                          <p:spTgt spid="3">
+                                            <p:txEl>
+                                              <p:pRg st="0" end="0"/>
+                                            </p:txEl>
+                                          </p:spTgt>
+                                        </p:tgtEl>
+                                      </p:cBhvr>
+                                    </p:animEffect>
+                                  </p:childTnLst>
+                                </p:cTn>
+                              </p:par>
+                              <p:par>
+                                <p:cTn id="8" presetID="10" presetClass="entr" presetSubtype="0" fill="hold" nodeType="withEffect">
+                                  <p:stCondLst>
+                                    <p:cond delay="0"/>
+                                  </p:stCondLst>
+                                  <p:childTnLst>
+                                    <p:set>
+                                      <p:cBhvr>
+                                        <p:cTn id="9" dur="1" fill="hold">
+                                          <p:stCondLst>
+                                            <p:cond delay="0"/>
+                                          </p:stCondLst>
+                                        </p:cTn>
+                                        <p:tgtEl>
+                                          <p:spTgt spid="3">
+                                            <p:txEl>
+                                              <p:pRg st="1" end="1"/>
+                                            </p:txEl>
+                                          </p:spTgt>
+                                        </p:tgtEl>
+                                        <p:attrNameLst>
+                                          <p:attrName>style.visibility</p:attrName>
+                                        </p:attrNameLst>
+                                      </p:cBhvr>
+                                      <p:to>
+                                        <p:strVal val="visible"/>
+                                      </p:to>
+                                    </p:set>
+                                    <p:animEffect transition="in" filter="fade">
+                                      <p:cBhvr>
+                                        <p:cTn id="10" dur="500"/>
+                                        <p:tgtEl>
+                                          <p:spTgt spid="3">
+                                            <p:txEl>
+                                              <p:pRg st="1" end="1"/>
+                                            </p:txEl>
+                                          </p:spTgt>
+                                        </p:tgtEl>
+                                      </p:cBhvr>
+                                    </p:animEffect>
+                                  </p:childTnLst>
+                                </p:cTn>
+                              </p:par>
+                            </p:childTnLst>
+                          </p:cTn>
+                        </p:par>
+                      </p:childTnLst>
+                    </p:cTn>
+                  </p:par>
+                  <p:par>
+                    <p:cTn id="11" fill="hold">
+                      <p:stCondLst>
+                        <p:cond delay="indefinite"/>
+                      </p:stCondLst>
+                      <p:childTnLst>
+                        <p:par>
+                          <p:cTn id="12" fill="hold">
+                            <p:stCondLst>
+                              <p:cond delay="0"/>
+                            </p:stCondLst>
+                            <p:childTnLst>
+                              <p:par>
+                                <p:cTn id="13" presetID="10" presetClass="entr" presetSubtype="0" fill="hold" nodeType="clickEffect">
+                                  <p:stCondLst>
+                                    <p:cond delay="0"/>
+                                  </p:stCondLst>
+                                  <p:childTnLst>
+                                    <p:set>
+                                      <p:cBhvr>
+                                        <p:cTn id="14" dur="1" fill="hold">
+                                          <p:stCondLst>
+                                            <p:cond delay="0"/>
+                                          </p:stCondLst>
+                                        </p:cTn>
+                                        <p:tgtEl>
+                                          <p:spTgt spid="3">
+                                            <p:txEl>
+                                              <p:pRg st="2" end="2"/>
+                                            </p:txEl>
+                                          </p:spTgt>
+                                        </p:tgtEl>
+                                        <p:attrNameLst>
+                                          <p:attrName>style.visibility</p:attrName>
+                                        </p:attrNameLst>
+                                      </p:cBhvr>
+                                      <p:to>
+                                        <p:strVal val="visible"/>
+                                      </p:to>
+                                    </p:set>
+                                    <p:animEffect transition="in" filter="fade">
+                                      <p:cBhvr>
+                                        <p:cTn id="15" dur="500"/>
+                                        <p:tgtEl>
+                                          <p:spTgt spid="3">
+                                            <p:txEl>
+                                              <p:pRg st="2" end="2"/>
+                                            </p:txEl>
+                                          </p:spTgt>
+                                        </p:tgtEl>
+                                      </p:cBhvr>
+                                    </p:animEffect>
+                                  </p:childTnLst>
+                                </p:cTn>
+                              </p:par>
+                              <p:par>
+                                <p:cTn id="16" presetID="10" presetClass="entr" presetSubtype="0" fill="hold" nodeType="withEffect">
+                                  <p:stCondLst>
+                                    <p:cond delay="0"/>
+                                  </p:stCondLst>
+                                  <p:childTnLst>
+                                    <p:set>
+                                      <p:cBhvr>
+                                        <p:cTn id="17" dur="1" fill="hold">
+                                          <p:stCondLst>
+                                            <p:cond delay="0"/>
+                                          </p:stCondLst>
+                                        </p:cTn>
+                                        <p:tgtEl>
+                                          <p:spTgt spid="3">
+                                            <p:txEl>
+                                              <p:pRg st="3" end="3"/>
+                                            </p:txEl>
+                                          </p:spTgt>
+                                        </p:tgtEl>
+                                        <p:attrNameLst>
+                                          <p:attrName>style.visibility</p:attrName>
+                                        </p:attrNameLst>
+                                      </p:cBhvr>
+                                      <p:to>
+                                        <p:strVal val="visible"/>
+                                      </p:to>
+                                    </p:set>
+                                    <p:animEffect transition="in" filter="fade">
+                                      <p:cBhvr>
+                                        <p:cTn id="18" dur="500"/>
+                                        <p:tgtEl>
+                                          <p:spTgt spid="3">
+                                            <p:txEl>
+                                              <p:pRg st="3" end="3"/>
+                                            </p:txEl>
+                                          </p:spTgt>
+                                        </p:tgtEl>
+                                      </p:cBhvr>
+                                    </p:animEffect>
+                                  </p:childTnLst>
+                                </p:cTn>
+                              </p:par>
+                            </p:childTnLst>
+                          </p:cTn>
+                        </p:par>
+                      </p:childTnLst>
+                    </p:cTn>
+                  </p:par>
+                  <p:par>
+                    <p:cTn id="19" fill="hold">
+                      <p:stCondLst>
+                        <p:cond delay="indefinite"/>
+                      </p:stCondLst>
+                      <p:childTnLst>
+                        <p:par>
+                          <p:cTn id="20" fill="hold">
+                            <p:stCondLst>
+                              <p:cond delay="0"/>
+                            </p:stCondLst>
+                            <p:childTnLst>
+                              <p:par>
+                                <p:cTn id="21" presetID="10" presetClass="entr" presetSubtype="0" fill="hold" nodeType="clickEffect">
+                                  <p:stCondLst>
+                                    <p:cond delay="0"/>
+                                  </p:stCondLst>
+                                  <p:childTnLst>
+                                    <p:set>
+                                      <p:cBhvr>
+                                        <p:cTn id="22" dur="1" fill="hold">
+                                          <p:stCondLst>
+                                            <p:cond delay="0"/>
+                                          </p:stCondLst>
+                                        </p:cTn>
+                                        <p:tgtEl>
+                                          <p:spTgt spid="3">
+                                            <p:txEl>
+                                              <p:pRg st="4" end="4"/>
+                                            </p:txEl>
+                                          </p:spTgt>
+                                        </p:tgtEl>
+                                        <p:attrNameLst>
+                                          <p:attrName>style.visibility</p:attrName>
+                                        </p:attrNameLst>
+                                      </p:cBhvr>
+                                      <p:to>
+                                        <p:strVal val="visible"/>
+                                      </p:to>
+                                    </p:set>
+                                    <p:animEffect transition="in" filter="fade">
+                                      <p:cBhvr>
+                                        <p:cTn id="23" dur="500"/>
+                                        <p:tgtEl>
+                                          <p:spTgt spid="3">
+                                            <p:txEl>
+                                              <p:pRg st="4" end="4"/>
+                                            </p:txEl>
+                                          </p:spTgt>
+                                        </p:tgtEl>
+                                      </p:cBhvr>
+                                    </p:animEffect>
+                                  </p:childTnLst>
+                                </p:cTn>
+                              </p:par>
+                              <p:par>
+                                <p:cTn id="24" presetID="10" presetClass="entr" presetSubtype="0" fill="hold" nodeType="withEffect">
+                                  <p:stCondLst>
+                                    <p:cond delay="0"/>
+                                  </p:stCondLst>
+                                  <p:childTnLst>
+                                    <p:set>
+                                      <p:cBhvr>
+                                        <p:cTn id="25" dur="1" fill="hold">
+                                          <p:stCondLst>
+                                            <p:cond delay="0"/>
+                                          </p:stCondLst>
+                                        </p:cTn>
+                                        <p:tgtEl>
+                                          <p:spTgt spid="3">
+                                            <p:txEl>
+                                              <p:pRg st="5" end="5"/>
+                                            </p:txEl>
+                                          </p:spTgt>
+                                        </p:tgtEl>
+                                        <p:attrNameLst>
+                                          <p:attrName>style.visibility</p:attrName>
+                                        </p:attrNameLst>
+                                      </p:cBhvr>
+                                      <p:to>
+                                        <p:strVal val="visible"/>
+                                      </p:to>
+                                    </p:set>
+                                    <p:animEffect transition="in" filter="fade">
+                                      <p:cBhvr>
+                                        <p:cTn id="26" dur="500"/>
+                                        <p:tgtEl>
+                                          <p:spTgt spid="3">
+                                            <p:txEl>
+                                              <p:pRg st="5" end="5"/>
+                                            </p:txEl>
+                                          </p:spTgt>
+                                        </p:tgtEl>
+                                      </p:cBhvr>
+                                    </p:animEffect>
+                                  </p:childTnLst>
+                                </p:cTn>
+                              </p:par>
+                            </p:childTnLst>
+                          </p:cTn>
+                        </p:par>
+                      </p:childTnLst>
+                    </p:cTn>
+                  </p:par>
+                  <p:par>
+                    <p:cTn id="27" fill="hold">
+                      <p:stCondLst>
+                        <p:cond delay="indefinite"/>
+                      </p:stCondLst>
+                      <p:childTnLst>
+                        <p:par>
+                          <p:cTn id="28" fill="hold">
+                            <p:stCondLst>
+                              <p:cond delay="0"/>
+                            </p:stCondLst>
+                            <p:childTnLst>
+                              <p:par>
+                                <p:cTn id="29" presetID="10" presetClass="entr" presetSubtype="0" fill="hold" nodeType="clickEffect">
+                                  <p:stCondLst>
+                                    <p:cond delay="0"/>
+                                  </p:stCondLst>
+                                  <p:childTnLst>
+                                    <p:set>
+                                      <p:cBhvr>
+                                        <p:cTn id="30" dur="1" fill="hold">
+                                          <p:stCondLst>
+                                            <p:cond delay="0"/>
+                                          </p:stCondLst>
+                                        </p:cTn>
+                                        <p:tgtEl>
+                                          <p:spTgt spid="3">
+                                            <p:txEl>
+                                              <p:pRg st="6" end="6"/>
+                                            </p:txEl>
+                                          </p:spTgt>
+                                        </p:tgtEl>
+                                        <p:attrNameLst>
+                                          <p:attrName>style.visibility</p:attrName>
+                                        </p:attrNameLst>
+                                      </p:cBhvr>
+                                      <p:to>
+                                        <p:strVal val="visible"/>
+                                      </p:to>
+                                    </p:set>
+                                    <p:animEffect transition="in" filter="fade">
+                                      <p:cBhvr>
+                                        <p:cTn id="31" dur="500"/>
+                                        <p:tgtEl>
+                                          <p:spTgt spid="3">
+                                            <p:txEl>
+                                              <p:pRg st="6" end="6"/>
+                                            </p:txEl>
+                                          </p:spTgt>
+                                        </p:tgtEl>
+                                      </p:cBhvr>
+                                    </p:animEffect>
+                                  </p:childTnLst>
+                                </p:cTn>
+                              </p:par>
+                              <p:par>
+                                <p:cTn id="32" presetID="10" presetClass="entr" presetSubtype="0" fill="hold" nodeType="withEffect">
+                                  <p:stCondLst>
+                                    <p:cond delay="0"/>
+                                  </p:stCondLst>
+                                  <p:childTnLst>
+                                    <p:set>
+                                      <p:cBhvr>
+                                        <p:cTn id="33" dur="1" fill="hold">
+                                          <p:stCondLst>
+                                            <p:cond delay="0"/>
+                                          </p:stCondLst>
+                                        </p:cTn>
+                                        <p:tgtEl>
+                                          <p:spTgt spid="3">
+                                            <p:txEl>
+                                              <p:pRg st="7" end="7"/>
+                                            </p:txEl>
+                                          </p:spTgt>
+                                        </p:tgtEl>
+                                        <p:attrNameLst>
+                                          <p:attrName>style.visibility</p:attrName>
+                                        </p:attrNameLst>
+                                      </p:cBhvr>
+                                      <p:to>
+                                        <p:strVal val="visible"/>
+                                      </p:to>
+                                    </p:set>
+                                    <p:animEffect transition="in" filter="fade">
+                                      <p:cBhvr>
+                                        <p:cTn id="34" dur="500"/>
+                                        <p:tgtEl>
+                                          <p:spTgt spid="3">
+                                            <p:txEl>
+                                              <p:pRg st="7" end="7"/>
+                                            </p:txEl>
+                                          </p:spTgt>
+                                        </p:tgtEl>
+                                      </p:cBhvr>
+                                    </p:animEffect>
+                                  </p:childTnLst>
+                                </p:cTn>
+                              </p:par>
+                            </p:childTnLst>
+                          </p:cTn>
+                        </p:par>
+                      </p:childTnLst>
+                    </p:cTn>
+                  </p:par>
+                  <p:par>
+                    <p:cTn id="35" fill="hold">
+                      <p:stCondLst>
+                        <p:cond delay="indefinite"/>
+                      </p:stCondLst>
+                      <p:childTnLst>
+                        <p:par>
+                          <p:cTn id="36" fill="hold">
+                            <p:stCondLst>
+                              <p:cond delay="0"/>
+                            </p:stCondLst>
+                            <p:childTnLst>
+                              <p:par>
+                                <p:cTn id="37" presetID="10" presetClass="entr" presetSubtype="0" fill="hold" nodeType="clickEffect">
+                                  <p:stCondLst>
+                                    <p:cond delay="0"/>
+                                  </p:stCondLst>
+                                  <p:childTnLst>
+                                    <p:set>
+                                      <p:cBhvr>
+                                        <p:cTn id="38" dur="1" fill="hold">
+                                          <p:stCondLst>
+                                            <p:cond delay="0"/>
+                                          </p:stCondLst>
+                                        </p:cTn>
+                                        <p:tgtEl>
+                                          <p:spTgt spid="3">
+                                            <p:txEl>
+                                              <p:pRg st="8" end="8"/>
+                                            </p:txEl>
+                                          </p:spTgt>
+                                        </p:tgtEl>
+                                        <p:attrNameLst>
+                                          <p:attrName>style.visibility</p:attrName>
+                                        </p:attrNameLst>
+                                      </p:cBhvr>
+                                      <p:to>
+                                        <p:strVal val="visible"/>
+                                      </p:to>
+                                    </p:set>
+                                    <p:animEffect transition="in" filter="fade">
+                                      <p:cBhvr>
+                                        <p:cTn id="39" dur="500"/>
+                                        <p:tgtEl>
+                                          <p:spTgt spid="3">
+                                            <p:txEl>
+                                              <p:pRg st="8" end="8"/>
+                                            </p:txEl>
+                                          </p:spTgt>
+                                        </p:tgtEl>
+                                      </p:cBhvr>
+                                    </p:animEffect>
+                                  </p:childTnLst>
+                                </p:cTn>
+                              </p:par>
+                              <p:par>
+                                <p:cTn id="40" presetID="10" presetClass="entr" presetSubtype="0" fill="hold" nodeType="withEffect">
+                                  <p:stCondLst>
+                                    <p:cond delay="0"/>
+                                  </p:stCondLst>
+                                  <p:childTnLst>
+                                    <p:set>
+                                      <p:cBhvr>
+                                        <p:cTn id="41" dur="1" fill="hold">
+                                          <p:stCondLst>
+                                            <p:cond delay="0"/>
+                                          </p:stCondLst>
+                                        </p:cTn>
+                                        <p:tgtEl>
+                                          <p:spTgt spid="3">
+                                            <p:txEl>
+                                              <p:pRg st="9" end="9"/>
+                                            </p:txEl>
+                                          </p:spTgt>
+                                        </p:tgtEl>
+                                        <p:attrNameLst>
+                                          <p:attrName>style.visibility</p:attrName>
+                                        </p:attrNameLst>
+                                      </p:cBhvr>
+                                      <p:to>
+                                        <p:strVal val="visible"/>
+                                      </p:to>
+                                    </p:set>
+                                    <p:animEffect transition="in" filter="fade">
+                                      <p:cBhvr>
+                                        <p:cTn id="42" dur="500"/>
+                                        <p:tgtEl>
+                                          <p:spTgt spid="3">
+                                            <p:txEl>
+                                              <p:pRg st="9" end="9"/>
+                                            </p:txEl>
+                                          </p:spTgt>
+                                        </p:tgtEl>
+                                      </p:cBhvr>
+                                    </p:animEffect>
+                                  </p:childTnLst>
+                                </p:cTn>
+                              </p:par>
+                            </p:childTnLst>
+                          </p:cTn>
+                        </p:par>
+                      </p:childTnLst>
+                    </p:cTn>
+                  </p:par>
+                  <p:par>
+                    <p:cTn id="43" fill="hold">
+                      <p:stCondLst>
+                        <p:cond delay="indefinite"/>
+                      </p:stCondLst>
+                      <p:childTnLst>
+                        <p:par>
+                          <p:cTn id="44" fill="hold">
+                            <p:stCondLst>
+                              <p:cond delay="0"/>
+                            </p:stCondLst>
+                            <p:childTnLst>
+                              <p:par>
+                                <p:cTn id="45" presetID="10" presetClass="entr" presetSubtype="0" fill="hold" nodeType="clickEffect">
+                                  <p:stCondLst>
+                                    <p:cond delay="0"/>
+                                  </p:stCondLst>
+                                  <p:childTnLst>
+                                    <p:set>
+                                      <p:cBhvr>
+                                        <p:cTn id="46" dur="1" fill="hold">
+                                          <p:stCondLst>
+                                            <p:cond delay="0"/>
+                                          </p:stCondLst>
+                                        </p:cTn>
+                                        <p:tgtEl>
+                                          <p:spTgt spid="3">
+                                            <p:txEl>
+                                              <p:pRg st="10" end="10"/>
+                                            </p:txEl>
+                                          </p:spTgt>
+                                        </p:tgtEl>
+                                        <p:attrNameLst>
+                                          <p:attrName>style.visibility</p:attrName>
+                                        </p:attrNameLst>
+                                      </p:cBhvr>
+                                      <p:to>
+                                        <p:strVal val="visible"/>
+                                      </p:to>
+                                    </p:set>
+                                    <p:animEffect transition="in" filter="fade">
+                                      <p:cBhvr>
+                                        <p:cTn id="47" dur="500"/>
+                                        <p:tgtEl>
+                                          <p:spTgt spid="3">
+                                            <p:txEl>
+                                              <p:pRg st="10" end="10"/>
+                                            </p:txEl>
+                                          </p:spTgt>
+                                        </p:tgtEl>
+                                      </p:cBhvr>
+                                    </p:animEffect>
+                                  </p:childTnLst>
+                                </p:cTn>
+                              </p:par>
+                              <p:par>
+                                <p:cTn id="48" presetID="10" presetClass="entr" presetSubtype="0" fill="hold" nodeType="withEffect">
+                                  <p:stCondLst>
+                                    <p:cond delay="0"/>
+                                  </p:stCondLst>
+                                  <p:childTnLst>
+                                    <p:set>
+                                      <p:cBhvr>
+                                        <p:cTn id="49" dur="1" fill="hold">
+                                          <p:stCondLst>
+                                            <p:cond delay="0"/>
+                                          </p:stCondLst>
+                                        </p:cTn>
+                                        <p:tgtEl>
+                                          <p:spTgt spid="3">
+                                            <p:txEl>
+                                              <p:pRg st="11" end="11"/>
+                                            </p:txEl>
+                                          </p:spTgt>
+                                        </p:tgtEl>
+                                        <p:attrNameLst>
+                                          <p:attrName>style.visibility</p:attrName>
+                                        </p:attrNameLst>
+                                      </p:cBhvr>
+                                      <p:to>
+                                        <p:strVal val="visible"/>
+                                      </p:to>
+                                    </p:set>
+                                    <p:animEffect transition="in" filter="fade">
+                                      <p:cBhvr>
+                                        <p:cTn id="50" dur="500"/>
+                                        <p:tgtEl>
+                                          <p:spTgt spid="3">
+                                            <p:txEl>
+                                              <p:pRg st="11" end="11"/>
+                                            </p:txEl>
+                                          </p:spTgt>
+                                        </p:tgtEl>
+                                      </p:cBhvr>
+                                    </p:animEffect>
+                                  </p:childTnLst>
+                                </p:cTn>
+                              </p:par>
+                            </p:childTnLst>
+                          </p:cTn>
+                        </p:par>
+                      </p:childTnLst>
+                    </p:cTn>
+                  </p:par>
+                  <p:par>
+                    <p:cTn id="51" fill="hold">
+                      <p:stCondLst>
+                        <p:cond delay="indefinite"/>
+                      </p:stCondLst>
+                      <p:childTnLst>
+                        <p:par>
+                          <p:cTn id="52" fill="hold">
+                            <p:stCondLst>
+                              <p:cond delay="0"/>
+                            </p:stCondLst>
+                            <p:childTnLst>
+                              <p:par>
+                                <p:cTn id="53" presetID="10" presetClass="entr" presetSubtype="0" fill="hold" nodeType="clickEffect">
+                                  <p:stCondLst>
+                                    <p:cond delay="0"/>
+                                  </p:stCondLst>
+                                  <p:childTnLst>
+                                    <p:set>
+                                      <p:cBhvr>
+                                        <p:cTn id="54" dur="1" fill="hold">
+                                          <p:stCondLst>
+                                            <p:cond delay="0"/>
+                                          </p:stCondLst>
+                                        </p:cTn>
+                                        <p:tgtEl>
+                                          <p:spTgt spid="3">
+                                            <p:txEl>
+                                              <p:pRg st="12" end="12"/>
+                                            </p:txEl>
+                                          </p:spTgt>
+                                        </p:tgtEl>
+                                        <p:attrNameLst>
+                                          <p:attrName>style.visibility</p:attrName>
+                                        </p:attrNameLst>
+                                      </p:cBhvr>
+                                      <p:to>
+                                        <p:strVal val="visible"/>
+                                      </p:to>
+                                    </p:set>
+                                    <p:animEffect transition="in" filter="fade">
+                                      <p:cBhvr>
+                                        <p:cTn id="55" dur="500"/>
+                                        <p:tgtEl>
+                                          <p:spTgt spid="3">
+                                            <p:txEl>
+                                              <p:pRg st="12" end="12"/>
+                                            </p:txEl>
+                                          </p:spTgt>
+                                        </p:tgtEl>
+                                      </p:cBhvr>
+                                    </p:animEffect>
+                                  </p:childTnLst>
+                                </p:cTn>
+                              </p:par>
+                              <p:par>
+                                <p:cTn id="56" presetID="10" presetClass="entr" presetSubtype="0" fill="hold" nodeType="withEffect">
+                                  <p:stCondLst>
+                                    <p:cond delay="0"/>
+                                  </p:stCondLst>
+                                  <p:childTnLst>
+                                    <p:set>
+                                      <p:cBhvr>
+                                        <p:cTn id="57" dur="1" fill="hold">
+                                          <p:stCondLst>
+                                            <p:cond delay="0"/>
+                                          </p:stCondLst>
+                                        </p:cTn>
+                                        <p:tgtEl>
+                                          <p:spTgt spid="3">
+                                            <p:txEl>
+                                              <p:pRg st="13" end="13"/>
+                                            </p:txEl>
+                                          </p:spTgt>
+                                        </p:tgtEl>
+                                        <p:attrNameLst>
+                                          <p:attrName>style.visibility</p:attrName>
+                                        </p:attrNameLst>
+                                      </p:cBhvr>
+                                      <p:to>
+                                        <p:strVal val="visible"/>
+                                      </p:to>
+                                    </p:set>
+                                    <p:animEffect transition="in" filter="fade">
+                                      <p:cBhvr>
+                                        <p:cTn id="58" dur="500"/>
+                                        <p:tgtEl>
+                                          <p:spTgt spid="3">
+                                            <p:txEl>
+                                              <p:pRg st="13" end="13"/>
+                                            </p:txEl>
+                                          </p:spTgt>
+                                        </p:tgtEl>
+                                      </p:cBhvr>
+                                    </p:animEffect>
+                                  </p:childTnLst>
+                                </p:cTn>
+                              </p:par>
+                              <p:par>
+                                <p:cTn id="59" presetID="10" presetClass="entr" presetSubtype="0" fill="hold" nodeType="withEffect">
+                                  <p:stCondLst>
+                                    <p:cond delay="0"/>
+                                  </p:stCondLst>
+                                  <p:childTnLst>
+                                    <p:set>
+                                      <p:cBhvr>
+                                        <p:cTn id="60" dur="1" fill="hold">
+                                          <p:stCondLst>
+                                            <p:cond delay="0"/>
+                                          </p:stCondLst>
+                                        </p:cTn>
+                                        <p:tgtEl>
+                                          <p:spTgt spid="3">
+                                            <p:txEl>
+                                              <p:pRg st="14" end="14"/>
+                                            </p:txEl>
+                                          </p:spTgt>
+                                        </p:tgtEl>
+                                        <p:attrNameLst>
+                                          <p:attrName>style.visibility</p:attrName>
+                                        </p:attrNameLst>
+                                      </p:cBhvr>
+                                      <p:to>
+                                        <p:strVal val="visible"/>
+                                      </p:to>
+                                    </p:set>
+                                    <p:animEffect transition="in" filter="fade">
+                                      <p:cBhvr>
+                                        <p:cTn id="61" dur="500"/>
+                                        <p:tgtEl>
+                                          <p:spTgt spid="3">
+                                            <p:txEl>
+                                              <p:pRg st="14" end="14"/>
+                                            </p:txEl>
+                                          </p:spTgt>
+                                        </p:tgtEl>
+                                      </p:cBhvr>
+                                    </p:animEffect>
+                                  </p:childTnLst>
+                                </p:cTn>
+                              </p:par>
+                            </p:childTnLst>
+                          </p:cTn>
+                        </p:par>
+                      </p:childTnLst>
+                    </p:cTn>
+                  </p:par>
+                  <p:par>
+                    <p:cTn id="62" fill="hold">
+                      <p:stCondLst>
+                        <p:cond delay="indefinite"/>
+                      </p:stCondLst>
+                      <p:childTnLst>
+                        <p:par>
+                          <p:cTn id="63" fill="hold">
+                            <p:stCondLst>
+                              <p:cond delay="0"/>
+                            </p:stCondLst>
+                            <p:childTnLst>
+                              <p:par>
+                                <p:cTn id="64" presetID="10" presetClass="entr" presetSubtype="0" fill="hold" nodeType="clickEffect">
+                                  <p:stCondLst>
+                                    <p:cond delay="0"/>
+                                  </p:stCondLst>
+                                  <p:childTnLst>
+                                    <p:set>
+                                      <p:cBhvr>
+                                        <p:cTn id="65" dur="1" fill="hold">
+                                          <p:stCondLst>
+                                            <p:cond delay="0"/>
+                                          </p:stCondLst>
+                                        </p:cTn>
+                                        <p:tgtEl>
+                                          <p:spTgt spid="3">
+                                            <p:txEl>
+                                              <p:pRg st="15" end="15"/>
+                                            </p:txEl>
+                                          </p:spTgt>
+                                        </p:tgtEl>
+                                        <p:attrNameLst>
+                                          <p:attrName>style.visibility</p:attrName>
+                                        </p:attrNameLst>
+                                      </p:cBhvr>
+                                      <p:to>
+                                        <p:strVal val="visible"/>
+                                      </p:to>
+                                    </p:set>
+                                    <p:animEffect transition="in" filter="fade">
+                                      <p:cBhvr>
+                                        <p:cTn id="66" dur="500"/>
+                                        <p:tgtEl>
+                                          <p:spTgt spid="3">
+                                            <p:txEl>
+                                              <p:pRg st="15" end="15"/>
+                                            </p:txEl>
+                                          </p:spTgt>
+                                        </p:tgtEl>
+                                      </p:cBhvr>
+                                    </p:animEffect>
+                                  </p:childTnLst>
+                                </p:cTn>
+                              </p:par>
+                              <p:par>
+                                <p:cTn id="67" presetID="10" presetClass="entr" presetSubtype="0" fill="hold" nodeType="withEffect">
+                                  <p:stCondLst>
+                                    <p:cond delay="0"/>
+                                  </p:stCondLst>
+                                  <p:childTnLst>
+                                    <p:set>
+                                      <p:cBhvr>
+                                        <p:cTn id="68" dur="1" fill="hold">
+                                          <p:stCondLst>
+                                            <p:cond delay="0"/>
+                                          </p:stCondLst>
+                                        </p:cTn>
+                                        <p:tgtEl>
+                                          <p:spTgt spid="3">
+                                            <p:txEl>
+                                              <p:pRg st="16" end="16"/>
+                                            </p:txEl>
+                                          </p:spTgt>
+                                        </p:tgtEl>
+                                        <p:attrNameLst>
+                                          <p:attrName>style.visibility</p:attrName>
+                                        </p:attrNameLst>
+                                      </p:cBhvr>
+                                      <p:to>
+                                        <p:strVal val="visible"/>
+                                      </p:to>
+                                    </p:set>
+                                    <p:animEffect transition="in" filter="fade">
+                                      <p:cBhvr>
+                                        <p:cTn id="69" dur="500"/>
+                                        <p:tgtEl>
+                                          <p:spTgt spid="3">
+                                            <p:txEl>
+                                              <p:pRg st="16" end="16"/>
+                                            </p:txEl>
+                                          </p:spTgt>
+                                        </p:tgtEl>
+                                      </p:cBhvr>
+                                    </p:animEffect>
+                                  </p:childTnLst>
+                                </p:cTn>
+                              </p:par>
+                            </p:childTnLst>
+                          </p:cTn>
+                        </p:par>
+                      </p:childTnLst>
+                    </p:cTn>
+                  </p:par>
+                </p:childTnLst>
+              </p:cTn>
+              <p:prevCondLst>
+                <p:cond evt="onPrev" delay="0">
+                  <p:tgtEl>
+                    <p:sldTgt/>
+                  </p:tgtEl>
+                </p:cond>
+              </p:prevCondLst>
+              <p:nextCondLst>
+                <p:cond evt="onNext" delay="0">
+                  <p:tgtEl>
+                    <p:sldTgt/>
+                  </p:tgtEl>
+                </p:cond>
+              </p:nextCondLst>
+            </p:seq>
+          </p:childTnLst>
+        </p:cTn>
+      </p:par>
+    </p:tnLst>
+  </p:timing>
 </p:sld>
 </file>
 
@@ -10301,7 +12075,7 @@
           <p:cNvPr id="2" name="Titre 1">
             <a:extLst>
               <a:ext uri="{FF2B5EF4-FFF2-40B4-BE49-F238E27FC236}">
-                <a16:creationId xmlns:a16="http://schemas.microsoft.com/office/drawing/2014/main" id="{7AEE8AF8-CD3C-41FB-A1E4-6BFD425370AC}"/>
+                <a16:creationId xmlns:a16="http://schemas.microsoft.com/office/drawing/2014/main" id="{0F65767D-94A7-46D1-8414-6C9097D6F267}"/>
               </a:ext>
             </a:extLst>
           </p:cNvPr>
@@ -10312,103 +12086,30 @@
             <p:ph type="title"/>
           </p:nvPr>
         </p:nvSpPr>
-        <p:spPr/>
-        <p:txBody>
-          <a:bodyPr/>
-          <a:lstStyle/>
-          <a:p>
-            <a:r>
-              <a:rPr lang="fr-FR" dirty="0"/>
-              <a:t>Principaux flows</a:t>
-            </a:r>
-          </a:p>
-        </p:txBody>
-      </p:sp>
-      <p:sp>
-        <p:nvSpPr>
-          <p:cNvPr id="3" name="Espace réservé du contenu 2">
-            <a:extLst>
-              <a:ext uri="{FF2B5EF4-FFF2-40B4-BE49-F238E27FC236}">
-                <a16:creationId xmlns:a16="http://schemas.microsoft.com/office/drawing/2014/main" id="{B7F2638A-E52C-4B11-9083-1EB4591D3F78}"/>
-              </a:ext>
-            </a:extLst>
-          </p:cNvPr>
-          <p:cNvSpPr>
-            <a:spLocks noGrp="1"/>
-          </p:cNvSpPr>
-          <p:nvPr>
-            <p:ph idx="1"/>
-          </p:nvPr>
-        </p:nvSpPr>
         <p:spPr>
           <a:xfrm>
-            <a:off x="1251678" y="1757681"/>
-            <a:ext cx="10178322" cy="3593591"/>
+            <a:off x="1002956" y="2597579"/>
+            <a:ext cx="10515600" cy="1325563"/>
           </a:xfrm>
         </p:spPr>
         <p:txBody>
-          <a:bodyPr/>
+          <a:bodyPr>
+            <a:normAutofit/>
+          </a:bodyPr>
           <a:lstStyle/>
           <a:p>
-            <a:r>
-              <a:rPr lang="fr-FR" dirty="0" err="1"/>
-              <a:t>Authorization</a:t>
-            </a:r>
-            <a:r>
-              <a:rPr lang="fr-FR" dirty="0"/>
-              <a:t> code </a:t>
-            </a:r>
-            <a:r>
-              <a:rPr lang="fr-FR" dirty="0" err="1"/>
-              <a:t>grant</a:t>
-            </a:r>
-            <a:r>
-              <a:rPr lang="fr-FR" dirty="0"/>
-              <a:t> flow</a:t>
-            </a:r>
-          </a:p>
-          <a:p>
-            <a:pPr marL="0" indent="0">
-              <a:buNone/>
-            </a:pPr>
-            <a:endParaRPr lang="fr-FR" dirty="0"/>
+            <a:pPr algn="ctr"/>
+            <a:r>
+              <a:rPr lang="fr-FR" dirty="0"/>
+              <a:t>Principaux flows</a:t>
+            </a:r>
           </a:p>
         </p:txBody>
       </p:sp>
-      <p:pic>
-        <p:nvPicPr>
-          <p:cNvPr id="4" name="Image 3">
-            <a:extLst>
-              <a:ext uri="{FF2B5EF4-FFF2-40B4-BE49-F238E27FC236}">
-                <a16:creationId xmlns:a16="http://schemas.microsoft.com/office/drawing/2014/main" id="{7E58708A-48BD-45D4-A530-8665543B234E}"/>
-              </a:ext>
-            </a:extLst>
-          </p:cNvPr>
-          <p:cNvPicPr>
-            <a:picLocks noChangeAspect="1"/>
-          </p:cNvPicPr>
-          <p:nvPr/>
-        </p:nvPicPr>
-        <p:blipFill>
-          <a:blip r:embed="rId3"/>
-          <a:stretch>
-            <a:fillRect/>
-          </a:stretch>
-        </p:blipFill>
-        <p:spPr>
-          <a:xfrm>
-            <a:off x="3332205" y="2292841"/>
-            <a:ext cx="5527590" cy="4565159"/>
-          </a:xfrm>
-          <a:prstGeom prst="rect">
-            <a:avLst/>
-          </a:prstGeom>
-        </p:spPr>
-      </p:pic>
     </p:spTree>
     <p:extLst>
       <p:ext uri="{BB962C8B-B14F-4D97-AF65-F5344CB8AC3E}">
-        <p14:creationId xmlns:p14="http://schemas.microsoft.com/office/powerpoint/2010/main" val="365210007"/>
+        <p14:creationId xmlns:p14="http://schemas.microsoft.com/office/powerpoint/2010/main" val="829559774"/>
       </p:ext>
     </p:extLst>
   </p:cSld>
@@ -10440,7 +12141,7 @@
           <p:cNvPr id="2" name="Titre 1">
             <a:extLst>
               <a:ext uri="{FF2B5EF4-FFF2-40B4-BE49-F238E27FC236}">
-                <a16:creationId xmlns:a16="http://schemas.microsoft.com/office/drawing/2014/main" id="{0F65767D-94A7-46D1-8414-6C9097D6F267}"/>
+                <a16:creationId xmlns:a16="http://schemas.microsoft.com/office/drawing/2014/main" id="{7AEE8AF8-CD3C-41FB-A1E4-6BFD425370AC}"/>
               </a:ext>
             </a:extLst>
           </p:cNvPr>
@@ -10451,46 +12152,52 @@
             <p:ph type="title"/>
           </p:nvPr>
         </p:nvSpPr>
+        <p:spPr/>
+        <p:txBody>
+          <a:bodyPr/>
+          <a:lstStyle/>
+          <a:p>
+            <a:r>
+              <a:rPr lang="fr-FR" dirty="0"/>
+              <a:t>Principaux flows</a:t>
+            </a:r>
+          </a:p>
+        </p:txBody>
+      </p:sp>
+      <p:pic>
+        <p:nvPicPr>
+          <p:cNvPr id="4" name="Image 3">
+            <a:extLst>
+              <a:ext uri="{FF2B5EF4-FFF2-40B4-BE49-F238E27FC236}">
+                <a16:creationId xmlns:a16="http://schemas.microsoft.com/office/drawing/2014/main" id="{7E58708A-48BD-45D4-A530-8665543B234E}"/>
+              </a:ext>
+            </a:extLst>
+          </p:cNvPr>
+          <p:cNvPicPr>
+            <a:picLocks noChangeAspect="1"/>
+          </p:cNvPicPr>
+          <p:nvPr/>
+        </p:nvPicPr>
+        <p:blipFill>
+          <a:blip r:embed="rId3"/>
+          <a:stretch>
+            <a:fillRect/>
+          </a:stretch>
+        </p:blipFill>
         <p:spPr>
           <a:xfrm>
-            <a:off x="1002956" y="2597579"/>
-            <a:ext cx="10515600" cy="1325563"/>
+            <a:off x="2768039" y="1180210"/>
+            <a:ext cx="6655923" cy="5497033"/>
           </a:xfrm>
+          <a:prstGeom prst="rect">
+            <a:avLst/>
+          </a:prstGeom>
         </p:spPr>
-        <p:txBody>
-          <a:bodyPr>
-            <a:normAutofit fontScale="90000"/>
-          </a:bodyPr>
-          <a:lstStyle/>
-          <a:p>
-            <a:pPr algn="ctr"/>
-            <a:r>
-              <a:rPr lang="fr-FR" dirty="0"/>
-              <a:t>Démo – </a:t>
-            </a:r>
-            <a:r>
-              <a:rPr lang="fr-FR" dirty="0" err="1"/>
-              <a:t>Authorization</a:t>
-            </a:r>
-            <a:r>
-              <a:rPr lang="fr-FR" dirty="0"/>
-              <a:t> code </a:t>
-            </a:r>
-            <a:r>
-              <a:rPr lang="fr-FR" dirty="0" err="1"/>
-              <a:t>grant</a:t>
-            </a:r>
-            <a:r>
-              <a:rPr lang="fr-FR" dirty="0"/>
-              <a:t> flow</a:t>
-            </a:r>
-          </a:p>
-        </p:txBody>
-      </p:sp>
+      </p:pic>
     </p:spTree>
     <p:extLst>
       <p:ext uri="{BB962C8B-B14F-4D97-AF65-F5344CB8AC3E}">
-        <p14:creationId xmlns:p14="http://schemas.microsoft.com/office/powerpoint/2010/main" val="1106621923"/>
+        <p14:creationId xmlns:p14="http://schemas.microsoft.com/office/powerpoint/2010/main" val="365210007"/>
       </p:ext>
     </p:extLst>
   </p:cSld>
@@ -10522,7 +12229,7 @@
           <p:cNvPr id="2" name="Titre 1">
             <a:extLst>
               <a:ext uri="{FF2B5EF4-FFF2-40B4-BE49-F238E27FC236}">
-                <a16:creationId xmlns:a16="http://schemas.microsoft.com/office/drawing/2014/main" id="{7AEE8AF8-CD3C-41FB-A1E4-6BFD425370AC}"/>
+                <a16:creationId xmlns:a16="http://schemas.microsoft.com/office/drawing/2014/main" id="{0F65767D-94A7-46D1-8414-6C9097D6F267}"/>
               </a:ext>
             </a:extLst>
           </p:cNvPr>
@@ -10533,90 +12240,46 @@
             <p:ph type="title"/>
           </p:nvPr>
         </p:nvSpPr>
-        <p:spPr/>
-        <p:txBody>
-          <a:bodyPr/>
-          <a:lstStyle/>
-          <a:p>
-            <a:r>
-              <a:rPr lang="fr-FR" dirty="0"/>
-              <a:t>Principaux flows</a:t>
-            </a:r>
-          </a:p>
-        </p:txBody>
-      </p:sp>
-      <p:sp>
-        <p:nvSpPr>
-          <p:cNvPr id="3" name="Espace réservé du contenu 2">
-            <a:extLst>
-              <a:ext uri="{FF2B5EF4-FFF2-40B4-BE49-F238E27FC236}">
-                <a16:creationId xmlns:a16="http://schemas.microsoft.com/office/drawing/2014/main" id="{B7F2638A-E52C-4B11-9083-1EB4591D3F78}"/>
-              </a:ext>
-            </a:extLst>
-          </p:cNvPr>
-          <p:cNvSpPr>
-            <a:spLocks noGrp="1"/>
-          </p:cNvSpPr>
-          <p:nvPr>
-            <p:ph idx="1"/>
-          </p:nvPr>
-        </p:nvSpPr>
-        <p:spPr/>
-        <p:txBody>
-          <a:bodyPr/>
-          <a:lstStyle/>
-          <a:p>
-            <a:r>
-              <a:rPr lang="fr-FR" dirty="0" err="1"/>
-              <a:t>Implicit</a:t>
-            </a:r>
-            <a:r>
-              <a:rPr lang="fr-FR" dirty="0"/>
-              <a:t> flow</a:t>
-            </a:r>
-          </a:p>
-          <a:p>
-            <a:pPr marL="0" indent="0">
-              <a:buNone/>
-            </a:pPr>
-            <a:endParaRPr lang="fr-FR" dirty="0"/>
-          </a:p>
-        </p:txBody>
-      </p:sp>
-      <p:pic>
-        <p:nvPicPr>
-          <p:cNvPr id="5" name="Image 4">
-            <a:extLst>
-              <a:ext uri="{FF2B5EF4-FFF2-40B4-BE49-F238E27FC236}">
-                <a16:creationId xmlns:a16="http://schemas.microsoft.com/office/drawing/2014/main" id="{F7EAC5DF-7BF8-40E2-B014-756FFF0CFE1F}"/>
-              </a:ext>
-            </a:extLst>
-          </p:cNvPr>
-          <p:cNvPicPr>
-            <a:picLocks noChangeAspect="1"/>
-          </p:cNvPicPr>
-          <p:nvPr/>
-        </p:nvPicPr>
-        <p:blipFill>
-          <a:blip r:embed="rId3"/>
-          <a:stretch>
-            <a:fillRect/>
-          </a:stretch>
-        </p:blipFill>
         <p:spPr>
           <a:xfrm>
-            <a:off x="3149557" y="1950193"/>
-            <a:ext cx="5892886" cy="4907807"/>
+            <a:off x="1002956" y="2597579"/>
+            <a:ext cx="10515600" cy="1325563"/>
           </a:xfrm>
-          <a:prstGeom prst="rect">
-            <a:avLst/>
-          </a:prstGeom>
         </p:spPr>
-      </p:pic>
+        <p:txBody>
+          <a:bodyPr>
+            <a:normAutofit fontScale="90000"/>
+          </a:bodyPr>
+          <a:lstStyle/>
+          <a:p>
+            <a:pPr algn="ctr"/>
+            <a:r>
+              <a:rPr lang="fr-FR" dirty="0"/>
+              <a:t>Démo – </a:t>
+            </a:r>
+            <a:r>
+              <a:rPr lang="fr-FR" dirty="0" err="1"/>
+              <a:t>Authorization</a:t>
+            </a:r>
+            <a:r>
+              <a:rPr lang="fr-FR" dirty="0"/>
+              <a:t> code </a:t>
+            </a:r>
+            <a:r>
+              <a:rPr lang="fr-FR" dirty="0" err="1"/>
+              <a:t>grant</a:t>
+            </a:r>
+            <a:r>
+              <a:rPr lang="fr-FR" dirty="0"/>
+              <a:t> flow</a:t>
+            </a:r>
+          </a:p>
+        </p:txBody>
+      </p:sp>
     </p:spTree>
     <p:extLst>
       <p:ext uri="{BB962C8B-B14F-4D97-AF65-F5344CB8AC3E}">
-        <p14:creationId xmlns:p14="http://schemas.microsoft.com/office/powerpoint/2010/main" val="2883769377"/>
+        <p14:creationId xmlns:p14="http://schemas.microsoft.com/office/powerpoint/2010/main" val="1106621923"/>
       </p:ext>
     </p:extLst>
   </p:cSld>
@@ -10648,7 +12311,7 @@
           <p:cNvPr id="2" name="Titre 1">
             <a:extLst>
               <a:ext uri="{FF2B5EF4-FFF2-40B4-BE49-F238E27FC236}">
-                <a16:creationId xmlns:a16="http://schemas.microsoft.com/office/drawing/2014/main" id="{0F65767D-94A7-46D1-8414-6C9097D6F267}"/>
+                <a16:creationId xmlns:a16="http://schemas.microsoft.com/office/drawing/2014/main" id="{7AEE8AF8-CD3C-41FB-A1E4-6BFD425370AC}"/>
               </a:ext>
             </a:extLst>
           </p:cNvPr>
@@ -10659,36 +12322,52 @@
             <p:ph type="title"/>
           </p:nvPr>
         </p:nvSpPr>
-        <p:spPr>
-          <a:xfrm>
-            <a:off x="1002956" y="2597579"/>
-            <a:ext cx="10515600" cy="1325563"/>
-          </a:xfrm>
-        </p:spPr>
+        <p:spPr/>
         <p:txBody>
           <a:bodyPr/>
           <a:lstStyle/>
           <a:p>
-            <a:pPr algn="ctr"/>
-            <a:r>
-              <a:rPr lang="fr-FR" dirty="0"/>
-              <a:t>Démo – </a:t>
-            </a:r>
-            <a:r>
-              <a:rPr lang="fr-FR" dirty="0" err="1"/>
-              <a:t>Implicit</a:t>
-            </a:r>
-            <a:r>
-              <a:rPr lang="fr-FR" dirty="0"/>
-              <a:t> flow</a:t>
+            <a:r>
+              <a:rPr lang="fr-FR" dirty="0"/>
+              <a:t>Principaux flows</a:t>
             </a:r>
           </a:p>
         </p:txBody>
       </p:sp>
+      <p:pic>
+        <p:nvPicPr>
+          <p:cNvPr id="4" name="Image 3">
+            <a:extLst>
+              <a:ext uri="{FF2B5EF4-FFF2-40B4-BE49-F238E27FC236}">
+                <a16:creationId xmlns:a16="http://schemas.microsoft.com/office/drawing/2014/main" id="{40062B06-B898-4222-B660-4C36775A336C}"/>
+              </a:ext>
+            </a:extLst>
+          </p:cNvPr>
+          <p:cNvPicPr>
+            <a:picLocks noChangeAspect="1"/>
+          </p:cNvPicPr>
+          <p:nvPr/>
+        </p:nvPicPr>
+        <p:blipFill>
+          <a:blip r:embed="rId3"/>
+          <a:stretch>
+            <a:fillRect/>
+          </a:stretch>
+        </p:blipFill>
+        <p:spPr>
+          <a:xfrm>
+            <a:off x="2713233" y="1238198"/>
+            <a:ext cx="6765534" cy="5349239"/>
+          </a:xfrm>
+          <a:prstGeom prst="rect">
+            <a:avLst/>
+          </a:prstGeom>
+        </p:spPr>
+      </p:pic>
     </p:spTree>
     <p:extLst>
       <p:ext uri="{BB962C8B-B14F-4D97-AF65-F5344CB8AC3E}">
-        <p14:creationId xmlns:p14="http://schemas.microsoft.com/office/powerpoint/2010/main" val="434051862"/>
+        <p14:creationId xmlns:p14="http://schemas.microsoft.com/office/powerpoint/2010/main" val="2883769377"/>
       </p:ext>
     </p:extLst>
   </p:cSld>

--- a/Prez OIDC.pptx
+++ b/Prez OIDC.pptx
@@ -10240,6 +10240,222 @@
   <p:clrMapOvr>
     <a:masterClrMapping/>
   </p:clrMapOvr>
+  <p:timing>
+    <p:tnLst>
+      <p:par>
+        <p:cTn id="1" dur="indefinite" restart="never" nodeType="tmRoot">
+          <p:childTnLst>
+            <p:seq concurrent="1" nextAc="seek">
+              <p:cTn id="2" dur="indefinite" nodeType="mainSeq">
+                <p:childTnLst>
+                  <p:par>
+                    <p:cTn id="3" fill="hold">
+                      <p:stCondLst>
+                        <p:cond delay="indefinite"/>
+                      </p:stCondLst>
+                      <p:childTnLst>
+                        <p:par>
+                          <p:cTn id="4" fill="hold">
+                            <p:stCondLst>
+                              <p:cond delay="0"/>
+                            </p:stCondLst>
+                            <p:childTnLst>
+                              <p:par>
+                                <p:cTn id="5" presetID="10" presetClass="entr" presetSubtype="0" fill="hold" grpId="0" nodeType="clickEffect">
+                                  <p:stCondLst>
+                                    <p:cond delay="0"/>
+                                  </p:stCondLst>
+                                  <p:childTnLst>
+                                    <p:set>
+                                      <p:cBhvr>
+                                        <p:cTn id="6" dur="1" fill="hold">
+                                          <p:stCondLst>
+                                            <p:cond delay="0"/>
+                                          </p:stCondLst>
+                                        </p:cTn>
+                                        <p:tgtEl>
+                                          <p:spTgt spid="3">
+                                            <p:txEl>
+                                              <p:pRg st="0" end="0"/>
+                                            </p:txEl>
+                                          </p:spTgt>
+                                        </p:tgtEl>
+                                        <p:attrNameLst>
+                                          <p:attrName>style.visibility</p:attrName>
+                                        </p:attrNameLst>
+                                      </p:cBhvr>
+                                      <p:to>
+                                        <p:strVal val="visible"/>
+                                      </p:to>
+                                    </p:set>
+                                    <p:animEffect transition="in" filter="fade">
+                                      <p:cBhvr>
+                                        <p:cTn id="7" dur="500"/>
+                                        <p:tgtEl>
+                                          <p:spTgt spid="3">
+                                            <p:txEl>
+                                              <p:pRg st="0" end="0"/>
+                                            </p:txEl>
+                                          </p:spTgt>
+                                        </p:tgtEl>
+                                      </p:cBhvr>
+                                    </p:animEffect>
+                                  </p:childTnLst>
+                                </p:cTn>
+                              </p:par>
+                            </p:childTnLst>
+                          </p:cTn>
+                        </p:par>
+                      </p:childTnLst>
+                    </p:cTn>
+                  </p:par>
+                  <p:par>
+                    <p:cTn id="8" fill="hold">
+                      <p:stCondLst>
+                        <p:cond delay="indefinite"/>
+                      </p:stCondLst>
+                      <p:childTnLst>
+                        <p:par>
+                          <p:cTn id="9" fill="hold">
+                            <p:stCondLst>
+                              <p:cond delay="0"/>
+                            </p:stCondLst>
+                            <p:childTnLst>
+                              <p:par>
+                                <p:cTn id="10" presetID="10" presetClass="entr" presetSubtype="0" fill="hold" grpId="0" nodeType="clickEffect">
+                                  <p:stCondLst>
+                                    <p:cond delay="0"/>
+                                  </p:stCondLst>
+                                  <p:childTnLst>
+                                    <p:set>
+                                      <p:cBhvr>
+                                        <p:cTn id="11" dur="1" fill="hold">
+                                          <p:stCondLst>
+                                            <p:cond delay="0"/>
+                                          </p:stCondLst>
+                                        </p:cTn>
+                                        <p:tgtEl>
+                                          <p:spTgt spid="3">
+                                            <p:txEl>
+                                              <p:pRg st="1" end="1"/>
+                                            </p:txEl>
+                                          </p:spTgt>
+                                        </p:tgtEl>
+                                        <p:attrNameLst>
+                                          <p:attrName>style.visibility</p:attrName>
+                                        </p:attrNameLst>
+                                      </p:cBhvr>
+                                      <p:to>
+                                        <p:strVal val="visible"/>
+                                      </p:to>
+                                    </p:set>
+                                    <p:animEffect transition="in" filter="fade">
+                                      <p:cBhvr>
+                                        <p:cTn id="12" dur="500"/>
+                                        <p:tgtEl>
+                                          <p:spTgt spid="3">
+                                            <p:txEl>
+                                              <p:pRg st="1" end="1"/>
+                                            </p:txEl>
+                                          </p:spTgt>
+                                        </p:tgtEl>
+                                      </p:cBhvr>
+                                    </p:animEffect>
+                                  </p:childTnLst>
+                                </p:cTn>
+                              </p:par>
+                            </p:childTnLst>
+                          </p:cTn>
+                        </p:par>
+                      </p:childTnLst>
+                    </p:cTn>
+                  </p:par>
+                  <p:par>
+                    <p:cTn id="13" fill="hold">
+                      <p:stCondLst>
+                        <p:cond delay="indefinite"/>
+                      </p:stCondLst>
+                      <p:childTnLst>
+                        <p:par>
+                          <p:cTn id="14" fill="hold">
+                            <p:stCondLst>
+                              <p:cond delay="0"/>
+                            </p:stCondLst>
+                            <p:childTnLst>
+                              <p:par>
+                                <p:cTn id="15" presetID="10" presetClass="entr" presetSubtype="0" fill="hold" grpId="0" nodeType="clickEffect">
+                                  <p:stCondLst>
+                                    <p:cond delay="0"/>
+                                  </p:stCondLst>
+                                  <p:childTnLst>
+                                    <p:set>
+                                      <p:cBhvr>
+                                        <p:cTn id="16" dur="1" fill="hold">
+                                          <p:stCondLst>
+                                            <p:cond delay="0"/>
+                                          </p:stCondLst>
+                                        </p:cTn>
+                                        <p:tgtEl>
+                                          <p:spTgt spid="3">
+                                            <p:txEl>
+                                              <p:pRg st="2" end="2"/>
+                                            </p:txEl>
+                                          </p:spTgt>
+                                        </p:tgtEl>
+                                        <p:attrNameLst>
+                                          <p:attrName>style.visibility</p:attrName>
+                                        </p:attrNameLst>
+                                      </p:cBhvr>
+                                      <p:to>
+                                        <p:strVal val="visible"/>
+                                      </p:to>
+                                    </p:set>
+                                    <p:animEffect transition="in" filter="fade">
+                                      <p:cBhvr>
+                                        <p:cTn id="17" dur="500"/>
+                                        <p:tgtEl>
+                                          <p:spTgt spid="3">
+                                            <p:txEl>
+                                              <p:pRg st="2" end="2"/>
+                                            </p:txEl>
+                                          </p:spTgt>
+                                        </p:tgtEl>
+                                      </p:cBhvr>
+                                    </p:animEffect>
+                                  </p:childTnLst>
+                                </p:cTn>
+                              </p:par>
+                            </p:childTnLst>
+                          </p:cTn>
+                        </p:par>
+                      </p:childTnLst>
+                    </p:cTn>
+                  </p:par>
+                </p:childTnLst>
+              </p:cTn>
+              <p:prevCondLst>
+                <p:cond evt="onPrev" delay="0">
+                  <p:tgtEl>
+                    <p:sldTgt/>
+                  </p:tgtEl>
+                </p:cond>
+              </p:prevCondLst>
+              <p:nextCondLst>
+                <p:cond evt="onNext" delay="0">
+                  <p:tgtEl>
+                    <p:sldTgt/>
+                  </p:tgtEl>
+                </p:cond>
+              </p:nextCondLst>
+            </p:seq>
+          </p:childTnLst>
+        </p:cTn>
+      </p:par>
+    </p:tnLst>
+    <p:bldLst>
+      <p:bldP spid="3" grpId="0" build="p"/>
+    </p:bldLst>
+  </p:timing>
 </p:sld>
 </file>
 
@@ -10397,6 +10613,19 @@
           <a:p>
             <a:r>
               <a:rPr lang="fr-FR" dirty="0"/>
+              <a:t>Client</a:t>
+            </a:r>
+          </a:p>
+          <a:p>
+            <a:pPr lvl="1"/>
+            <a:r>
+              <a:rPr lang="fr-FR" dirty="0"/>
+              <a:t>Initiateur de la demande d’information</a:t>
+            </a:r>
+          </a:p>
+          <a:p>
+            <a:r>
+              <a:rPr lang="fr-FR" dirty="0"/>
               <a:t>OIDC Provider</a:t>
             </a:r>
           </a:p>
@@ -10418,19 +10647,6 @@
             <a:r>
               <a:rPr lang="fr-FR" dirty="0"/>
               <a:t>Ressource à laquelle on souhaite accéder</a:t>
-            </a:r>
-          </a:p>
-          <a:p>
-            <a:r>
-              <a:rPr lang="fr-FR" dirty="0"/>
-              <a:t>Client</a:t>
-            </a:r>
-          </a:p>
-          <a:p>
-            <a:pPr lvl="1"/>
-            <a:r>
-              <a:rPr lang="fr-FR" dirty="0"/>
-              <a:t>Initiateur de la demande d’information</a:t>
             </a:r>
           </a:p>
         </p:txBody>
@@ -10466,7 +10682,7 @@
                             </p:stCondLst>
                             <p:childTnLst>
                               <p:par>
-                                <p:cTn id="5" presetID="10" presetClass="entr" presetSubtype="0" fill="hold" nodeType="clickEffect">
+                                <p:cTn id="5" presetID="10" presetClass="entr" presetSubtype="0" fill="hold" grpId="0" nodeType="clickEffect">
                                   <p:stCondLst>
                                     <p:cond delay="0"/>
                                   </p:stCondLst>
@@ -10509,7 +10725,7 @@
                                 </p:cTn>
                               </p:par>
                               <p:par>
-                                <p:cTn id="8" presetID="10" presetClass="entr" presetSubtype="0" fill="hold" nodeType="withEffect">
+                                <p:cTn id="8" presetID="10" presetClass="entr" presetSubtype="0" fill="hold" grpId="0" nodeType="withEffect">
                                   <p:stCondLst>
                                     <p:cond delay="0"/>
                                   </p:stCondLst>
@@ -10570,7 +10786,7 @@
                             </p:stCondLst>
                             <p:childTnLst>
                               <p:par>
-                                <p:cTn id="13" presetID="10" presetClass="entr" presetSubtype="0" fill="hold" nodeType="clickEffect">
+                                <p:cTn id="13" presetID="10" presetClass="entr" presetSubtype="0" fill="hold" grpId="0" nodeType="clickEffect">
                                   <p:stCondLst>
                                     <p:cond delay="0"/>
                                   </p:stCondLst>
@@ -10613,7 +10829,7 @@
                                 </p:cTn>
                               </p:par>
                               <p:par>
-                                <p:cTn id="16" presetID="10" presetClass="entr" presetSubtype="0" fill="hold" nodeType="withEffect">
+                                <p:cTn id="16" presetID="10" presetClass="entr" presetSubtype="0" fill="hold" grpId="0" nodeType="withEffect">
                                   <p:stCondLst>
                                     <p:cond delay="0"/>
                                   </p:stCondLst>
@@ -10674,7 +10890,7 @@
                             </p:stCondLst>
                             <p:childTnLst>
                               <p:par>
-                                <p:cTn id="21" presetID="10" presetClass="entr" presetSubtype="0" fill="hold" nodeType="clickEffect">
+                                <p:cTn id="21" presetID="10" presetClass="entr" presetSubtype="0" fill="hold" grpId="0" nodeType="clickEffect">
                                   <p:stCondLst>
                                     <p:cond delay="0"/>
                                   </p:stCondLst>
@@ -10717,7 +10933,7 @@
                                 </p:cTn>
                               </p:par>
                               <p:par>
-                                <p:cTn id="24" presetID="10" presetClass="entr" presetSubtype="0" fill="hold" nodeType="withEffect">
+                                <p:cTn id="24" presetID="10" presetClass="entr" presetSubtype="0" fill="hold" grpId="0" nodeType="withEffect">
                                   <p:stCondLst>
                                     <p:cond delay="0"/>
                                   </p:stCondLst>
@@ -10778,7 +10994,7 @@
                             </p:stCondLst>
                             <p:childTnLst>
                               <p:par>
-                                <p:cTn id="29" presetID="10" presetClass="entr" presetSubtype="0" fill="hold" nodeType="clickEffect">
+                                <p:cTn id="29" presetID="10" presetClass="entr" presetSubtype="0" fill="hold" grpId="0" nodeType="clickEffect">
                                   <p:stCondLst>
                                     <p:cond delay="0"/>
                                   </p:stCondLst>
@@ -10821,7 +11037,7 @@
                                 </p:cTn>
                               </p:par>
                               <p:par>
-                                <p:cTn id="32" presetID="10" presetClass="entr" presetSubtype="0" fill="hold" nodeType="withEffect">
+                                <p:cTn id="32" presetID="10" presetClass="entr" presetSubtype="0" fill="hold" grpId="0" nodeType="withEffect">
                                   <p:stCondLst>
                                     <p:cond delay="0"/>
                                   </p:stCondLst>
@@ -10890,6 +11106,9 @@
         </p:cTn>
       </p:par>
     </p:tnLst>
+    <p:bldLst>
+      <p:bldP spid="3" grpId="0" build="p"/>
+    </p:bldLst>
   </p:timing>
 </p:sld>
 </file>
@@ -10957,181 +11176,444 @@
         </p:nvSpPr>
         <p:spPr>
           <a:xfrm>
-            <a:off x="1150078" y="1235034"/>
-            <a:ext cx="10818402" cy="5498275"/>
+            <a:off x="963536" y="1377973"/>
+            <a:ext cx="4895004" cy="5185501"/>
           </a:xfrm>
         </p:spPr>
         <p:txBody>
-          <a:bodyPr>
-            <a:normAutofit fontScale="85000" lnSpcReduction="20000"/>
+          <a:bodyPr numCol="1">
+            <a:noAutofit/>
           </a:bodyPr>
           <a:lstStyle/>
           <a:p>
             <a:r>
-              <a:rPr lang="fr-FR" dirty="0"/>
+              <a:rPr lang="fr-FR" sz="1800" dirty="0" err="1"/>
+              <a:t>Client_id</a:t>
+            </a:r>
+            <a:r>
+              <a:rPr lang="fr-FR" sz="1800" dirty="0"/>
+              <a:t> / Client secret</a:t>
+            </a:r>
+          </a:p>
+          <a:p>
+            <a:pPr lvl="1"/>
+            <a:r>
+              <a:rPr lang="fr-FR" sz="1600" dirty="0" err="1"/>
+              <a:t>Crédentials</a:t>
+            </a:r>
+            <a:r>
+              <a:rPr lang="fr-FR" sz="1600" dirty="0"/>
+              <a:t> de l’application cliente</a:t>
+            </a:r>
+          </a:p>
+          <a:p>
+            <a:r>
+              <a:rPr lang="fr-FR" sz="1800" dirty="0" err="1"/>
+              <a:t>Redirect_uri</a:t>
+            </a:r>
+            <a:endParaRPr lang="fr-FR" sz="1800" dirty="0"/>
+          </a:p>
+          <a:p>
+            <a:pPr lvl="1"/>
+            <a:r>
+              <a:rPr lang="fr-FR" sz="1600" dirty="0"/>
+              <a:t>URL de l’application cliente permettant de récupérer les jetons</a:t>
+            </a:r>
+            <a:endParaRPr lang="fr-FR" sz="1800" dirty="0"/>
+          </a:p>
+          <a:p>
+            <a:r>
+              <a:rPr lang="fr-FR" sz="1800" dirty="0"/>
               <a:t>Scope </a:t>
             </a:r>
           </a:p>
           <a:p>
             <a:pPr lvl="1"/>
             <a:r>
-              <a:rPr lang="fr-FR" dirty="0"/>
+              <a:rPr lang="fr-FR" sz="1600" dirty="0"/>
               <a:t>Périmètre d’information / de ressources</a:t>
             </a:r>
           </a:p>
           <a:p>
             <a:r>
-              <a:rPr lang="fr-FR" dirty="0"/>
+              <a:rPr lang="fr-FR" sz="1800" dirty="0"/>
+              <a:t>State</a:t>
+            </a:r>
+          </a:p>
+          <a:p>
+            <a:pPr lvl="1"/>
+            <a:r>
+              <a:rPr lang="fr-FR" sz="1600" dirty="0"/>
+              <a:t>Conteneur de contexte</a:t>
+            </a:r>
+          </a:p>
+        </p:txBody>
+      </p:sp>
+      <p:sp>
+        <p:nvSpPr>
+          <p:cNvPr id="5" name="Espace réservé du contenu 2">
+            <a:extLst>
+              <a:ext uri="{FF2B5EF4-FFF2-40B4-BE49-F238E27FC236}">
+                <a16:creationId xmlns:a16="http://schemas.microsoft.com/office/drawing/2014/main" id="{32591C57-C0D7-4A93-98EC-3680CDC38989}"/>
+              </a:ext>
+            </a:extLst>
+          </p:cNvPr>
+          <p:cNvSpPr txBox="1">
+            <a:spLocks/>
+          </p:cNvSpPr>
+          <p:nvPr/>
+        </p:nvSpPr>
+        <p:spPr>
+          <a:xfrm>
+            <a:off x="5858540" y="1364154"/>
+            <a:ext cx="5859602" cy="4909054"/>
+          </a:xfrm>
+          <a:prstGeom prst="rect">
+            <a:avLst/>
+          </a:prstGeom>
+        </p:spPr>
+        <p:txBody>
+          <a:bodyPr vert="horz" lIns="91440" tIns="45720" rIns="91440" bIns="45720" numCol="1" rtlCol="0">
+            <a:noAutofit/>
+          </a:bodyPr>
+          <a:lstStyle>
+            <a:lvl1pPr marL="228600" indent="-228600" algn="l" defTabSz="914400" rtl="0" eaLnBrk="1" latinLnBrk="0" hangingPunct="1">
+              <a:lnSpc>
+                <a:spcPct val="110000"/>
+              </a:lnSpc>
+              <a:spcBef>
+                <a:spcPts val="700"/>
+              </a:spcBef>
+              <a:buClr>
+                <a:schemeClr val="tx2"/>
+              </a:buClr>
+              <a:buFont typeface="Arial" panose="020B0604020202020204" pitchFamily="34" charset="0"/>
+              <a:buChar char="•"/>
+              <a:defRPr sz="2000" kern="1200">
+                <a:solidFill>
+                  <a:schemeClr val="tx1">
+                    <a:lumMod val="65000"/>
+                    <a:lumOff val="35000"/>
+                  </a:schemeClr>
+                </a:solidFill>
+                <a:latin typeface="+mn-lt"/>
+                <a:ea typeface="+mn-ea"/>
+                <a:cs typeface="+mn-cs"/>
+              </a:defRPr>
+            </a:lvl1pPr>
+            <a:lvl2pPr marL="685800" indent="-228600" algn="l" defTabSz="914400" rtl="0" eaLnBrk="1" latinLnBrk="0" hangingPunct="1">
+              <a:lnSpc>
+                <a:spcPct val="110000"/>
+              </a:lnSpc>
+              <a:spcBef>
+                <a:spcPts val="700"/>
+              </a:spcBef>
+              <a:buClr>
+                <a:schemeClr val="tx2"/>
+              </a:buClr>
+              <a:buFont typeface="Gill Sans MT" panose="020B0502020104020203" pitchFamily="34" charset="0"/>
+              <a:buChar char="–"/>
+              <a:defRPr sz="1800" kern="1200">
+                <a:solidFill>
+                  <a:schemeClr val="tx1">
+                    <a:lumMod val="65000"/>
+                    <a:lumOff val="35000"/>
+                  </a:schemeClr>
+                </a:solidFill>
+                <a:latin typeface="+mn-lt"/>
+                <a:ea typeface="+mn-ea"/>
+                <a:cs typeface="+mn-cs"/>
+              </a:defRPr>
+            </a:lvl2pPr>
+            <a:lvl3pPr marL="1143000" indent="-228600" algn="l" defTabSz="914400" rtl="0" eaLnBrk="1" latinLnBrk="0" hangingPunct="1">
+              <a:lnSpc>
+                <a:spcPct val="110000"/>
+              </a:lnSpc>
+              <a:spcBef>
+                <a:spcPts val="700"/>
+              </a:spcBef>
+              <a:buClr>
+                <a:schemeClr val="tx2"/>
+              </a:buClr>
+              <a:buFont typeface="Arial" panose="020B0604020202020204" pitchFamily="34" charset="0"/>
+              <a:buChar char="•"/>
+              <a:defRPr sz="1600" kern="1200">
+                <a:solidFill>
+                  <a:schemeClr val="tx1">
+                    <a:lumMod val="65000"/>
+                    <a:lumOff val="35000"/>
+                  </a:schemeClr>
+                </a:solidFill>
+                <a:latin typeface="+mn-lt"/>
+                <a:ea typeface="+mn-ea"/>
+                <a:cs typeface="+mn-cs"/>
+              </a:defRPr>
+            </a:lvl3pPr>
+            <a:lvl4pPr marL="1600200" indent="-228600" algn="l" defTabSz="914400" rtl="0" eaLnBrk="1" latinLnBrk="0" hangingPunct="1">
+              <a:lnSpc>
+                <a:spcPct val="110000"/>
+              </a:lnSpc>
+              <a:spcBef>
+                <a:spcPts val="700"/>
+              </a:spcBef>
+              <a:buClr>
+                <a:schemeClr val="tx2"/>
+              </a:buClr>
+              <a:buFont typeface="Gill Sans MT" panose="020B0502020104020203" pitchFamily="34" charset="0"/>
+              <a:buChar char="–"/>
+              <a:defRPr sz="1400" kern="1200">
+                <a:solidFill>
+                  <a:schemeClr val="tx1">
+                    <a:lumMod val="65000"/>
+                    <a:lumOff val="35000"/>
+                  </a:schemeClr>
+                </a:solidFill>
+                <a:latin typeface="+mn-lt"/>
+                <a:ea typeface="+mn-ea"/>
+                <a:cs typeface="+mn-cs"/>
+              </a:defRPr>
+            </a:lvl4pPr>
+            <a:lvl5pPr marL="2057400" indent="-228600" algn="l" defTabSz="914400" rtl="0" eaLnBrk="1" latinLnBrk="0" hangingPunct="1">
+              <a:lnSpc>
+                <a:spcPct val="110000"/>
+              </a:lnSpc>
+              <a:spcBef>
+                <a:spcPts val="700"/>
+              </a:spcBef>
+              <a:buClr>
+                <a:schemeClr val="tx2"/>
+              </a:buClr>
+              <a:buFont typeface="Arial" panose="020B0604020202020204" pitchFamily="34" charset="0"/>
+              <a:buChar char="•"/>
+              <a:defRPr sz="1400" kern="1200">
+                <a:solidFill>
+                  <a:schemeClr val="tx1">
+                    <a:lumMod val="65000"/>
+                    <a:lumOff val="35000"/>
+                  </a:schemeClr>
+                </a:solidFill>
+                <a:latin typeface="+mn-lt"/>
+                <a:ea typeface="+mn-ea"/>
+                <a:cs typeface="+mn-cs"/>
+              </a:defRPr>
+            </a:lvl5pPr>
+            <a:lvl6pPr marL="2514600" indent="-228600" algn="l" defTabSz="914400" rtl="0" eaLnBrk="1" latinLnBrk="0" hangingPunct="1">
+              <a:lnSpc>
+                <a:spcPct val="110000"/>
+              </a:lnSpc>
+              <a:spcBef>
+                <a:spcPts val="700"/>
+              </a:spcBef>
+              <a:buClr>
+                <a:schemeClr val="tx2"/>
+              </a:buClr>
+              <a:buFont typeface="Gill Sans MT" panose="020B0502020104020203" pitchFamily="34" charset="0"/>
+              <a:buChar char="–"/>
+              <a:defRPr sz="1400" kern="1200">
+                <a:solidFill>
+                  <a:schemeClr val="tx1">
+                    <a:lumMod val="65000"/>
+                    <a:lumOff val="35000"/>
+                  </a:schemeClr>
+                </a:solidFill>
+                <a:latin typeface="+mn-lt"/>
+                <a:ea typeface="+mn-ea"/>
+                <a:cs typeface="+mn-cs"/>
+              </a:defRPr>
+            </a:lvl6pPr>
+            <a:lvl7pPr marL="2971800" indent="-228600" algn="l" defTabSz="914400" rtl="0" eaLnBrk="1" latinLnBrk="0" hangingPunct="1">
+              <a:lnSpc>
+                <a:spcPct val="110000"/>
+              </a:lnSpc>
+              <a:spcBef>
+                <a:spcPts val="700"/>
+              </a:spcBef>
+              <a:buClr>
+                <a:schemeClr val="tx2"/>
+              </a:buClr>
+              <a:buFont typeface="Arial" panose="020B0604020202020204" pitchFamily="34" charset="0"/>
+              <a:buChar char="•"/>
+              <a:defRPr sz="1400" kern="1200">
+                <a:solidFill>
+                  <a:schemeClr val="tx1">
+                    <a:lumMod val="65000"/>
+                    <a:lumOff val="35000"/>
+                  </a:schemeClr>
+                </a:solidFill>
+                <a:latin typeface="+mn-lt"/>
+                <a:ea typeface="+mn-ea"/>
+                <a:cs typeface="+mn-cs"/>
+              </a:defRPr>
+            </a:lvl7pPr>
+            <a:lvl8pPr marL="3429000" indent="-228600" algn="l" defTabSz="914400" rtl="0" eaLnBrk="1" latinLnBrk="0" hangingPunct="1">
+              <a:lnSpc>
+                <a:spcPct val="110000"/>
+              </a:lnSpc>
+              <a:spcBef>
+                <a:spcPts val="700"/>
+              </a:spcBef>
+              <a:buClr>
+                <a:schemeClr val="tx2"/>
+              </a:buClr>
+              <a:buFont typeface="Gill Sans MT" panose="020B0502020104020203" pitchFamily="34" charset="0"/>
+              <a:buChar char="–"/>
+              <a:defRPr sz="1400" kern="1200" baseline="0">
+                <a:solidFill>
+                  <a:schemeClr val="tx1">
+                    <a:lumMod val="65000"/>
+                    <a:lumOff val="35000"/>
+                  </a:schemeClr>
+                </a:solidFill>
+                <a:latin typeface="+mn-lt"/>
+                <a:ea typeface="+mn-ea"/>
+                <a:cs typeface="+mn-cs"/>
+              </a:defRPr>
+            </a:lvl8pPr>
+            <a:lvl9pPr marL="3886200" indent="-228600" algn="l" defTabSz="914400" rtl="0" eaLnBrk="1" latinLnBrk="0" hangingPunct="1">
+              <a:lnSpc>
+                <a:spcPct val="110000"/>
+              </a:lnSpc>
+              <a:spcBef>
+                <a:spcPts val="700"/>
+              </a:spcBef>
+              <a:buClr>
+                <a:schemeClr val="tx2"/>
+              </a:buClr>
+              <a:buFont typeface="Arial" panose="020B0604020202020204" pitchFamily="34" charset="0"/>
+              <a:buChar char="•"/>
+              <a:defRPr sz="1400" kern="1200" baseline="0">
+                <a:solidFill>
+                  <a:schemeClr val="tx1">
+                    <a:lumMod val="65000"/>
+                    <a:lumOff val="35000"/>
+                  </a:schemeClr>
+                </a:solidFill>
+                <a:latin typeface="+mn-lt"/>
+                <a:ea typeface="+mn-ea"/>
+                <a:cs typeface="+mn-cs"/>
+              </a:defRPr>
+            </a:lvl9pPr>
+          </a:lstStyle>
+          <a:p>
+            <a:r>
+              <a:rPr lang="fr-FR" sz="1800" dirty="0" err="1"/>
+              <a:t>Authorization</a:t>
+            </a:r>
+            <a:r>
+              <a:rPr lang="fr-FR" sz="1800" dirty="0"/>
+              <a:t> code</a:t>
+            </a:r>
+          </a:p>
+          <a:p>
+            <a:pPr lvl="1"/>
+            <a:r>
+              <a:rPr lang="fr-FR" sz="1600" dirty="0"/>
+              <a:t>Jeton donnant accès à un </a:t>
+            </a:r>
+            <a:r>
+              <a:rPr lang="fr-FR" sz="1600" dirty="0" err="1"/>
+              <a:t>access</a:t>
+            </a:r>
+            <a:r>
+              <a:rPr lang="fr-FR" sz="1600" dirty="0"/>
+              <a:t> </a:t>
+            </a:r>
+            <a:r>
+              <a:rPr lang="fr-FR" sz="1600" dirty="0" err="1"/>
+              <a:t>token</a:t>
+            </a:r>
+            <a:endParaRPr lang="fr-FR" sz="1600" dirty="0"/>
+          </a:p>
+          <a:p>
+            <a:r>
+              <a:rPr lang="fr-FR" sz="1800" dirty="0"/>
+              <a:t>Id </a:t>
+            </a:r>
+            <a:r>
+              <a:rPr lang="fr-FR" sz="1800" dirty="0" err="1"/>
+              <a:t>token</a:t>
+            </a:r>
+            <a:r>
+              <a:rPr lang="fr-FR" sz="1800" dirty="0"/>
+              <a:t> </a:t>
+            </a:r>
+          </a:p>
+          <a:p>
+            <a:pPr lvl="1"/>
+            <a:r>
+              <a:rPr lang="fr-FR" sz="1600" dirty="0"/>
+              <a:t>Jeton contenant les informations d’identité</a:t>
+            </a:r>
+          </a:p>
+          <a:p>
+            <a:r>
+              <a:rPr lang="fr-FR" sz="1800" dirty="0"/>
               <a:t>Claim </a:t>
             </a:r>
           </a:p>
           <a:p>
             <a:pPr lvl="1"/>
             <a:r>
-              <a:rPr lang="fr-FR" dirty="0"/>
+              <a:rPr lang="fr-FR" sz="1600" dirty="0"/>
               <a:t>Clé / valeur représentant des informations d’identité</a:t>
             </a:r>
           </a:p>
           <a:p>
             <a:r>
-              <a:rPr lang="fr-FR" dirty="0" err="1"/>
-              <a:t>Authorization</a:t>
-            </a:r>
-            <a:r>
-              <a:rPr lang="fr-FR" dirty="0"/>
-              <a:t> code</a:t>
+              <a:rPr lang="fr-FR" sz="1800" dirty="0"/>
+              <a:t>Access </a:t>
+            </a:r>
+            <a:r>
+              <a:rPr lang="fr-FR" sz="1800" dirty="0" err="1"/>
+              <a:t>token</a:t>
+            </a:r>
+            <a:r>
+              <a:rPr lang="fr-FR" sz="1800" dirty="0"/>
+              <a:t> </a:t>
             </a:r>
           </a:p>
           <a:p>
             <a:pPr lvl="1"/>
             <a:r>
-              <a:rPr lang="fr-FR" dirty="0"/>
-              <a:t>Jeton à faible durée de vie donnant accès à un </a:t>
-            </a:r>
-            <a:r>
-              <a:rPr lang="fr-FR" dirty="0" err="1"/>
+              <a:rPr lang="fr-FR" sz="1600" dirty="0"/>
+              <a:t>Jeton contenant les informations d’autorisation</a:t>
+            </a:r>
+            <a:endParaRPr lang="fr-FR" dirty="0"/>
+          </a:p>
+          <a:p>
+            <a:r>
+              <a:rPr lang="fr-FR" sz="1800" dirty="0" err="1"/>
+              <a:t>Refresh</a:t>
+            </a:r>
+            <a:r>
+              <a:rPr lang="fr-FR" sz="1800" dirty="0"/>
+              <a:t> </a:t>
+            </a:r>
+            <a:r>
+              <a:rPr lang="fr-FR" sz="1800" dirty="0" err="1"/>
+              <a:t>token</a:t>
+            </a:r>
+            <a:endParaRPr lang="fr-FR" sz="1800" dirty="0"/>
+          </a:p>
+          <a:p>
+            <a:pPr lvl="1"/>
+            <a:r>
+              <a:rPr lang="fr-FR" sz="1600" dirty="0"/>
+              <a:t>Jeton permettant d’obtenir un nouvel </a:t>
+            </a:r>
+            <a:r>
+              <a:rPr lang="fr-FR" sz="1600" dirty="0" err="1"/>
               <a:t>access</a:t>
             </a:r>
             <a:r>
-              <a:rPr lang="fr-FR" dirty="0"/>
+              <a:rPr lang="fr-FR" sz="1600" dirty="0"/>
               <a:t> </a:t>
             </a:r>
             <a:r>
-              <a:rPr lang="fr-FR" dirty="0" err="1"/>
+              <a:rPr lang="fr-FR" sz="1600" dirty="0" err="1"/>
               <a:t>token</a:t>
             </a:r>
-            <a:endParaRPr lang="fr-FR" dirty="0"/>
-          </a:p>
-          <a:p>
-            <a:r>
-              <a:rPr lang="fr-FR" dirty="0"/>
-              <a:t>Id </a:t>
-            </a:r>
-            <a:r>
-              <a:rPr lang="fr-FR" dirty="0" err="1"/>
-              <a:t>token</a:t>
-            </a:r>
-            <a:r>
-              <a:rPr lang="fr-FR" dirty="0"/>
-              <a:t> </a:t>
-            </a:r>
-          </a:p>
-          <a:p>
-            <a:pPr lvl="1"/>
-            <a:r>
-              <a:rPr lang="fr-FR" dirty="0"/>
-              <a:t>Jeton contenant les informations d’identité</a:t>
-            </a:r>
-          </a:p>
-          <a:p>
-            <a:r>
-              <a:rPr lang="fr-FR" dirty="0"/>
-              <a:t>Access </a:t>
-            </a:r>
-            <a:r>
-              <a:rPr lang="fr-FR" dirty="0" err="1"/>
-              <a:t>token</a:t>
-            </a:r>
-            <a:r>
-              <a:rPr lang="fr-FR" dirty="0"/>
-              <a:t> </a:t>
-            </a:r>
-          </a:p>
-          <a:p>
-            <a:pPr lvl="1"/>
-            <a:r>
-              <a:rPr lang="fr-FR" dirty="0"/>
-              <a:t>Jeton contenant les informations d’autorisation</a:t>
-            </a:r>
-          </a:p>
-          <a:p>
-            <a:r>
-              <a:rPr lang="fr-FR" dirty="0" err="1"/>
-              <a:t>Refresh</a:t>
-            </a:r>
-            <a:r>
-              <a:rPr lang="fr-FR" dirty="0"/>
-              <a:t> </a:t>
-            </a:r>
-            <a:r>
-              <a:rPr lang="fr-FR" dirty="0" err="1"/>
-              <a:t>token</a:t>
-            </a:r>
-            <a:endParaRPr lang="fr-FR" dirty="0"/>
-          </a:p>
-          <a:p>
-            <a:pPr lvl="1"/>
-            <a:r>
-              <a:rPr lang="fr-FR" dirty="0"/>
-              <a:t>Jeton permettant d’obtenir un nouvel </a:t>
-            </a:r>
-            <a:r>
-              <a:rPr lang="fr-FR" dirty="0" err="1"/>
-              <a:t>access</a:t>
-            </a:r>
-            <a:r>
-              <a:rPr lang="fr-FR" dirty="0"/>
-              <a:t> </a:t>
-            </a:r>
-            <a:r>
-              <a:rPr lang="fr-FR" dirty="0" err="1"/>
-              <a:t>token</a:t>
-            </a:r>
-            <a:endParaRPr lang="fr-FR" dirty="0"/>
-          </a:p>
-          <a:p>
-            <a:r>
-              <a:rPr lang="fr-FR" dirty="0"/>
-              <a:t>State</a:t>
-            </a:r>
-          </a:p>
-          <a:p>
-            <a:pPr lvl="1"/>
-            <a:r>
-              <a:rPr lang="fr-FR" dirty="0"/>
-              <a:t>Conteneur de contexte</a:t>
-            </a:r>
-          </a:p>
-          <a:p>
-            <a:pPr lvl="1"/>
-            <a:r>
-              <a:rPr lang="fr-FR" dirty="0"/>
-              <a:t>Anti-CSRF</a:t>
-            </a:r>
-          </a:p>
-          <a:p>
-            <a:r>
-              <a:rPr lang="fr-FR" dirty="0" err="1"/>
-              <a:t>Redirect_uri</a:t>
-            </a:r>
-            <a:endParaRPr lang="fr-FR" dirty="0"/>
-          </a:p>
-          <a:p>
-            <a:pPr lvl="1"/>
-            <a:r>
-              <a:rPr lang="fr-FR" dirty="0"/>
-              <a:t>URL de l’application cliente permettant de récupérer les jetons</a:t>
-            </a:r>
+            <a:endParaRPr lang="fr-FR" sz="1600" dirty="0"/>
           </a:p>
         </p:txBody>
       </p:sp>
@@ -11166,7 +11648,7 @@
                             </p:stCondLst>
                             <p:childTnLst>
                               <p:par>
-                                <p:cTn id="5" presetID="10" presetClass="entr" presetSubtype="0" fill="hold" nodeType="clickEffect">
+                                <p:cTn id="5" presetID="10" presetClass="entr" presetSubtype="0" fill="hold" grpId="0" nodeType="clickEffect">
                                   <p:stCondLst>
                                     <p:cond delay="0"/>
                                   </p:stCondLst>
@@ -11209,7 +11691,7 @@
                                 </p:cTn>
                               </p:par>
                               <p:par>
-                                <p:cTn id="8" presetID="10" presetClass="entr" presetSubtype="0" fill="hold" nodeType="withEffect">
+                                <p:cTn id="8" presetID="10" presetClass="entr" presetSubtype="0" fill="hold" grpId="0" nodeType="withEffect">
                                   <p:stCondLst>
                                     <p:cond delay="0"/>
                                   </p:stCondLst>
@@ -11270,7 +11752,7 @@
                             </p:stCondLst>
                             <p:childTnLst>
                               <p:par>
-                                <p:cTn id="13" presetID="10" presetClass="entr" presetSubtype="0" fill="hold" nodeType="clickEffect">
+                                <p:cTn id="13" presetID="10" presetClass="entr" presetSubtype="0" fill="hold" grpId="0" nodeType="clickEffect">
                                   <p:stCondLst>
                                     <p:cond delay="0"/>
                                   </p:stCondLst>
@@ -11313,7 +11795,7 @@
                                 </p:cTn>
                               </p:par>
                               <p:par>
-                                <p:cTn id="16" presetID="10" presetClass="entr" presetSubtype="0" fill="hold" nodeType="withEffect">
+                                <p:cTn id="16" presetID="10" presetClass="entr" presetSubtype="0" fill="hold" grpId="0" nodeType="withEffect">
                                   <p:stCondLst>
                                     <p:cond delay="0"/>
                                   </p:stCondLst>
@@ -11374,7 +11856,7 @@
                             </p:stCondLst>
                             <p:childTnLst>
                               <p:par>
-                                <p:cTn id="21" presetID="10" presetClass="entr" presetSubtype="0" fill="hold" nodeType="clickEffect">
+                                <p:cTn id="21" presetID="10" presetClass="entr" presetSubtype="0" fill="hold" grpId="0" nodeType="clickEffect">
                                   <p:stCondLst>
                                     <p:cond delay="0"/>
                                   </p:stCondLst>
@@ -11417,7 +11899,7 @@
                                 </p:cTn>
                               </p:par>
                               <p:par>
-                                <p:cTn id="24" presetID="10" presetClass="entr" presetSubtype="0" fill="hold" nodeType="withEffect">
+                                <p:cTn id="24" presetID="10" presetClass="entr" presetSubtype="0" fill="hold" grpId="0" nodeType="withEffect">
                                   <p:stCondLst>
                                     <p:cond delay="0"/>
                                   </p:stCondLst>
@@ -11478,7 +11960,7 @@
                             </p:stCondLst>
                             <p:childTnLst>
                               <p:par>
-                                <p:cTn id="29" presetID="10" presetClass="entr" presetSubtype="0" fill="hold" nodeType="clickEffect">
+                                <p:cTn id="29" presetID="10" presetClass="entr" presetSubtype="0" fill="hold" grpId="0" nodeType="clickEffect">
                                   <p:stCondLst>
                                     <p:cond delay="0"/>
                                   </p:stCondLst>
@@ -11521,7 +12003,7 @@
                                 </p:cTn>
                               </p:par>
                               <p:par>
-                                <p:cTn id="32" presetID="10" presetClass="entr" presetSubtype="0" fill="hold" nodeType="withEffect">
+                                <p:cTn id="32" presetID="10" presetClass="entr" presetSubtype="0" fill="hold" grpId="0" nodeType="withEffect">
                                   <p:stCondLst>
                                     <p:cond delay="0"/>
                                   </p:stCondLst>
@@ -11595,9 +12077,9 @@
                                           </p:stCondLst>
                                         </p:cTn>
                                         <p:tgtEl>
-                                          <p:spTgt spid="3">
+                                          <p:spTgt spid="5">
                                             <p:txEl>
-                                              <p:pRg st="8" end="8"/>
+                                              <p:pRg st="0" end="0"/>
                                             </p:txEl>
                                           </p:spTgt>
                                         </p:tgtEl>
@@ -11613,9 +12095,9 @@
                                       <p:cBhvr>
                                         <p:cTn id="39" dur="500"/>
                                         <p:tgtEl>
-                                          <p:spTgt spid="3">
+                                          <p:spTgt spid="5">
                                             <p:txEl>
-                                              <p:pRg st="8" end="8"/>
+                                              <p:pRg st="0" end="0"/>
                                             </p:txEl>
                                           </p:spTgt>
                                         </p:tgtEl>
@@ -11638,9 +12120,9 @@
                                           </p:stCondLst>
                                         </p:cTn>
                                         <p:tgtEl>
-                                          <p:spTgt spid="3">
+                                          <p:spTgt spid="5">
                                             <p:txEl>
-                                              <p:pRg st="9" end="9"/>
+                                              <p:pRg st="1" end="1"/>
                                             </p:txEl>
                                           </p:spTgt>
                                         </p:tgtEl>
@@ -11656,9 +12138,9 @@
                                       <p:cBhvr>
                                         <p:cTn id="42" dur="500"/>
                                         <p:tgtEl>
-                                          <p:spTgt spid="3">
+                                          <p:spTgt spid="5">
                                             <p:txEl>
-                                              <p:pRg st="9" end="9"/>
+                                              <p:pRg st="1" end="1"/>
                                             </p:txEl>
                                           </p:spTgt>
                                         </p:tgtEl>
@@ -11699,9 +12181,9 @@
                                           </p:stCondLst>
                                         </p:cTn>
                                         <p:tgtEl>
-                                          <p:spTgt spid="3">
+                                          <p:spTgt spid="5">
                                             <p:txEl>
-                                              <p:pRg st="10" end="10"/>
+                                              <p:pRg st="2" end="2"/>
                                             </p:txEl>
                                           </p:spTgt>
                                         </p:tgtEl>
@@ -11717,9 +12199,9 @@
                                       <p:cBhvr>
                                         <p:cTn id="47" dur="500"/>
                                         <p:tgtEl>
-                                          <p:spTgt spid="3">
+                                          <p:spTgt spid="5">
                                             <p:txEl>
-                                              <p:pRg st="10" end="10"/>
+                                              <p:pRg st="2" end="2"/>
                                             </p:txEl>
                                           </p:spTgt>
                                         </p:tgtEl>
@@ -11742,9 +12224,9 @@
                                           </p:stCondLst>
                                         </p:cTn>
                                         <p:tgtEl>
-                                          <p:spTgt spid="3">
+                                          <p:spTgt spid="5">
                                             <p:txEl>
-                                              <p:pRg st="11" end="11"/>
+                                              <p:pRg st="3" end="3"/>
                                             </p:txEl>
                                           </p:spTgt>
                                         </p:tgtEl>
@@ -11760,9 +12242,9 @@
                                       <p:cBhvr>
                                         <p:cTn id="50" dur="500"/>
                                         <p:tgtEl>
-                                          <p:spTgt spid="3">
+                                          <p:spTgt spid="5">
                                             <p:txEl>
-                                              <p:pRg st="11" end="11"/>
+                                              <p:pRg st="3" end="3"/>
                                             </p:txEl>
                                           </p:spTgt>
                                         </p:tgtEl>
@@ -11803,9 +12285,9 @@
                                           </p:stCondLst>
                                         </p:cTn>
                                         <p:tgtEl>
-                                          <p:spTgt spid="3">
+                                          <p:spTgt spid="5">
                                             <p:txEl>
-                                              <p:pRg st="12" end="12"/>
+                                              <p:pRg st="4" end="4"/>
                                             </p:txEl>
                                           </p:spTgt>
                                         </p:tgtEl>
@@ -11821,9 +12303,9 @@
                                       <p:cBhvr>
                                         <p:cTn id="55" dur="500"/>
                                         <p:tgtEl>
-                                          <p:spTgt spid="3">
+                                          <p:spTgt spid="5">
                                             <p:txEl>
-                                              <p:pRg st="12" end="12"/>
+                                              <p:pRg st="4" end="4"/>
                                             </p:txEl>
                                           </p:spTgt>
                                         </p:tgtEl>
@@ -11846,9 +12328,9 @@
                                           </p:stCondLst>
                                         </p:cTn>
                                         <p:tgtEl>
-                                          <p:spTgt spid="3">
+                                          <p:spTgt spid="5">
                                             <p:txEl>
-                                              <p:pRg st="13" end="13"/>
+                                              <p:pRg st="5" end="5"/>
                                             </p:txEl>
                                           </p:spTgt>
                                         </p:tgtEl>
@@ -11864,52 +12346,9 @@
                                       <p:cBhvr>
                                         <p:cTn id="58" dur="500"/>
                                         <p:tgtEl>
-                                          <p:spTgt spid="3">
+                                          <p:spTgt spid="5">
                                             <p:txEl>
-                                              <p:pRg st="13" end="13"/>
-                                            </p:txEl>
-                                          </p:spTgt>
-                                        </p:tgtEl>
-                                      </p:cBhvr>
-                                    </p:animEffect>
-                                  </p:childTnLst>
-                                </p:cTn>
-                              </p:par>
-                              <p:par>
-                                <p:cTn id="59" presetID="10" presetClass="entr" presetSubtype="0" fill="hold" nodeType="withEffect">
-                                  <p:stCondLst>
-                                    <p:cond delay="0"/>
-                                  </p:stCondLst>
-                                  <p:childTnLst>
-                                    <p:set>
-                                      <p:cBhvr>
-                                        <p:cTn id="60" dur="1" fill="hold">
-                                          <p:stCondLst>
-                                            <p:cond delay="0"/>
-                                          </p:stCondLst>
-                                        </p:cTn>
-                                        <p:tgtEl>
-                                          <p:spTgt spid="3">
-                                            <p:txEl>
-                                              <p:pRg st="14" end="14"/>
-                                            </p:txEl>
-                                          </p:spTgt>
-                                        </p:tgtEl>
-                                        <p:attrNameLst>
-                                          <p:attrName>style.visibility</p:attrName>
-                                        </p:attrNameLst>
-                                      </p:cBhvr>
-                                      <p:to>
-                                        <p:strVal val="visible"/>
-                                      </p:to>
-                                    </p:set>
-                                    <p:animEffect transition="in" filter="fade">
-                                      <p:cBhvr>
-                                        <p:cTn id="61" dur="500"/>
-                                        <p:tgtEl>
-                                          <p:spTgt spid="3">
-                                            <p:txEl>
-                                              <p:pRg st="14" end="14"/>
+                                              <p:pRg st="5" end="5"/>
                                             </p:txEl>
                                           </p:spTgt>
                                         </p:tgtEl>
@@ -11925,19 +12364,62 @@
                     </p:cTn>
                   </p:par>
                   <p:par>
-                    <p:cTn id="62" fill="hold">
+                    <p:cTn id="59" fill="hold">
                       <p:stCondLst>
                         <p:cond delay="indefinite"/>
                       </p:stCondLst>
                       <p:childTnLst>
                         <p:par>
-                          <p:cTn id="63" fill="hold">
+                          <p:cTn id="60" fill="hold">
                             <p:stCondLst>
                               <p:cond delay="0"/>
                             </p:stCondLst>
                             <p:childTnLst>
                               <p:par>
-                                <p:cTn id="64" presetID="10" presetClass="entr" presetSubtype="0" fill="hold" nodeType="clickEffect">
+                                <p:cTn id="61" presetID="10" presetClass="entr" presetSubtype="0" fill="hold" nodeType="clickEffect">
+                                  <p:stCondLst>
+                                    <p:cond delay="0"/>
+                                  </p:stCondLst>
+                                  <p:childTnLst>
+                                    <p:set>
+                                      <p:cBhvr>
+                                        <p:cTn id="62" dur="1" fill="hold">
+                                          <p:stCondLst>
+                                            <p:cond delay="0"/>
+                                          </p:stCondLst>
+                                        </p:cTn>
+                                        <p:tgtEl>
+                                          <p:spTgt spid="5">
+                                            <p:txEl>
+                                              <p:pRg st="6" end="6"/>
+                                            </p:txEl>
+                                          </p:spTgt>
+                                        </p:tgtEl>
+                                        <p:attrNameLst>
+                                          <p:attrName>style.visibility</p:attrName>
+                                        </p:attrNameLst>
+                                      </p:cBhvr>
+                                      <p:to>
+                                        <p:strVal val="visible"/>
+                                      </p:to>
+                                    </p:set>
+                                    <p:animEffect transition="in" filter="fade">
+                                      <p:cBhvr>
+                                        <p:cTn id="63" dur="500"/>
+                                        <p:tgtEl>
+                                          <p:spTgt spid="5">
+                                            <p:txEl>
+                                              <p:pRg st="6" end="6"/>
+                                            </p:txEl>
+                                          </p:spTgt>
+                                        </p:tgtEl>
+                                      </p:cBhvr>
+                                    </p:animEffect>
+                                  </p:childTnLst>
+                                </p:cTn>
+                              </p:par>
+                              <p:par>
+                                <p:cTn id="64" presetID="10" presetClass="entr" presetSubtype="0" fill="hold" nodeType="withEffect">
                                   <p:stCondLst>
                                     <p:cond delay="0"/>
                                   </p:stCondLst>
@@ -11950,9 +12432,9 @@
                                           </p:stCondLst>
                                         </p:cTn>
                                         <p:tgtEl>
-                                          <p:spTgt spid="3">
+                                          <p:spTgt spid="5">
                                             <p:txEl>
-                                              <p:pRg st="15" end="15"/>
+                                              <p:pRg st="7" end="7"/>
                                             </p:txEl>
                                           </p:spTgt>
                                         </p:tgtEl>
@@ -11968,9 +12450,9 @@
                                       <p:cBhvr>
                                         <p:cTn id="66" dur="500"/>
                                         <p:tgtEl>
-                                          <p:spTgt spid="3">
+                                          <p:spTgt spid="5">
                                             <p:txEl>
-                                              <p:pRg st="15" end="15"/>
+                                              <p:pRg st="7" end="7"/>
                                             </p:txEl>
                                           </p:spTgt>
                                         </p:tgtEl>
@@ -11979,23 +12461,41 @@
                                   </p:childTnLst>
                                 </p:cTn>
                               </p:par>
+                            </p:childTnLst>
+                          </p:cTn>
+                        </p:par>
+                      </p:childTnLst>
+                    </p:cTn>
+                  </p:par>
+                  <p:par>
+                    <p:cTn id="67" fill="hold">
+                      <p:stCondLst>
+                        <p:cond delay="indefinite"/>
+                      </p:stCondLst>
+                      <p:childTnLst>
+                        <p:par>
+                          <p:cTn id="68" fill="hold">
+                            <p:stCondLst>
+                              <p:cond delay="0"/>
+                            </p:stCondLst>
+                            <p:childTnLst>
                               <p:par>
-                                <p:cTn id="67" presetID="10" presetClass="entr" presetSubtype="0" fill="hold" nodeType="withEffect">
+                                <p:cTn id="69" presetID="10" presetClass="entr" presetSubtype="0" fill="hold" nodeType="clickEffect">
                                   <p:stCondLst>
                                     <p:cond delay="0"/>
                                   </p:stCondLst>
                                   <p:childTnLst>
                                     <p:set>
                                       <p:cBhvr>
-                                        <p:cTn id="68" dur="1" fill="hold">
+                                        <p:cTn id="70" dur="1" fill="hold">
                                           <p:stCondLst>
                                             <p:cond delay="0"/>
                                           </p:stCondLst>
                                         </p:cTn>
                                         <p:tgtEl>
-                                          <p:spTgt spid="3">
+                                          <p:spTgt spid="5">
                                             <p:txEl>
-                                              <p:pRg st="16" end="16"/>
+                                              <p:pRg st="8" end="8"/>
                                             </p:txEl>
                                           </p:spTgt>
                                         </p:tgtEl>
@@ -12009,11 +12509,54 @@
                                     </p:set>
                                     <p:animEffect transition="in" filter="fade">
                                       <p:cBhvr>
-                                        <p:cTn id="69" dur="500"/>
+                                        <p:cTn id="71" dur="500"/>
                                         <p:tgtEl>
-                                          <p:spTgt spid="3">
+                                          <p:spTgt spid="5">
                                             <p:txEl>
-                                              <p:pRg st="16" end="16"/>
+                                              <p:pRg st="8" end="8"/>
+                                            </p:txEl>
+                                          </p:spTgt>
+                                        </p:tgtEl>
+                                      </p:cBhvr>
+                                    </p:animEffect>
+                                  </p:childTnLst>
+                                </p:cTn>
+                              </p:par>
+                              <p:par>
+                                <p:cTn id="72" presetID="10" presetClass="entr" presetSubtype="0" fill="hold" nodeType="withEffect">
+                                  <p:stCondLst>
+                                    <p:cond delay="0"/>
+                                  </p:stCondLst>
+                                  <p:childTnLst>
+                                    <p:set>
+                                      <p:cBhvr>
+                                        <p:cTn id="73" dur="1" fill="hold">
+                                          <p:stCondLst>
+                                            <p:cond delay="0"/>
+                                          </p:stCondLst>
+                                        </p:cTn>
+                                        <p:tgtEl>
+                                          <p:spTgt spid="5">
+                                            <p:txEl>
+                                              <p:pRg st="9" end="9"/>
+                                            </p:txEl>
+                                          </p:spTgt>
+                                        </p:tgtEl>
+                                        <p:attrNameLst>
+                                          <p:attrName>style.visibility</p:attrName>
+                                        </p:attrNameLst>
+                                      </p:cBhvr>
+                                      <p:to>
+                                        <p:strVal val="visible"/>
+                                      </p:to>
+                                    </p:set>
+                                    <p:animEffect transition="in" filter="fade">
+                                      <p:cBhvr>
+                                        <p:cTn id="74" dur="500"/>
+                                        <p:tgtEl>
+                                          <p:spTgt spid="5">
+                                            <p:txEl>
+                                              <p:pRg st="9" end="9"/>
                                             </p:txEl>
                                           </p:spTgt>
                                         </p:tgtEl>
@@ -12049,6 +12592,9 @@
         </p:cTn>
       </p:par>
     </p:tnLst>
+    <p:bldLst>
+      <p:bldP spid="3" grpId="0" build="p"/>
+    </p:bldLst>
   </p:timing>
 </p:sld>
 </file>
@@ -12336,10 +12882,10 @@
       </p:sp>
       <p:pic>
         <p:nvPicPr>
-          <p:cNvPr id="4" name="Image 3">
+          <p:cNvPr id="6" name="Image 5">
             <a:extLst>
               <a:ext uri="{FF2B5EF4-FFF2-40B4-BE49-F238E27FC236}">
-                <a16:creationId xmlns:a16="http://schemas.microsoft.com/office/drawing/2014/main" id="{40062B06-B898-4222-B660-4C36775A336C}"/>
+                <a16:creationId xmlns:a16="http://schemas.microsoft.com/office/drawing/2014/main" id="{91376335-844C-4DBA-B651-0A72258998A4}"/>
               </a:ext>
             </a:extLst>
           </p:cNvPr>
@@ -12356,8 +12902,8 @@
         </p:blipFill>
         <p:spPr>
           <a:xfrm>
-            <a:off x="2713233" y="1238198"/>
-            <a:ext cx="6765534" cy="5349239"/>
+            <a:off x="2460436" y="1244013"/>
+            <a:ext cx="7271129" cy="5339917"/>
           </a:xfrm>
           <a:prstGeom prst="rect">
             <a:avLst/>

--- a/Prez OIDC.pptx
+++ b/Prez OIDC.pptx
@@ -5,7 +5,7 @@
     <p:sldMasterId id="2147483732" r:id="rId1"/>
   </p:sldMasterIdLst>
   <p:notesMasterIdLst>
-    <p:notesMasterId r:id="rId19"/>
+    <p:notesMasterId r:id="rId20"/>
   </p:notesMasterIdLst>
   <p:sldIdLst>
     <p:sldId id="256" r:id="rId2"/>
@@ -20,11 +20,12 @@
     <p:sldId id="268" r:id="rId11"/>
     <p:sldId id="265" r:id="rId12"/>
     <p:sldId id="266" r:id="rId13"/>
-    <p:sldId id="270" r:id="rId14"/>
-    <p:sldId id="269" r:id="rId15"/>
-    <p:sldId id="271" r:id="rId16"/>
-    <p:sldId id="263" r:id="rId17"/>
-    <p:sldId id="264" r:id="rId18"/>
+    <p:sldId id="275" r:id="rId14"/>
+    <p:sldId id="270" r:id="rId15"/>
+    <p:sldId id="269" r:id="rId16"/>
+    <p:sldId id="271" r:id="rId17"/>
+    <p:sldId id="263" r:id="rId18"/>
+    <p:sldId id="264" r:id="rId19"/>
   </p:sldIdLst>
   <p:sldSz cx="12192000" cy="6858000"/>
   <p:notesSz cx="6858000" cy="9144000"/>
@@ -131,10 +132,6 @@
 </p:presentation>
 </file>
 
-<file path=ppt/revisionInfo.xml><?xml version="1.0" encoding="utf-8"?>
-<p1510:revInfo xmlns:a="http://schemas.openxmlformats.org/drawingml/2006/main" xmlns:r="http://schemas.openxmlformats.org/officeDocument/2006/relationships" xmlns:p1510="http://schemas.microsoft.com/office/powerpoint/2015/10/main"/>
-</file>
-
 <file path=ppt/notesMasters/notesMaster1.xml><?xml version="1.0" encoding="utf-8"?>
 <p:notesMaster xmlns:a="http://schemas.openxmlformats.org/drawingml/2006/main" xmlns:r="http://schemas.openxmlformats.org/officeDocument/2006/relationships" xmlns:p="http://schemas.openxmlformats.org/presentationml/2006/main">
   <p:cSld>
@@ -217,7 +214,7 @@
           <a:p>
             <a:fld id="{CEAEE7E3-3747-4852-9FFD-BE8C94A3E538}" type="datetimeFigureOut">
               <a:rPr lang="fr-FR" smtClean="0"/>
-              <a:t>29/06/2018</a:t>
+              <a:t>02/07/2018</a:t>
             </a:fld>
             <a:endParaRPr lang="fr-FR"/>
           </a:p>
@@ -623,13 +620,8 @@
             </a:r>
             <a:r>
               <a:rPr lang="fr-FR" dirty="0"/>
-              <a:t> dans les </a:t>
-            </a:r>
-            <a:r>
-              <a:rPr lang="fr-FR"/>
-              <a:t>projets server</a:t>
-            </a:r>
-            <a:endParaRPr lang="fr-FR" dirty="0"/>
+              <a:t> dans les projets server</a:t>
+            </a:r>
           </a:p>
         </p:txBody>
       </p:sp>
@@ -1053,73 +1045,7 @@
           <a:p>
             <a:r>
               <a:rPr lang="fr-FR" dirty="0"/>
-              <a:t>S</a:t>
-            </a:r>
-          </a:p>
-          <a:p>
-            <a:endParaRPr lang="fr-FR" dirty="0"/>
-          </a:p>
-          <a:p>
-            <a:r>
-              <a:rPr lang="fr-FR" dirty="0" err="1"/>
-              <a:t>Dotnet</a:t>
-            </a:r>
-            <a:r>
-              <a:rPr lang="fr-FR" dirty="0"/>
-              <a:t> new </a:t>
-            </a:r>
-            <a:r>
-              <a:rPr lang="fr-FR" dirty="0" err="1"/>
-              <a:t>webapi</a:t>
-            </a:r>
-            <a:endParaRPr lang="fr-FR" dirty="0"/>
-          </a:p>
-          <a:p>
-            <a:r>
-              <a:rPr lang="fr-FR" dirty="0"/>
-              <a:t>Ajouter le package is4 server</a:t>
-            </a:r>
-          </a:p>
-          <a:p>
-            <a:r>
-              <a:rPr lang="fr-FR" dirty="0"/>
-              <a:t>Ajouter le code dans Configure et </a:t>
-            </a:r>
-            <a:r>
-              <a:rPr lang="fr-FR" dirty="0" err="1"/>
-              <a:t>ConfigureServices</a:t>
-            </a:r>
-            <a:endParaRPr lang="fr-FR" dirty="0"/>
-          </a:p>
-          <a:p>
-            <a:r>
-              <a:rPr lang="fr-FR" dirty="0"/>
-              <a:t>Ajouter scope, client</a:t>
-            </a:r>
-          </a:p>
-          <a:p>
-            <a:endParaRPr lang="fr-FR" dirty="0"/>
-          </a:p>
-          <a:p>
-            <a:r>
-              <a:rPr lang="fr-FR" dirty="0" err="1"/>
-              <a:t>Dotnet</a:t>
-            </a:r>
-            <a:r>
-              <a:rPr lang="fr-FR" dirty="0"/>
-              <a:t> run </a:t>
-            </a:r>
-          </a:p>
-          <a:p>
-            <a:r>
-              <a:rPr lang="fr-FR" dirty="0"/>
-              <a:t>Discovery ?</a:t>
-            </a:r>
-          </a:p>
-          <a:p>
-            <a:r>
-              <a:rPr lang="fr-FR" dirty="0"/>
-              <a:t>Basculer démo web app vers le nouveau OIDC server créé </a:t>
+              <a:t>http://docs.identityserver.io/en/release/index.html</a:t>
             </a:r>
           </a:p>
         </p:txBody>
@@ -1209,6 +1135,72 @@
               <a:t>S</a:t>
             </a:r>
           </a:p>
+          <a:p>
+            <a:endParaRPr lang="fr-FR" dirty="0"/>
+          </a:p>
+          <a:p>
+            <a:r>
+              <a:rPr lang="fr-FR" dirty="0" err="1"/>
+              <a:t>Dotnet</a:t>
+            </a:r>
+            <a:r>
+              <a:rPr lang="fr-FR" dirty="0"/>
+              <a:t> new </a:t>
+            </a:r>
+            <a:r>
+              <a:rPr lang="fr-FR" dirty="0" err="1"/>
+              <a:t>webapi</a:t>
+            </a:r>
+            <a:endParaRPr lang="fr-FR" dirty="0"/>
+          </a:p>
+          <a:p>
+            <a:r>
+              <a:rPr lang="fr-FR" dirty="0"/>
+              <a:t>Ajouter le package is4 server</a:t>
+            </a:r>
+          </a:p>
+          <a:p>
+            <a:r>
+              <a:rPr lang="fr-FR" dirty="0"/>
+              <a:t>Ajouter le code dans Configure et </a:t>
+            </a:r>
+            <a:r>
+              <a:rPr lang="fr-FR" dirty="0" err="1"/>
+              <a:t>ConfigureServices</a:t>
+            </a:r>
+            <a:endParaRPr lang="fr-FR" dirty="0"/>
+          </a:p>
+          <a:p>
+            <a:r>
+              <a:rPr lang="fr-FR" dirty="0"/>
+              <a:t>Ajouter scope, client</a:t>
+            </a:r>
+          </a:p>
+          <a:p>
+            <a:endParaRPr lang="fr-FR" dirty="0"/>
+          </a:p>
+          <a:p>
+            <a:r>
+              <a:rPr lang="fr-FR" dirty="0" err="1"/>
+              <a:t>Dotnet</a:t>
+            </a:r>
+            <a:r>
+              <a:rPr lang="fr-FR" dirty="0"/>
+              <a:t> run </a:t>
+            </a:r>
+          </a:p>
+          <a:p>
+            <a:r>
+              <a:rPr lang="fr-FR" dirty="0"/>
+              <a:t>Discovery ?</a:t>
+            </a:r>
+          </a:p>
+          <a:p>
+            <a:r>
+              <a:rPr lang="fr-FR" dirty="0"/>
+              <a:t>Basculer démo web app vers le nouveau OIDC server créé </a:t>
+            </a:r>
+          </a:p>
         </p:txBody>
       </p:sp>
       <p:sp>
@@ -1237,7 +1229,7 @@
     </p:spTree>
     <p:extLst>
       <p:ext uri="{BB962C8B-B14F-4D97-AF65-F5344CB8AC3E}">
-        <p14:creationId xmlns:p14="http://schemas.microsoft.com/office/powerpoint/2010/main" val="1614864561"/>
+        <p14:creationId xmlns:p14="http://schemas.microsoft.com/office/powerpoint/2010/main" val="2561313722"/>
       </p:ext>
     </p:extLst>
   </p:cSld>
@@ -1293,7 +1285,7 @@
           <a:p>
             <a:r>
               <a:rPr lang="fr-FR" dirty="0"/>
-              <a:t>J</a:t>
+              <a:t>S</a:t>
             </a:r>
           </a:p>
         </p:txBody>
@@ -1315,7 +1307,7 @@
           <a:p>
             <a:fld id="{D02987CE-69F8-438B-A16B-8F9D28B89917}" type="slidenum">
               <a:rPr lang="fr-FR" smtClean="0"/>
-              <a:t>16</a:t>
+              <a:t>14</a:t>
             </a:fld>
             <a:endParaRPr lang="fr-FR"/>
           </a:p>
@@ -1324,7 +1316,7 @@
     </p:spTree>
     <p:extLst>
       <p:ext uri="{BB962C8B-B14F-4D97-AF65-F5344CB8AC3E}">
-        <p14:creationId xmlns:p14="http://schemas.microsoft.com/office/powerpoint/2010/main" val="1022295303"/>
+        <p14:creationId xmlns:p14="http://schemas.microsoft.com/office/powerpoint/2010/main" val="1614864561"/>
       </p:ext>
     </p:extLst>
   </p:cSld>
@@ -1380,7 +1372,7 @@
           <a:p>
             <a:r>
               <a:rPr lang="fr-FR" dirty="0"/>
-              <a:t>S</a:t>
+              <a:t>J</a:t>
             </a:r>
           </a:p>
         </p:txBody>
@@ -1403,6 +1395,93 @@
             <a:fld id="{D02987CE-69F8-438B-A16B-8F9D28B89917}" type="slidenum">
               <a:rPr lang="fr-FR" smtClean="0"/>
               <a:t>17</a:t>
+            </a:fld>
+            <a:endParaRPr lang="fr-FR"/>
+          </a:p>
+        </p:txBody>
+      </p:sp>
+    </p:spTree>
+    <p:extLst>
+      <p:ext uri="{BB962C8B-B14F-4D97-AF65-F5344CB8AC3E}">
+        <p14:creationId xmlns:p14="http://schemas.microsoft.com/office/powerpoint/2010/main" val="1022295303"/>
+      </p:ext>
+    </p:extLst>
+  </p:cSld>
+  <p:clrMapOvr>
+    <a:masterClrMapping/>
+  </p:clrMapOvr>
+</p:notes>
+</file>
+
+<file path=ppt/notesSlides/notesSlide16.xml><?xml version="1.0" encoding="utf-8"?>
+<p:notes xmlns:a="http://schemas.openxmlformats.org/drawingml/2006/main" xmlns:r="http://schemas.openxmlformats.org/officeDocument/2006/relationships" xmlns:p="http://schemas.openxmlformats.org/presentationml/2006/main">
+  <p:cSld>
+    <p:spTree>
+      <p:nvGrpSpPr>
+        <p:cNvPr id="1" name=""/>
+        <p:cNvGrpSpPr/>
+        <p:nvPr/>
+      </p:nvGrpSpPr>
+      <p:grpSpPr>
+        <a:xfrm>
+          <a:off x="0" y="0"/>
+          <a:ext cx="0" cy="0"/>
+          <a:chOff x="0" y="0"/>
+          <a:chExt cx="0" cy="0"/>
+        </a:xfrm>
+      </p:grpSpPr>
+      <p:sp>
+        <p:nvSpPr>
+          <p:cNvPr id="2" name="Espace réservé de l'image des diapositives 1"/>
+          <p:cNvSpPr>
+            <a:spLocks noGrp="1" noRot="1" noChangeAspect="1"/>
+          </p:cNvSpPr>
+          <p:nvPr>
+            <p:ph type="sldImg"/>
+          </p:nvPr>
+        </p:nvSpPr>
+        <p:spPr/>
+      </p:sp>
+      <p:sp>
+        <p:nvSpPr>
+          <p:cNvPr id="3" name="Espace réservé des notes 2"/>
+          <p:cNvSpPr>
+            <a:spLocks noGrp="1"/>
+          </p:cNvSpPr>
+          <p:nvPr>
+            <p:ph type="body" idx="1"/>
+          </p:nvPr>
+        </p:nvSpPr>
+        <p:spPr/>
+        <p:txBody>
+          <a:bodyPr/>
+          <a:lstStyle/>
+          <a:p>
+            <a:r>
+              <a:rPr lang="fr-FR" dirty="0"/>
+              <a:t>S</a:t>
+            </a:r>
+          </a:p>
+        </p:txBody>
+      </p:sp>
+      <p:sp>
+        <p:nvSpPr>
+          <p:cNvPr id="4" name="Espace réservé du numéro de diapositive 3"/>
+          <p:cNvSpPr>
+            <a:spLocks noGrp="1"/>
+          </p:cNvSpPr>
+          <p:nvPr>
+            <p:ph type="sldNum" sz="quarter" idx="10"/>
+          </p:nvPr>
+        </p:nvSpPr>
+        <p:spPr/>
+        <p:txBody>
+          <a:bodyPr/>
+          <a:lstStyle/>
+          <a:p>
+            <a:fld id="{D02987CE-69F8-438B-A16B-8F9D28B89917}" type="slidenum">
+              <a:rPr lang="fr-FR" smtClean="0"/>
+              <a:t>18</a:t>
             </a:fld>
             <a:endParaRPr lang="fr-FR"/>
           </a:p>
@@ -3536,7 +3615,7 @@
           <a:p>
             <a:fld id="{F5DE3747-A71A-4323-B182-59653B97B97C}" type="datetimeFigureOut">
               <a:rPr lang="fr-FR" smtClean="0"/>
-              <a:t>29/06/2018</a:t>
+              <a:t>02/07/2018</a:t>
             </a:fld>
             <a:endParaRPr lang="fr-FR"/>
           </a:p>
@@ -3774,7 +3853,7 @@
           <a:p>
             <a:fld id="{F5DE3747-A71A-4323-B182-59653B97B97C}" type="datetimeFigureOut">
               <a:rPr lang="fr-FR" smtClean="0"/>
-              <a:t>29/06/2018</a:t>
+              <a:t>02/07/2018</a:t>
             </a:fld>
             <a:endParaRPr lang="fr-FR"/>
           </a:p>
@@ -3954,7 +4033,7 @@
           <a:p>
             <a:fld id="{F5DE3747-A71A-4323-B182-59653B97B97C}" type="datetimeFigureOut">
               <a:rPr lang="fr-FR" smtClean="0"/>
-              <a:t>29/06/2018</a:t>
+              <a:t>02/07/2018</a:t>
             </a:fld>
             <a:endParaRPr lang="fr-FR"/>
           </a:p>
@@ -4124,7 +4203,7 @@
           <a:p>
             <a:fld id="{F5DE3747-A71A-4323-B182-59653B97B97C}" type="datetimeFigureOut">
               <a:rPr lang="fr-FR" smtClean="0"/>
-              <a:t>29/06/2018</a:t>
+              <a:t>02/07/2018</a:t>
             </a:fld>
             <a:endParaRPr lang="fr-FR"/>
           </a:p>
@@ -4400,7 +4479,7 @@
           <a:p>
             <a:fld id="{F5DE3747-A71A-4323-B182-59653B97B97C}" type="datetimeFigureOut">
               <a:rPr lang="fr-FR" smtClean="0"/>
-              <a:t>29/06/2018</a:t>
+              <a:t>02/07/2018</a:t>
             </a:fld>
             <a:endParaRPr lang="fr-FR"/>
           </a:p>
@@ -5601,7 +5680,7 @@
           <a:p>
             <a:fld id="{F5DE3747-A71A-4323-B182-59653B97B97C}" type="datetimeFigureOut">
               <a:rPr lang="fr-FR" smtClean="0"/>
-              <a:t>29/06/2018</a:t>
+              <a:t>02/07/2018</a:t>
             </a:fld>
             <a:endParaRPr lang="fr-FR"/>
           </a:p>
@@ -5991,7 +6070,7 @@
           <a:p>
             <a:fld id="{F5DE3747-A71A-4323-B182-59653B97B97C}" type="datetimeFigureOut">
               <a:rPr lang="fr-FR" smtClean="0"/>
-              <a:t>29/06/2018</a:t>
+              <a:t>02/07/2018</a:t>
             </a:fld>
             <a:endParaRPr lang="fr-FR"/>
           </a:p>
@@ -6114,7 +6193,7 @@
           <a:p>
             <a:fld id="{F5DE3747-A71A-4323-B182-59653B97B97C}" type="datetimeFigureOut">
               <a:rPr lang="fr-FR" smtClean="0"/>
-              <a:t>29/06/2018</a:t>
+              <a:t>02/07/2018</a:t>
             </a:fld>
             <a:endParaRPr lang="fr-FR"/>
           </a:p>
@@ -6209,7 +6288,7 @@
           <a:p>
             <a:fld id="{F5DE3747-A71A-4323-B182-59653B97B97C}" type="datetimeFigureOut">
               <a:rPr lang="fr-FR" smtClean="0"/>
-              <a:t>29/06/2018</a:t>
+              <a:t>02/07/2018</a:t>
             </a:fld>
             <a:endParaRPr lang="fr-FR"/>
           </a:p>
@@ -6972,7 +7051,7 @@
           <a:p>
             <a:fld id="{F5DE3747-A71A-4323-B182-59653B97B97C}" type="datetimeFigureOut">
               <a:rPr lang="fr-FR" smtClean="0"/>
-              <a:t>29/06/2018</a:t>
+              <a:t>02/07/2018</a:t>
             </a:fld>
             <a:endParaRPr lang="fr-FR"/>
           </a:p>
@@ -7812,7 +7891,7 @@
           <a:p>
             <a:fld id="{F5DE3747-A71A-4323-B182-59653B97B97C}" type="datetimeFigureOut">
               <a:rPr lang="fr-FR" smtClean="0"/>
-              <a:t>29/06/2018</a:t>
+              <a:t>02/07/2018</a:t>
             </a:fld>
             <a:endParaRPr lang="fr-FR"/>
           </a:p>
@@ -8039,7 +8118,7 @@
           <a:p>
             <a:fld id="{F5DE3747-A71A-4323-B182-59653B97B97C}" type="datetimeFigureOut">
               <a:rPr lang="fr-FR" smtClean="0"/>
-              <a:t>29/06/2018</a:t>
+              <a:t>02/07/2018</a:t>
             </a:fld>
             <a:endParaRPr lang="fr-FR"/>
           </a:p>
@@ -9676,14 +9755,14 @@
         </p:spPr>
         <p:txBody>
           <a:bodyPr>
-            <a:normAutofit fontScale="90000"/>
+            <a:normAutofit/>
           </a:bodyPr>
           <a:lstStyle/>
           <a:p>
             <a:pPr algn="ctr"/>
             <a:r>
               <a:rPr lang="fr-FR" dirty="0"/>
-              <a:t>Démo – Mise en place d’un serveur OIDC</a:t>
+              <a:t>Identity server 4</a:t>
             </a:r>
           </a:p>
         </p:txBody>
@@ -9741,13 +9820,15 @@
           </a:xfrm>
         </p:spPr>
         <p:txBody>
-          <a:bodyPr/>
+          <a:bodyPr>
+            <a:normAutofit fontScale="90000"/>
+          </a:bodyPr>
           <a:lstStyle/>
           <a:p>
             <a:pPr algn="ctr"/>
             <a:r>
               <a:rPr lang="fr-FR" dirty="0"/>
-              <a:t>Questions ?</a:t>
+              <a:t>Démo – Mise en place d’un serveur OIDC</a:t>
             </a:r>
           </a:p>
         </p:txBody>
@@ -9755,7 +9836,7 @@
     </p:spTree>
     <p:extLst>
       <p:ext uri="{BB962C8B-B14F-4D97-AF65-F5344CB8AC3E}">
-        <p14:creationId xmlns:p14="http://schemas.microsoft.com/office/powerpoint/2010/main" val="2593654319"/>
+        <p14:creationId xmlns:p14="http://schemas.microsoft.com/office/powerpoint/2010/main" val="2605461031"/>
       </p:ext>
     </p:extLst>
   </p:cSld>
@@ -9798,94 +9879,20 @@
             <p:ph type="title"/>
           </p:nvPr>
         </p:nvSpPr>
-        <p:spPr/>
+        <p:spPr>
+          <a:xfrm>
+            <a:off x="1002956" y="2597579"/>
+            <a:ext cx="10515600" cy="1325563"/>
+          </a:xfrm>
+        </p:spPr>
         <p:txBody>
           <a:bodyPr/>
           <a:lstStyle/>
           <a:p>
-            <a:r>
-              <a:rPr lang="fr-FR" dirty="0" err="1"/>
-              <a:t>Resources</a:t>
-            </a:r>
-            <a:endParaRPr lang="fr-FR" dirty="0"/>
-          </a:p>
-        </p:txBody>
-      </p:sp>
-      <p:sp>
-        <p:nvSpPr>
-          <p:cNvPr id="3" name="Espace réservé du contenu 2">
-            <a:extLst>
-              <a:ext uri="{FF2B5EF4-FFF2-40B4-BE49-F238E27FC236}">
-                <a16:creationId xmlns:a16="http://schemas.microsoft.com/office/drawing/2014/main" id="{6EB4873E-33B9-448D-93BC-D8155AEB07D4}"/>
-              </a:ext>
-            </a:extLst>
-          </p:cNvPr>
-          <p:cNvSpPr>
-            <a:spLocks noGrp="1"/>
-          </p:cNvSpPr>
-          <p:nvPr>
-            <p:ph idx="1"/>
-          </p:nvPr>
-        </p:nvSpPr>
-        <p:spPr/>
-        <p:txBody>
-          <a:bodyPr/>
-          <a:lstStyle/>
-          <a:p>
-            <a:r>
-              <a:rPr lang="fr-FR" dirty="0">
-                <a:hlinkClick r:id="rId2"/>
-              </a:rPr>
-              <a:t>https://openid.net/</a:t>
-            </a:r>
+            <a:pPr algn="ctr"/>
             <a:r>
               <a:rPr lang="fr-FR" dirty="0"/>
-              <a:t> </a:t>
-            </a:r>
-          </a:p>
-          <a:p>
-            <a:r>
-              <a:rPr lang="fr-FR" dirty="0">
-                <a:hlinkClick r:id="rId3"/>
-              </a:rPr>
-              <a:t>http://openid.net/specs/openid-connect-core-1_0.html</a:t>
-            </a:r>
-            <a:r>
-              <a:rPr lang="fr-FR" dirty="0"/>
-              <a:t> </a:t>
-            </a:r>
-          </a:p>
-          <a:p>
-            <a:r>
-              <a:rPr lang="fr-FR" dirty="0">
-                <a:hlinkClick r:id="rId4"/>
-              </a:rPr>
-              <a:t>http://www.bubblecode.net/fr/2016/01/22/comprendre-oauth2/</a:t>
-            </a:r>
-            <a:r>
-              <a:rPr lang="fr-FR" dirty="0"/>
-              <a:t> </a:t>
-            </a:r>
-          </a:p>
-          <a:p>
-            <a:r>
-              <a:rPr lang="fr-FR" dirty="0">
-                <a:hlinkClick r:id="rId5"/>
-              </a:rPr>
-              <a:t>http://docs.identityserver.io/en/release/</a:t>
-            </a:r>
-            <a:endParaRPr lang="fr-FR" dirty="0"/>
-          </a:p>
-          <a:p>
-            <a:r>
-              <a:rPr lang="fr-FR" dirty="0">
-                <a:hlinkClick r:id="rId6"/>
-              </a:rPr>
-              <a:t>http://demo.identityserver.io</a:t>
-            </a:r>
-            <a:r>
-              <a:rPr lang="fr-FR" dirty="0"/>
-              <a:t> </a:t>
+              <a:t>Questions ?</a:t>
             </a:r>
           </a:p>
         </p:txBody>
@@ -9893,7 +9900,7 @@
     </p:spTree>
     <p:extLst>
       <p:ext uri="{BB962C8B-B14F-4D97-AF65-F5344CB8AC3E}">
-        <p14:creationId xmlns:p14="http://schemas.microsoft.com/office/powerpoint/2010/main" val="2674059548"/>
+        <p14:creationId xmlns:p14="http://schemas.microsoft.com/office/powerpoint/2010/main" val="2593654319"/>
       </p:ext>
     </p:extLst>
   </p:cSld>
@@ -9925,6 +9932,144 @@
           <p:cNvPr id="2" name="Titre 1">
             <a:extLst>
               <a:ext uri="{FF2B5EF4-FFF2-40B4-BE49-F238E27FC236}">
+                <a16:creationId xmlns:a16="http://schemas.microsoft.com/office/drawing/2014/main" id="{0F65767D-94A7-46D1-8414-6C9097D6F267}"/>
+              </a:ext>
+            </a:extLst>
+          </p:cNvPr>
+          <p:cNvSpPr>
+            <a:spLocks noGrp="1"/>
+          </p:cNvSpPr>
+          <p:nvPr>
+            <p:ph type="title"/>
+          </p:nvPr>
+        </p:nvSpPr>
+        <p:spPr/>
+        <p:txBody>
+          <a:bodyPr/>
+          <a:lstStyle/>
+          <a:p>
+            <a:r>
+              <a:rPr lang="fr-FR" dirty="0" err="1"/>
+              <a:t>Resources</a:t>
+            </a:r>
+            <a:endParaRPr lang="fr-FR" dirty="0"/>
+          </a:p>
+        </p:txBody>
+      </p:sp>
+      <p:sp>
+        <p:nvSpPr>
+          <p:cNvPr id="3" name="Espace réservé du contenu 2">
+            <a:extLst>
+              <a:ext uri="{FF2B5EF4-FFF2-40B4-BE49-F238E27FC236}">
+                <a16:creationId xmlns:a16="http://schemas.microsoft.com/office/drawing/2014/main" id="{6EB4873E-33B9-448D-93BC-D8155AEB07D4}"/>
+              </a:ext>
+            </a:extLst>
+          </p:cNvPr>
+          <p:cNvSpPr>
+            <a:spLocks noGrp="1"/>
+          </p:cNvSpPr>
+          <p:nvPr>
+            <p:ph idx="1"/>
+          </p:nvPr>
+        </p:nvSpPr>
+        <p:spPr/>
+        <p:txBody>
+          <a:bodyPr/>
+          <a:lstStyle/>
+          <a:p>
+            <a:r>
+              <a:rPr lang="fr-FR" dirty="0">
+                <a:hlinkClick r:id="rId2"/>
+              </a:rPr>
+              <a:t>https://openid.net/</a:t>
+            </a:r>
+            <a:r>
+              <a:rPr lang="fr-FR" dirty="0"/>
+              <a:t> </a:t>
+            </a:r>
+          </a:p>
+          <a:p>
+            <a:r>
+              <a:rPr lang="fr-FR" dirty="0">
+                <a:hlinkClick r:id="rId3"/>
+              </a:rPr>
+              <a:t>http://openid.net/specs/openid-connect-core-1_0.html</a:t>
+            </a:r>
+            <a:r>
+              <a:rPr lang="fr-FR" dirty="0"/>
+              <a:t> </a:t>
+            </a:r>
+          </a:p>
+          <a:p>
+            <a:r>
+              <a:rPr lang="fr-FR" dirty="0">
+                <a:hlinkClick r:id="rId4"/>
+              </a:rPr>
+              <a:t>http://www.bubblecode.net/fr/2016/01/22/comprendre-oauth2/</a:t>
+            </a:r>
+            <a:r>
+              <a:rPr lang="fr-FR" dirty="0"/>
+              <a:t> </a:t>
+            </a:r>
+          </a:p>
+          <a:p>
+            <a:r>
+              <a:rPr lang="fr-FR" dirty="0">
+                <a:hlinkClick r:id="rId5"/>
+              </a:rPr>
+              <a:t>http://docs.identityserver.io/en/release/</a:t>
+            </a:r>
+            <a:endParaRPr lang="fr-FR" dirty="0"/>
+          </a:p>
+          <a:p>
+            <a:r>
+              <a:rPr lang="fr-FR" dirty="0">
+                <a:hlinkClick r:id="rId6"/>
+              </a:rPr>
+              <a:t>http://demo.identityserver.io</a:t>
+            </a:r>
+            <a:r>
+              <a:rPr lang="fr-FR" dirty="0"/>
+              <a:t> </a:t>
+            </a:r>
+          </a:p>
+        </p:txBody>
+      </p:sp>
+    </p:spTree>
+    <p:extLst>
+      <p:ext uri="{BB962C8B-B14F-4D97-AF65-F5344CB8AC3E}">
+        <p14:creationId xmlns:p14="http://schemas.microsoft.com/office/powerpoint/2010/main" val="2674059548"/>
+      </p:ext>
+    </p:extLst>
+  </p:cSld>
+  <p:clrMapOvr>
+    <a:masterClrMapping/>
+  </p:clrMapOvr>
+</p:sld>
+</file>
+
+<file path=ppt/slides/slide16.xml><?xml version="1.0" encoding="utf-8"?>
+<p:sld xmlns:a="http://schemas.openxmlformats.org/drawingml/2006/main" xmlns:r="http://schemas.openxmlformats.org/officeDocument/2006/relationships" xmlns:p="http://schemas.openxmlformats.org/presentationml/2006/main">
+  <p:cSld>
+    <p:spTree>
+      <p:nvGrpSpPr>
+        <p:cNvPr id="1" name=""/>
+        <p:cNvGrpSpPr/>
+        <p:nvPr/>
+      </p:nvGrpSpPr>
+      <p:grpSpPr>
+        <a:xfrm>
+          <a:off x="0" y="0"/>
+          <a:ext cx="0" cy="0"/>
+          <a:chOff x="0" y="0"/>
+          <a:chExt cx="0" cy="0"/>
+        </a:xfrm>
+      </p:grpSpPr>
+      <p:sp>
+        <p:nvSpPr>
+          <p:cNvPr id="2" name="Titre 1">
+            <a:extLst>
+              <a:ext uri="{FF2B5EF4-FFF2-40B4-BE49-F238E27FC236}">
                 <a16:creationId xmlns:a16="http://schemas.microsoft.com/office/drawing/2014/main" id="{A8FD2F15-9092-4F85-8B09-B6FCCE3C37A7}"/>
               </a:ext>
             </a:extLst>
@@ -9966,7 +10111,7 @@
 </p:sld>
 </file>
 
-<file path=ppt/slides/slide16.xml><?xml version="1.0" encoding="utf-8"?>
+<file path=ppt/slides/slide17.xml><?xml version="1.0" encoding="utf-8"?>
 <p:sld xmlns:a="http://schemas.openxmlformats.org/drawingml/2006/main" xmlns:r="http://schemas.openxmlformats.org/officeDocument/2006/relationships" xmlns:p="http://schemas.openxmlformats.org/presentationml/2006/main">
   <p:cSld>
     <p:spTree>
@@ -10054,7 +10199,7 @@
 </p:sld>
 </file>
 
-<file path=ppt/slides/slide17.xml><?xml version="1.0" encoding="utf-8"?>
+<file path=ppt/slides/slide18.xml><?xml version="1.0" encoding="utf-8"?>
 <p:sld xmlns:a="http://schemas.openxmlformats.org/drawingml/2006/main" xmlns:r="http://schemas.openxmlformats.org/officeDocument/2006/relationships" xmlns:p="http://schemas.openxmlformats.org/presentationml/2006/main">
   <p:cSld>
     <p:spTree>

--- a/Prez OIDC.pptx
+++ b/Prez OIDC.pptx
@@ -214,7 +214,7 @@
           <a:p>
             <a:fld id="{CEAEE7E3-3747-4852-9FFD-BE8C94A3E538}" type="datetimeFigureOut">
               <a:rPr lang="fr-FR" smtClean="0"/>
-              <a:t>02/07/2018</a:t>
+              <a:t>04/07/2018</a:t>
             </a:fld>
             <a:endParaRPr lang="fr-FR"/>
           </a:p>
@@ -3615,7 +3615,7 @@
           <a:p>
             <a:fld id="{F5DE3747-A71A-4323-B182-59653B97B97C}" type="datetimeFigureOut">
               <a:rPr lang="fr-FR" smtClean="0"/>
-              <a:t>02/07/2018</a:t>
+              <a:t>04/07/2018</a:t>
             </a:fld>
             <a:endParaRPr lang="fr-FR"/>
           </a:p>
@@ -3853,7 +3853,7 @@
           <a:p>
             <a:fld id="{F5DE3747-A71A-4323-B182-59653B97B97C}" type="datetimeFigureOut">
               <a:rPr lang="fr-FR" smtClean="0"/>
-              <a:t>02/07/2018</a:t>
+              <a:t>04/07/2018</a:t>
             </a:fld>
             <a:endParaRPr lang="fr-FR"/>
           </a:p>
@@ -4033,7 +4033,7 @@
           <a:p>
             <a:fld id="{F5DE3747-A71A-4323-B182-59653B97B97C}" type="datetimeFigureOut">
               <a:rPr lang="fr-FR" smtClean="0"/>
-              <a:t>02/07/2018</a:t>
+              <a:t>04/07/2018</a:t>
             </a:fld>
             <a:endParaRPr lang="fr-FR"/>
           </a:p>
@@ -4203,7 +4203,7 @@
           <a:p>
             <a:fld id="{F5DE3747-A71A-4323-B182-59653B97B97C}" type="datetimeFigureOut">
               <a:rPr lang="fr-FR" smtClean="0"/>
-              <a:t>02/07/2018</a:t>
+              <a:t>04/07/2018</a:t>
             </a:fld>
             <a:endParaRPr lang="fr-FR"/>
           </a:p>
@@ -4479,7 +4479,7 @@
           <a:p>
             <a:fld id="{F5DE3747-A71A-4323-B182-59653B97B97C}" type="datetimeFigureOut">
               <a:rPr lang="fr-FR" smtClean="0"/>
-              <a:t>02/07/2018</a:t>
+              <a:t>04/07/2018</a:t>
             </a:fld>
             <a:endParaRPr lang="fr-FR"/>
           </a:p>
@@ -5680,7 +5680,7 @@
           <a:p>
             <a:fld id="{F5DE3747-A71A-4323-B182-59653B97B97C}" type="datetimeFigureOut">
               <a:rPr lang="fr-FR" smtClean="0"/>
-              <a:t>02/07/2018</a:t>
+              <a:t>04/07/2018</a:t>
             </a:fld>
             <a:endParaRPr lang="fr-FR"/>
           </a:p>
@@ -6070,7 +6070,7 @@
           <a:p>
             <a:fld id="{F5DE3747-A71A-4323-B182-59653B97B97C}" type="datetimeFigureOut">
               <a:rPr lang="fr-FR" smtClean="0"/>
-              <a:t>02/07/2018</a:t>
+              <a:t>04/07/2018</a:t>
             </a:fld>
             <a:endParaRPr lang="fr-FR"/>
           </a:p>
@@ -6193,7 +6193,7 @@
           <a:p>
             <a:fld id="{F5DE3747-A71A-4323-B182-59653B97B97C}" type="datetimeFigureOut">
               <a:rPr lang="fr-FR" smtClean="0"/>
-              <a:t>02/07/2018</a:t>
+              <a:t>04/07/2018</a:t>
             </a:fld>
             <a:endParaRPr lang="fr-FR"/>
           </a:p>
@@ -6288,7 +6288,7 @@
           <a:p>
             <a:fld id="{F5DE3747-A71A-4323-B182-59653B97B97C}" type="datetimeFigureOut">
               <a:rPr lang="fr-FR" smtClean="0"/>
-              <a:t>02/07/2018</a:t>
+              <a:t>04/07/2018</a:t>
             </a:fld>
             <a:endParaRPr lang="fr-FR"/>
           </a:p>
@@ -7051,7 +7051,7 @@
           <a:p>
             <a:fld id="{F5DE3747-A71A-4323-B182-59653B97B97C}" type="datetimeFigureOut">
               <a:rPr lang="fr-FR" smtClean="0"/>
-              <a:t>02/07/2018</a:t>
+              <a:t>04/07/2018</a:t>
             </a:fld>
             <a:endParaRPr lang="fr-FR"/>
           </a:p>
@@ -7891,7 +7891,7 @@
           <a:p>
             <a:fld id="{F5DE3747-A71A-4323-B182-59653B97B97C}" type="datetimeFigureOut">
               <a:rPr lang="fr-FR" smtClean="0"/>
-              <a:t>02/07/2018</a:t>
+              <a:t>04/07/2018</a:t>
             </a:fld>
             <a:endParaRPr lang="fr-FR"/>
           </a:p>
@@ -8118,7 +8118,7 @@
           <a:p>
             <a:fld id="{F5DE3747-A71A-4323-B182-59653B97B97C}" type="datetimeFigureOut">
               <a:rPr lang="fr-FR" smtClean="0"/>
-              <a:t>02/07/2018</a:t>
+              <a:t>04/07/2018</a:t>
             </a:fld>
             <a:endParaRPr lang="fr-FR"/>
           </a:p>
@@ -9361,6 +9361,13 @@
               <a:t>Facebook</a:t>
             </a:r>
           </a:p>
+          <a:p>
+            <a:r>
+              <a:rPr lang="fr-FR"/>
+              <a:t>Github</a:t>
+            </a:r>
+            <a:endParaRPr lang="fr-FR" dirty="0"/>
+          </a:p>
         </p:txBody>
       </p:sp>
     </p:spTree>
@@ -9672,6 +9679,67 @@
                                           <p:spTgt spid="3">
                                             <p:txEl>
                                               <p:pRg st="4" end="4"/>
+                                            </p:txEl>
+                                          </p:spTgt>
+                                        </p:tgtEl>
+                                      </p:cBhvr>
+                                    </p:animEffect>
+                                  </p:childTnLst>
+                                </p:cTn>
+                              </p:par>
+                            </p:childTnLst>
+                          </p:cTn>
+                        </p:par>
+                      </p:childTnLst>
+                    </p:cTn>
+                  </p:par>
+                  <p:par>
+                    <p:cTn id="28" fill="hold">
+                      <p:stCondLst>
+                        <p:cond delay="indefinite"/>
+                      </p:stCondLst>
+                      <p:childTnLst>
+                        <p:par>
+                          <p:cTn id="29" fill="hold">
+                            <p:stCondLst>
+                              <p:cond delay="0"/>
+                            </p:stCondLst>
+                            <p:childTnLst>
+                              <p:par>
+                                <p:cTn id="30" presetID="10" presetClass="entr" presetSubtype="0" fill="hold" grpId="0" nodeType="clickEffect">
+                                  <p:stCondLst>
+                                    <p:cond delay="0"/>
+                                  </p:stCondLst>
+                                  <p:childTnLst>
+                                    <p:set>
+                                      <p:cBhvr>
+                                        <p:cTn id="31" dur="1" fill="hold">
+                                          <p:stCondLst>
+                                            <p:cond delay="0"/>
+                                          </p:stCondLst>
+                                        </p:cTn>
+                                        <p:tgtEl>
+                                          <p:spTgt spid="3">
+                                            <p:txEl>
+                                              <p:pRg st="5" end="5"/>
+                                            </p:txEl>
+                                          </p:spTgt>
+                                        </p:tgtEl>
+                                        <p:attrNameLst>
+                                          <p:attrName>style.visibility</p:attrName>
+                                        </p:attrNameLst>
+                                      </p:cBhvr>
+                                      <p:to>
+                                        <p:strVal val="visible"/>
+                                      </p:to>
+                                    </p:set>
+                                    <p:animEffect transition="in" filter="fade">
+                                      <p:cBhvr>
+                                        <p:cTn id="32" dur="500"/>
+                                        <p:tgtEl>
+                                          <p:spTgt spid="3">
+                                            <p:txEl>
+                                              <p:pRg st="5" end="5"/>
                                             </p:txEl>
                                           </p:spTgt>
                                         </p:tgtEl>

--- a/Prez OIDC.pptx
+++ b/Prez OIDC.pptx
@@ -130,6 +130,10 @@
     </p:ext>
   </p:extLst>
 </p:presentation>
+</file>
+
+<file path=ppt/revisionInfo.xml><?xml version="1.0" encoding="utf-8"?>
+<p1510:revInfo xmlns:a="http://schemas.openxmlformats.org/drawingml/2006/main" xmlns:r="http://schemas.openxmlformats.org/officeDocument/2006/relationships" xmlns:p1510="http://schemas.microsoft.com/office/powerpoint/2015/10/main"/>
 </file>
 
 <file path=ppt/notesMasters/notesMaster1.xml><?xml version="1.0" encoding="utf-8"?>
@@ -11734,6 +11738,14 @@
             <a:r>
               <a:rPr lang="fr-FR" sz="1600" dirty="0" err="1"/>
               <a:t>token</a:t>
+            </a:r>
+            <a:r>
+              <a:rPr lang="fr-FR" sz="1600" dirty="0"/>
+              <a:t>/</a:t>
+            </a:r>
+            <a:r>
+              <a:rPr lang="fr-FR" sz="1600"/>
+              <a:t>id_token</a:t>
             </a:r>
             <a:endParaRPr lang="fr-FR" sz="1600" dirty="0"/>
           </a:p>

--- a/Prez OIDC.pptx
+++ b/Prez OIDC.pptx
@@ -218,7 +218,7 @@
           <a:p>
             <a:fld id="{CEAEE7E3-3747-4852-9FFD-BE8C94A3E538}" type="datetimeFigureOut">
               <a:rPr lang="fr-FR" smtClean="0"/>
-              <a:t>04/07/2018</a:t>
+              <a:t>05/07/2018</a:t>
             </a:fld>
             <a:endParaRPr lang="fr-FR"/>
           </a:p>
@@ -3619,7 +3619,7 @@
           <a:p>
             <a:fld id="{F5DE3747-A71A-4323-B182-59653B97B97C}" type="datetimeFigureOut">
               <a:rPr lang="fr-FR" smtClean="0"/>
-              <a:t>04/07/2018</a:t>
+              <a:t>05/07/2018</a:t>
             </a:fld>
             <a:endParaRPr lang="fr-FR"/>
           </a:p>
@@ -3857,7 +3857,7 @@
           <a:p>
             <a:fld id="{F5DE3747-A71A-4323-B182-59653B97B97C}" type="datetimeFigureOut">
               <a:rPr lang="fr-FR" smtClean="0"/>
-              <a:t>04/07/2018</a:t>
+              <a:t>05/07/2018</a:t>
             </a:fld>
             <a:endParaRPr lang="fr-FR"/>
           </a:p>
@@ -4037,7 +4037,7 @@
           <a:p>
             <a:fld id="{F5DE3747-A71A-4323-B182-59653B97B97C}" type="datetimeFigureOut">
               <a:rPr lang="fr-FR" smtClean="0"/>
-              <a:t>04/07/2018</a:t>
+              <a:t>05/07/2018</a:t>
             </a:fld>
             <a:endParaRPr lang="fr-FR"/>
           </a:p>
@@ -4207,7 +4207,7 @@
           <a:p>
             <a:fld id="{F5DE3747-A71A-4323-B182-59653B97B97C}" type="datetimeFigureOut">
               <a:rPr lang="fr-FR" smtClean="0"/>
-              <a:t>04/07/2018</a:t>
+              <a:t>05/07/2018</a:t>
             </a:fld>
             <a:endParaRPr lang="fr-FR"/>
           </a:p>
@@ -4483,7 +4483,7 @@
           <a:p>
             <a:fld id="{F5DE3747-A71A-4323-B182-59653B97B97C}" type="datetimeFigureOut">
               <a:rPr lang="fr-FR" smtClean="0"/>
-              <a:t>04/07/2018</a:t>
+              <a:t>05/07/2018</a:t>
             </a:fld>
             <a:endParaRPr lang="fr-FR"/>
           </a:p>
@@ -5684,7 +5684,7 @@
           <a:p>
             <a:fld id="{F5DE3747-A71A-4323-B182-59653B97B97C}" type="datetimeFigureOut">
               <a:rPr lang="fr-FR" smtClean="0"/>
-              <a:t>04/07/2018</a:t>
+              <a:t>05/07/2018</a:t>
             </a:fld>
             <a:endParaRPr lang="fr-FR"/>
           </a:p>
@@ -6074,7 +6074,7 @@
           <a:p>
             <a:fld id="{F5DE3747-A71A-4323-B182-59653B97B97C}" type="datetimeFigureOut">
               <a:rPr lang="fr-FR" smtClean="0"/>
-              <a:t>04/07/2018</a:t>
+              <a:t>05/07/2018</a:t>
             </a:fld>
             <a:endParaRPr lang="fr-FR"/>
           </a:p>
@@ -6197,7 +6197,7 @@
           <a:p>
             <a:fld id="{F5DE3747-A71A-4323-B182-59653B97B97C}" type="datetimeFigureOut">
               <a:rPr lang="fr-FR" smtClean="0"/>
-              <a:t>04/07/2018</a:t>
+              <a:t>05/07/2018</a:t>
             </a:fld>
             <a:endParaRPr lang="fr-FR"/>
           </a:p>
@@ -6292,7 +6292,7 @@
           <a:p>
             <a:fld id="{F5DE3747-A71A-4323-B182-59653B97B97C}" type="datetimeFigureOut">
               <a:rPr lang="fr-FR" smtClean="0"/>
-              <a:t>04/07/2018</a:t>
+              <a:t>05/07/2018</a:t>
             </a:fld>
             <a:endParaRPr lang="fr-FR"/>
           </a:p>
@@ -7055,7 +7055,7 @@
           <a:p>
             <a:fld id="{F5DE3747-A71A-4323-B182-59653B97B97C}" type="datetimeFigureOut">
               <a:rPr lang="fr-FR" smtClean="0"/>
-              <a:t>04/07/2018</a:t>
+              <a:t>05/07/2018</a:t>
             </a:fld>
             <a:endParaRPr lang="fr-FR"/>
           </a:p>
@@ -7895,7 +7895,7 @@
           <a:p>
             <a:fld id="{F5DE3747-A71A-4323-B182-59653B97B97C}" type="datetimeFigureOut">
               <a:rPr lang="fr-FR" smtClean="0"/>
-              <a:t>04/07/2018</a:t>
+              <a:t>05/07/2018</a:t>
             </a:fld>
             <a:endParaRPr lang="fr-FR"/>
           </a:p>
@@ -8122,7 +8122,7 @@
           <a:p>
             <a:fld id="{F5DE3747-A71A-4323-B182-59653B97B97C}" type="datetimeFigureOut">
               <a:rPr lang="fr-FR" smtClean="0"/>
-              <a:t>04/07/2018</a:t>
+              <a:t>05/07/2018</a:t>
             </a:fld>
             <a:endParaRPr lang="fr-FR"/>
           </a:p>
@@ -9350,27 +9350,26 @@
           <a:p>
             <a:r>
               <a:rPr lang="fr-FR" dirty="0"/>
-              <a:t>Twitter</a:t>
+              <a:t>Amazon</a:t>
             </a:r>
           </a:p>
           <a:p>
             <a:r>
               <a:rPr lang="fr-FR" dirty="0"/>
-              <a:t>LinkedIn</a:t>
+              <a:t>Yahoo</a:t>
             </a:r>
           </a:p>
           <a:p>
             <a:r>
               <a:rPr lang="fr-FR" dirty="0"/>
-              <a:t>Facebook</a:t>
-            </a:r>
-          </a:p>
-          <a:p>
-            <a:r>
-              <a:rPr lang="fr-FR"/>
-              <a:t>Github</a:t>
-            </a:r>
-            <a:endParaRPr lang="fr-FR" dirty="0"/>
+              <a:t>Salesforce</a:t>
+            </a:r>
+          </a:p>
+          <a:p>
+            <a:r>
+              <a:rPr lang="fr-FR" dirty="0"/>
+              <a:t>…</a:t>
+            </a:r>
           </a:p>
         </p:txBody>
       </p:sp>
@@ -9384,405 +9383,6 @@
   <p:clrMapOvr>
     <a:masterClrMapping/>
   </p:clrMapOvr>
-  <p:timing>
-    <p:tnLst>
-      <p:par>
-        <p:cTn id="1" dur="indefinite" restart="never" nodeType="tmRoot">
-          <p:childTnLst>
-            <p:seq concurrent="1" nextAc="seek">
-              <p:cTn id="2" dur="indefinite" nodeType="mainSeq">
-                <p:childTnLst>
-                  <p:par>
-                    <p:cTn id="3" fill="hold">
-                      <p:stCondLst>
-                        <p:cond delay="indefinite"/>
-                      </p:stCondLst>
-                      <p:childTnLst>
-                        <p:par>
-                          <p:cTn id="4" fill="hold">
-                            <p:stCondLst>
-                              <p:cond delay="0"/>
-                            </p:stCondLst>
-                            <p:childTnLst>
-                              <p:par>
-                                <p:cTn id="5" presetID="10" presetClass="entr" presetSubtype="0" fill="hold" grpId="0" nodeType="clickEffect">
-                                  <p:stCondLst>
-                                    <p:cond delay="0"/>
-                                  </p:stCondLst>
-                                  <p:childTnLst>
-                                    <p:set>
-                                      <p:cBhvr>
-                                        <p:cTn id="6" dur="1" fill="hold">
-                                          <p:stCondLst>
-                                            <p:cond delay="0"/>
-                                          </p:stCondLst>
-                                        </p:cTn>
-                                        <p:tgtEl>
-                                          <p:spTgt spid="3">
-                                            <p:txEl>
-                                              <p:pRg st="0" end="0"/>
-                                            </p:txEl>
-                                          </p:spTgt>
-                                        </p:tgtEl>
-                                        <p:attrNameLst>
-                                          <p:attrName>style.visibility</p:attrName>
-                                        </p:attrNameLst>
-                                      </p:cBhvr>
-                                      <p:to>
-                                        <p:strVal val="visible"/>
-                                      </p:to>
-                                    </p:set>
-                                    <p:animEffect transition="in" filter="fade">
-                                      <p:cBhvr>
-                                        <p:cTn id="7" dur="500"/>
-                                        <p:tgtEl>
-                                          <p:spTgt spid="3">
-                                            <p:txEl>
-                                              <p:pRg st="0" end="0"/>
-                                            </p:txEl>
-                                          </p:spTgt>
-                                        </p:tgtEl>
-                                      </p:cBhvr>
-                                    </p:animEffect>
-                                  </p:childTnLst>
-                                </p:cTn>
-                              </p:par>
-                            </p:childTnLst>
-                          </p:cTn>
-                        </p:par>
-                      </p:childTnLst>
-                    </p:cTn>
-                  </p:par>
-                  <p:par>
-                    <p:cTn id="8" fill="hold">
-                      <p:stCondLst>
-                        <p:cond delay="indefinite"/>
-                      </p:stCondLst>
-                      <p:childTnLst>
-                        <p:par>
-                          <p:cTn id="9" fill="hold">
-                            <p:stCondLst>
-                              <p:cond delay="0"/>
-                            </p:stCondLst>
-                            <p:childTnLst>
-                              <p:par>
-                                <p:cTn id="10" presetID="10" presetClass="entr" presetSubtype="0" fill="hold" grpId="0" nodeType="clickEffect">
-                                  <p:stCondLst>
-                                    <p:cond delay="0"/>
-                                  </p:stCondLst>
-                                  <p:childTnLst>
-                                    <p:set>
-                                      <p:cBhvr>
-                                        <p:cTn id="11" dur="1" fill="hold">
-                                          <p:stCondLst>
-                                            <p:cond delay="0"/>
-                                          </p:stCondLst>
-                                        </p:cTn>
-                                        <p:tgtEl>
-                                          <p:spTgt spid="3">
-                                            <p:txEl>
-                                              <p:pRg st="1" end="1"/>
-                                            </p:txEl>
-                                          </p:spTgt>
-                                        </p:tgtEl>
-                                        <p:attrNameLst>
-                                          <p:attrName>style.visibility</p:attrName>
-                                        </p:attrNameLst>
-                                      </p:cBhvr>
-                                      <p:to>
-                                        <p:strVal val="visible"/>
-                                      </p:to>
-                                    </p:set>
-                                    <p:animEffect transition="in" filter="fade">
-                                      <p:cBhvr>
-                                        <p:cTn id="12" dur="500"/>
-                                        <p:tgtEl>
-                                          <p:spTgt spid="3">
-                                            <p:txEl>
-                                              <p:pRg st="1" end="1"/>
-                                            </p:txEl>
-                                          </p:spTgt>
-                                        </p:tgtEl>
-                                      </p:cBhvr>
-                                    </p:animEffect>
-                                  </p:childTnLst>
-                                </p:cTn>
-                              </p:par>
-                            </p:childTnLst>
-                          </p:cTn>
-                        </p:par>
-                      </p:childTnLst>
-                    </p:cTn>
-                  </p:par>
-                  <p:par>
-                    <p:cTn id="13" fill="hold">
-                      <p:stCondLst>
-                        <p:cond delay="indefinite"/>
-                      </p:stCondLst>
-                      <p:childTnLst>
-                        <p:par>
-                          <p:cTn id="14" fill="hold">
-                            <p:stCondLst>
-                              <p:cond delay="0"/>
-                            </p:stCondLst>
-                            <p:childTnLst>
-                              <p:par>
-                                <p:cTn id="15" presetID="10" presetClass="entr" presetSubtype="0" fill="hold" grpId="0" nodeType="clickEffect">
-                                  <p:stCondLst>
-                                    <p:cond delay="0"/>
-                                  </p:stCondLst>
-                                  <p:childTnLst>
-                                    <p:set>
-                                      <p:cBhvr>
-                                        <p:cTn id="16" dur="1" fill="hold">
-                                          <p:stCondLst>
-                                            <p:cond delay="0"/>
-                                          </p:stCondLst>
-                                        </p:cTn>
-                                        <p:tgtEl>
-                                          <p:spTgt spid="3">
-                                            <p:txEl>
-                                              <p:pRg st="2" end="2"/>
-                                            </p:txEl>
-                                          </p:spTgt>
-                                        </p:tgtEl>
-                                        <p:attrNameLst>
-                                          <p:attrName>style.visibility</p:attrName>
-                                        </p:attrNameLst>
-                                      </p:cBhvr>
-                                      <p:to>
-                                        <p:strVal val="visible"/>
-                                      </p:to>
-                                    </p:set>
-                                    <p:animEffect transition="in" filter="fade">
-                                      <p:cBhvr>
-                                        <p:cTn id="17" dur="500"/>
-                                        <p:tgtEl>
-                                          <p:spTgt spid="3">
-                                            <p:txEl>
-                                              <p:pRg st="2" end="2"/>
-                                            </p:txEl>
-                                          </p:spTgt>
-                                        </p:tgtEl>
-                                      </p:cBhvr>
-                                    </p:animEffect>
-                                  </p:childTnLst>
-                                </p:cTn>
-                              </p:par>
-                            </p:childTnLst>
-                          </p:cTn>
-                        </p:par>
-                      </p:childTnLst>
-                    </p:cTn>
-                  </p:par>
-                  <p:par>
-                    <p:cTn id="18" fill="hold">
-                      <p:stCondLst>
-                        <p:cond delay="indefinite"/>
-                      </p:stCondLst>
-                      <p:childTnLst>
-                        <p:par>
-                          <p:cTn id="19" fill="hold">
-                            <p:stCondLst>
-                              <p:cond delay="0"/>
-                            </p:stCondLst>
-                            <p:childTnLst>
-                              <p:par>
-                                <p:cTn id="20" presetID="10" presetClass="entr" presetSubtype="0" fill="hold" grpId="0" nodeType="clickEffect">
-                                  <p:stCondLst>
-                                    <p:cond delay="0"/>
-                                  </p:stCondLst>
-                                  <p:childTnLst>
-                                    <p:set>
-                                      <p:cBhvr>
-                                        <p:cTn id="21" dur="1" fill="hold">
-                                          <p:stCondLst>
-                                            <p:cond delay="0"/>
-                                          </p:stCondLst>
-                                        </p:cTn>
-                                        <p:tgtEl>
-                                          <p:spTgt spid="3">
-                                            <p:txEl>
-                                              <p:pRg st="3" end="3"/>
-                                            </p:txEl>
-                                          </p:spTgt>
-                                        </p:tgtEl>
-                                        <p:attrNameLst>
-                                          <p:attrName>style.visibility</p:attrName>
-                                        </p:attrNameLst>
-                                      </p:cBhvr>
-                                      <p:to>
-                                        <p:strVal val="visible"/>
-                                      </p:to>
-                                    </p:set>
-                                    <p:animEffect transition="in" filter="fade">
-                                      <p:cBhvr>
-                                        <p:cTn id="22" dur="500"/>
-                                        <p:tgtEl>
-                                          <p:spTgt spid="3">
-                                            <p:txEl>
-                                              <p:pRg st="3" end="3"/>
-                                            </p:txEl>
-                                          </p:spTgt>
-                                        </p:tgtEl>
-                                      </p:cBhvr>
-                                    </p:animEffect>
-                                  </p:childTnLst>
-                                </p:cTn>
-                              </p:par>
-                            </p:childTnLst>
-                          </p:cTn>
-                        </p:par>
-                      </p:childTnLst>
-                    </p:cTn>
-                  </p:par>
-                  <p:par>
-                    <p:cTn id="23" fill="hold">
-                      <p:stCondLst>
-                        <p:cond delay="indefinite"/>
-                      </p:stCondLst>
-                      <p:childTnLst>
-                        <p:par>
-                          <p:cTn id="24" fill="hold">
-                            <p:stCondLst>
-                              <p:cond delay="0"/>
-                            </p:stCondLst>
-                            <p:childTnLst>
-                              <p:par>
-                                <p:cTn id="25" presetID="10" presetClass="entr" presetSubtype="0" fill="hold" grpId="0" nodeType="clickEffect">
-                                  <p:stCondLst>
-                                    <p:cond delay="0"/>
-                                  </p:stCondLst>
-                                  <p:childTnLst>
-                                    <p:set>
-                                      <p:cBhvr>
-                                        <p:cTn id="26" dur="1" fill="hold">
-                                          <p:stCondLst>
-                                            <p:cond delay="0"/>
-                                          </p:stCondLst>
-                                        </p:cTn>
-                                        <p:tgtEl>
-                                          <p:spTgt spid="3">
-                                            <p:txEl>
-                                              <p:pRg st="4" end="4"/>
-                                            </p:txEl>
-                                          </p:spTgt>
-                                        </p:tgtEl>
-                                        <p:attrNameLst>
-                                          <p:attrName>style.visibility</p:attrName>
-                                        </p:attrNameLst>
-                                      </p:cBhvr>
-                                      <p:to>
-                                        <p:strVal val="visible"/>
-                                      </p:to>
-                                    </p:set>
-                                    <p:animEffect transition="in" filter="fade">
-                                      <p:cBhvr>
-                                        <p:cTn id="27" dur="500"/>
-                                        <p:tgtEl>
-                                          <p:spTgt spid="3">
-                                            <p:txEl>
-                                              <p:pRg st="4" end="4"/>
-                                            </p:txEl>
-                                          </p:spTgt>
-                                        </p:tgtEl>
-                                      </p:cBhvr>
-                                    </p:animEffect>
-                                  </p:childTnLst>
-                                </p:cTn>
-                              </p:par>
-                            </p:childTnLst>
-                          </p:cTn>
-                        </p:par>
-                      </p:childTnLst>
-                    </p:cTn>
-                  </p:par>
-                  <p:par>
-                    <p:cTn id="28" fill="hold">
-                      <p:stCondLst>
-                        <p:cond delay="indefinite"/>
-                      </p:stCondLst>
-                      <p:childTnLst>
-                        <p:par>
-                          <p:cTn id="29" fill="hold">
-                            <p:stCondLst>
-                              <p:cond delay="0"/>
-                            </p:stCondLst>
-                            <p:childTnLst>
-                              <p:par>
-                                <p:cTn id="30" presetID="10" presetClass="entr" presetSubtype="0" fill="hold" grpId="0" nodeType="clickEffect">
-                                  <p:stCondLst>
-                                    <p:cond delay="0"/>
-                                  </p:stCondLst>
-                                  <p:childTnLst>
-                                    <p:set>
-                                      <p:cBhvr>
-                                        <p:cTn id="31" dur="1" fill="hold">
-                                          <p:stCondLst>
-                                            <p:cond delay="0"/>
-                                          </p:stCondLst>
-                                        </p:cTn>
-                                        <p:tgtEl>
-                                          <p:spTgt spid="3">
-                                            <p:txEl>
-                                              <p:pRg st="5" end="5"/>
-                                            </p:txEl>
-                                          </p:spTgt>
-                                        </p:tgtEl>
-                                        <p:attrNameLst>
-                                          <p:attrName>style.visibility</p:attrName>
-                                        </p:attrNameLst>
-                                      </p:cBhvr>
-                                      <p:to>
-                                        <p:strVal val="visible"/>
-                                      </p:to>
-                                    </p:set>
-                                    <p:animEffect transition="in" filter="fade">
-                                      <p:cBhvr>
-                                        <p:cTn id="32" dur="500"/>
-                                        <p:tgtEl>
-                                          <p:spTgt spid="3">
-                                            <p:txEl>
-                                              <p:pRg st="5" end="5"/>
-                                            </p:txEl>
-                                          </p:spTgt>
-                                        </p:tgtEl>
-                                      </p:cBhvr>
-                                    </p:animEffect>
-                                  </p:childTnLst>
-                                </p:cTn>
-                              </p:par>
-                            </p:childTnLst>
-                          </p:cTn>
-                        </p:par>
-                      </p:childTnLst>
-                    </p:cTn>
-                  </p:par>
-                </p:childTnLst>
-              </p:cTn>
-              <p:prevCondLst>
-                <p:cond evt="onPrev" delay="0">
-                  <p:tgtEl>
-                    <p:sldTgt/>
-                  </p:tgtEl>
-                </p:cond>
-              </p:prevCondLst>
-              <p:nextCondLst>
-                <p:cond evt="onNext" delay="0">
-                  <p:tgtEl>
-                    <p:sldTgt/>
-                  </p:tgtEl>
-                </p:cond>
-              </p:nextCondLst>
-            </p:seq>
-          </p:childTnLst>
-        </p:cTn>
-      </p:par>
-    </p:tnLst>
-    <p:bldLst>
-      <p:bldP spid="3" grpId="0" build="p"/>
-    </p:bldLst>
-  </p:timing>
 </p:sld>
 </file>
 
